--- a/COVID-19.pptx
+++ b/COVID-19.pptx
@@ -1,43 +1,43 @@
 
 <file path=ppt/presentation.xml><?xml version="1.0" encoding="utf-8"?>
-<p:presentation xmlns:a="http://schemas.openxmlformats.org/drawingml/2006/main" xmlns:r="http://schemas.openxmlformats.org/officeDocument/2006/relationships" xmlns:mc="http://schemas.openxmlformats.org/markup-compatibility/2006" xmlns:mv="urn:schemas-microsoft-com:mac:vml" xmlns:p="http://schemas.openxmlformats.org/presentationml/2006/main" xmlns:c="http://schemas.openxmlformats.org/drawingml/2006/chart" xmlns:dgm="http://schemas.openxmlformats.org/drawingml/2006/diagram" xmlns:o="urn:schemas-microsoft-com:office:office" xmlns:v="urn:schemas-microsoft-com:vml" xmlns:pvml="urn:schemas-microsoft-com:office:powerpoint" xmlns:com="http://schemas.openxmlformats.org/drawingml/2006/compatibility" xmlns:p14="http://schemas.microsoft.com/office/powerpoint/2010/main" xmlns:p15="http://schemas.microsoft.com/office/powerpoint/2012/main" xmlns:ahyp="http://schemas.microsoft.com/office/drawing/2018/hyperlinkcolor" autoCompressPictures="0" embedTrueTypeFonts="1" strictFirstAndLastChars="0" saveSubsetFonts="1">
+<p:presentation xmlns:a="http://schemas.openxmlformats.org/drawingml/2006/main" xmlns:r="http://schemas.openxmlformats.org/officeDocument/2006/relationships" xmlns:p="http://schemas.openxmlformats.org/presentationml/2006/main" strictFirstAndLastChars="0" embedTrueTypeFonts="1" saveSubsetFonts="1" autoCompressPictures="0">
   <p:sldMasterIdLst>
-    <p:sldMasterId id="2147483659" r:id="rId4"/>
+    <p:sldMasterId id="2147483659" r:id="rId1"/>
   </p:sldMasterIdLst>
   <p:notesMasterIdLst>
-    <p:notesMasterId r:id="rId5"/>
+    <p:notesMasterId r:id="rId11"/>
   </p:notesMasterIdLst>
   <p:sldIdLst>
-    <p:sldId id="256" r:id="rId6"/>
-    <p:sldId id="257" r:id="rId7"/>
-    <p:sldId id="258" r:id="rId8"/>
-    <p:sldId id="259" r:id="rId9"/>
-    <p:sldId id="260" r:id="rId10"/>
-    <p:sldId id="261" r:id="rId11"/>
-    <p:sldId id="262" r:id="rId12"/>
-    <p:sldId id="263" r:id="rId13"/>
-    <p:sldId id="264" r:id="rId14"/>
+    <p:sldId id="256" r:id="rId2"/>
+    <p:sldId id="257" r:id="rId3"/>
+    <p:sldId id="258" r:id="rId4"/>
+    <p:sldId id="259" r:id="rId5"/>
+    <p:sldId id="260" r:id="rId6"/>
+    <p:sldId id="261" r:id="rId7"/>
+    <p:sldId id="262" r:id="rId8"/>
+    <p:sldId id="263" r:id="rId9"/>
+    <p:sldId id="264" r:id="rId10"/>
   </p:sldIdLst>
-  <p:sldSz cy="5143500" cx="9144000"/>
+  <p:sldSz cx="9144000" cy="5143500" type="screen16x9"/>
   <p:notesSz cx="6858000" cy="9144000"/>
   <p:embeddedFontLst>
     <p:embeddedFont>
-      <p:font typeface="Roboto"/>
-      <p:regular r:id="rId15"/>
-      <p:bold r:id="rId16"/>
-      <p:italic r:id="rId17"/>
-      <p:boldItalic r:id="rId18"/>
+      <p:font typeface="Merriweather" panose="020B0604020202020204" charset="0"/>
+      <p:regular r:id="rId12"/>
+      <p:bold r:id="rId13"/>
+      <p:italic r:id="rId14"/>
+      <p:boldItalic r:id="rId15"/>
     </p:embeddedFont>
     <p:embeddedFont>
-      <p:font typeface="Merriweather"/>
-      <p:regular r:id="rId19"/>
-      <p:bold r:id="rId20"/>
-      <p:italic r:id="rId21"/>
-      <p:boldItalic r:id="rId22"/>
+      <p:font typeface="Roboto" panose="020B0604020202020204" charset="0"/>
+      <p:regular r:id="rId16"/>
+      <p:bold r:id="rId17"/>
+      <p:italic r:id="rId18"/>
+      <p:boldItalic r:id="rId19"/>
     </p:embeddedFont>
   </p:embeddedFontLst>
   <p:defaultTextStyle>
-    <a:defPPr lvl="0" marR="0" rtl="0" algn="l">
+    <a:defPPr marR="0" lvl="0" algn="l" rtl="0">
       <a:lnSpc>
         <a:spcPct val="100000"/>
       </a:lnSpc>
@@ -48,7 +48,7 @@
         <a:spcPts val="0"/>
       </a:spcAft>
     </a:defPPr>
-    <a:lvl1pPr lvl="0" marR="0" rtl="0" algn="l">
+    <a:lvl1pPr marR="0" lvl="0" algn="l" rtl="0">
       <a:lnSpc>
         <a:spcPct val="100000"/>
       </a:lnSpc>
@@ -62,7 +62,7 @@
         <a:srgbClr val="000000"/>
       </a:buClr>
       <a:buFont typeface="Arial"/>
-      <a:defRPr b="0" i="0" sz="1400" u="none" cap="none" strike="noStrike">
+      <a:defRPr sz="1400" b="0" i="0" u="none" strike="noStrike" cap="none">
         <a:solidFill>
           <a:srgbClr val="000000"/>
         </a:solidFill>
@@ -72,7 +72,7 @@
         <a:sym typeface="Arial"/>
       </a:defRPr>
     </a:lvl1pPr>
-    <a:lvl2pPr lvl="1" marR="0" rtl="0" algn="l">
+    <a:lvl2pPr marR="0" lvl="1" algn="l" rtl="0">
       <a:lnSpc>
         <a:spcPct val="100000"/>
       </a:lnSpc>
@@ -86,7 +86,7 @@
         <a:srgbClr val="000000"/>
       </a:buClr>
       <a:buFont typeface="Arial"/>
-      <a:defRPr b="0" i="0" sz="1400" u="none" cap="none" strike="noStrike">
+      <a:defRPr sz="1400" b="0" i="0" u="none" strike="noStrike" cap="none">
         <a:solidFill>
           <a:srgbClr val="000000"/>
         </a:solidFill>
@@ -96,7 +96,7 @@
         <a:sym typeface="Arial"/>
       </a:defRPr>
     </a:lvl2pPr>
-    <a:lvl3pPr lvl="2" marR="0" rtl="0" algn="l">
+    <a:lvl3pPr marR="0" lvl="2" algn="l" rtl="0">
       <a:lnSpc>
         <a:spcPct val="100000"/>
       </a:lnSpc>
@@ -110,7 +110,7 @@
         <a:srgbClr val="000000"/>
       </a:buClr>
       <a:buFont typeface="Arial"/>
-      <a:defRPr b="0" i="0" sz="1400" u="none" cap="none" strike="noStrike">
+      <a:defRPr sz="1400" b="0" i="0" u="none" strike="noStrike" cap="none">
         <a:solidFill>
           <a:srgbClr val="000000"/>
         </a:solidFill>
@@ -120,7 +120,7 @@
         <a:sym typeface="Arial"/>
       </a:defRPr>
     </a:lvl3pPr>
-    <a:lvl4pPr lvl="3" marR="0" rtl="0" algn="l">
+    <a:lvl4pPr marR="0" lvl="3" algn="l" rtl="0">
       <a:lnSpc>
         <a:spcPct val="100000"/>
       </a:lnSpc>
@@ -134,7 +134,7 @@
         <a:srgbClr val="000000"/>
       </a:buClr>
       <a:buFont typeface="Arial"/>
-      <a:defRPr b="0" i="0" sz="1400" u="none" cap="none" strike="noStrike">
+      <a:defRPr sz="1400" b="0" i="0" u="none" strike="noStrike" cap="none">
         <a:solidFill>
           <a:srgbClr val="000000"/>
         </a:solidFill>
@@ -144,7 +144,7 @@
         <a:sym typeface="Arial"/>
       </a:defRPr>
     </a:lvl4pPr>
-    <a:lvl5pPr lvl="4" marR="0" rtl="0" algn="l">
+    <a:lvl5pPr marR="0" lvl="4" algn="l" rtl="0">
       <a:lnSpc>
         <a:spcPct val="100000"/>
       </a:lnSpc>
@@ -158,7 +158,7 @@
         <a:srgbClr val="000000"/>
       </a:buClr>
       <a:buFont typeface="Arial"/>
-      <a:defRPr b="0" i="0" sz="1400" u="none" cap="none" strike="noStrike">
+      <a:defRPr sz="1400" b="0" i="0" u="none" strike="noStrike" cap="none">
         <a:solidFill>
           <a:srgbClr val="000000"/>
         </a:solidFill>
@@ -168,7 +168,7 @@
         <a:sym typeface="Arial"/>
       </a:defRPr>
     </a:lvl5pPr>
-    <a:lvl6pPr lvl="5" marR="0" rtl="0" algn="l">
+    <a:lvl6pPr marR="0" lvl="5" algn="l" rtl="0">
       <a:lnSpc>
         <a:spcPct val="100000"/>
       </a:lnSpc>
@@ -182,7 +182,7 @@
         <a:srgbClr val="000000"/>
       </a:buClr>
       <a:buFont typeface="Arial"/>
-      <a:defRPr b="0" i="0" sz="1400" u="none" cap="none" strike="noStrike">
+      <a:defRPr sz="1400" b="0" i="0" u="none" strike="noStrike" cap="none">
         <a:solidFill>
           <a:srgbClr val="000000"/>
         </a:solidFill>
@@ -192,7 +192,7 @@
         <a:sym typeface="Arial"/>
       </a:defRPr>
     </a:lvl6pPr>
-    <a:lvl7pPr lvl="6" marR="0" rtl="0" algn="l">
+    <a:lvl7pPr marR="0" lvl="6" algn="l" rtl="0">
       <a:lnSpc>
         <a:spcPct val="100000"/>
       </a:lnSpc>
@@ -206,7 +206,7 @@
         <a:srgbClr val="000000"/>
       </a:buClr>
       <a:buFont typeface="Arial"/>
-      <a:defRPr b="0" i="0" sz="1400" u="none" cap="none" strike="noStrike">
+      <a:defRPr sz="1400" b="0" i="0" u="none" strike="noStrike" cap="none">
         <a:solidFill>
           <a:srgbClr val="000000"/>
         </a:solidFill>
@@ -216,7 +216,7 @@
         <a:sym typeface="Arial"/>
       </a:defRPr>
     </a:lvl7pPr>
-    <a:lvl8pPr lvl="7" marR="0" rtl="0" algn="l">
+    <a:lvl8pPr marR="0" lvl="7" algn="l" rtl="0">
       <a:lnSpc>
         <a:spcPct val="100000"/>
       </a:lnSpc>
@@ -230,7 +230,7 @@
         <a:srgbClr val="000000"/>
       </a:buClr>
       <a:buFont typeface="Arial"/>
-      <a:defRPr b="0" i="0" sz="1400" u="none" cap="none" strike="noStrike">
+      <a:defRPr sz="1400" b="0" i="0" u="none" strike="noStrike" cap="none">
         <a:solidFill>
           <a:srgbClr val="000000"/>
         </a:solidFill>
@@ -240,7 +240,7 @@
         <a:sym typeface="Arial"/>
       </a:defRPr>
     </a:lvl8pPr>
-    <a:lvl9pPr lvl="8" marR="0" rtl="0" algn="l">
+    <a:lvl9pPr marR="0" lvl="8" algn="l" rtl="0">
       <a:lnSpc>
         <a:spcPct val="100000"/>
       </a:lnSpc>
@@ -254,7 +254,7 @@
         <a:srgbClr val="000000"/>
       </a:buClr>
       <a:buFont typeface="Arial"/>
-      <a:defRPr b="0" i="0" sz="1400" u="none" cap="none" strike="noStrike">
+      <a:defRPr sz="1400" b="0" i="0" u="none" strike="noStrike" cap="none">
         <a:solidFill>
           <a:srgbClr val="000000"/>
         </a:solidFill>
@@ -267,7 +267,7 @@
   </p:defaultTextStyle>
   <p:extLst>
     <p:ext uri="{EFAFB233-063F-42B5-8137-9DF3F51BA10A}">
-      <p15:sldGuideLst>
+      <p15:sldGuideLst xmlns:p15="http://schemas.microsoft.com/office/powerpoint/2012/main">
         <p15:guide id="1" orient="horz" pos="1620">
           <p15:clr>
             <a:srgbClr val="A4A3A4"/>
@@ -285,11 +285,16 @@
 </file>
 
 <file path=ppt/notesMasters/notesMaster1.xml><?xml version="1.0" encoding="utf-8"?>
-<p:notesMaster xmlns:a="http://schemas.openxmlformats.org/drawingml/2006/main" xmlns:r="http://schemas.openxmlformats.org/officeDocument/2006/relationships" xmlns:mc="http://schemas.openxmlformats.org/markup-compatibility/2006" xmlns:mv="urn:schemas-microsoft-com:mac:vml" xmlns:p="http://schemas.openxmlformats.org/presentationml/2006/main" xmlns:c="http://schemas.openxmlformats.org/drawingml/2006/chart" xmlns:dgm="http://schemas.openxmlformats.org/drawingml/2006/diagram" xmlns:o="urn:schemas-microsoft-com:office:office" xmlns:v="urn:schemas-microsoft-com:vml" xmlns:pvml="urn:schemas-microsoft-com:office:powerpoint" xmlns:com="http://schemas.openxmlformats.org/drawingml/2006/compatibility" xmlns:p14="http://schemas.microsoft.com/office/powerpoint/2010/main" xmlns:p15="http://schemas.microsoft.com/office/powerpoint/2012/main" xmlns:ahyp="http://schemas.microsoft.com/office/drawing/2018/hyperlinkcolor">
+<p:notesMaster xmlns:a="http://schemas.openxmlformats.org/drawingml/2006/main" xmlns:r="http://schemas.openxmlformats.org/officeDocument/2006/relationships" xmlns:p="http://schemas.openxmlformats.org/presentationml/2006/main">
   <p:cSld>
+    <p:bg>
+      <p:bgRef idx="1001">
+        <a:schemeClr val="bg1"/>
+      </p:bgRef>
+    </p:bg>
     <p:spTree>
       <p:nvGrpSpPr>
-        <p:cNvPr id="2" name="Shape 2"/>
+        <p:cNvPr id="1" name="Shape 2"/>
         <p:cNvGrpSpPr/>
         <p:nvPr/>
       </p:nvGrpSpPr>
@@ -304,9 +309,11 @@
       <p:sp>
         <p:nvSpPr>
           <p:cNvPr id="3" name="Google Shape;3;n"/>
-          <p:cNvSpPr/>
+          <p:cNvSpPr>
+            <a:spLocks noGrp="1" noRot="1" noChangeAspect="1"/>
+          </p:cNvSpPr>
           <p:nvPr>
-            <p:ph idx="2" type="sldImg"/>
+            <p:ph type="sldImg" idx="2"/>
           </p:nvPr>
         </p:nvSpPr>
         <p:spPr>
@@ -315,9 +322,13 @@
             <a:ext cx="6096075" cy="3429000"/>
           </a:xfrm>
           <a:custGeom>
-            <a:rect b="b" l="l" r="r" t="t"/>
+            <a:avLst/>
+            <a:gdLst/>
+            <a:ahLst/>
+            <a:cxnLst/>
+            <a:rect l="l" t="t" r="r" b="b"/>
             <a:pathLst>
-              <a:path extrusionOk="0" h="120000" w="120000">
+              <a:path w="120000" h="120000" extrusionOk="0">
                 <a:moveTo>
                   <a:pt x="0" y="0"/>
                 </a:moveTo>
@@ -335,23 +346,25 @@
             </a:pathLst>
           </a:custGeom>
           <a:noFill/>
-          <a:ln cap="flat" cmpd="sng" w="9525">
+          <a:ln w="9525" cap="flat" cmpd="sng">
             <a:solidFill>
               <a:srgbClr val="000000"/>
             </a:solidFill>
             <a:prstDash val="solid"/>
             <a:round/>
-            <a:headEnd len="sm" w="sm" type="none"/>
-            <a:tailEnd len="sm" w="sm" type="none"/>
+            <a:headEnd type="none" w="sm" len="sm"/>
+            <a:tailEnd type="none" w="sm" len="sm"/>
           </a:ln>
         </p:spPr>
       </p:sp>
       <p:sp>
         <p:nvSpPr>
           <p:cNvPr id="4" name="Google Shape;4;n"/>
-          <p:cNvSpPr txBox="1"/>
+          <p:cNvSpPr txBox="1">
+            <a:spLocks noGrp="1"/>
+          </p:cNvSpPr>
           <p:nvPr>
-            <p:ph idx="1" type="body"/>
+            <p:ph type="body" idx="1"/>
           </p:nvPr>
         </p:nvSpPr>
         <p:spPr>
@@ -368,11 +381,11 @@
           </a:ln>
         </p:spPr>
         <p:txBody>
-          <a:bodyPr anchorCtr="0" anchor="t" bIns="91425" lIns="91425" spcFirstLastPara="1" rIns="91425" wrap="square" tIns="91425">
+          <a:bodyPr spcFirstLastPara="1" wrap="square" lIns="91425" tIns="91425" rIns="91425" bIns="91425" anchor="t" anchorCtr="0">
             <a:noAutofit/>
           </a:bodyPr>
           <a:lstStyle>
-            <a:lvl1pPr indent="-298450" lvl="0" marL="457200">
+            <a:lvl1pPr marL="457200" lvl="0" indent="-298450">
               <a:spcBef>
                 <a:spcPts val="0"/>
               </a:spcBef>
@@ -383,7 +396,7 @@
               <a:buChar char="●"/>
               <a:defRPr sz="1100"/>
             </a:lvl1pPr>
-            <a:lvl2pPr indent="-298450" lvl="1" marL="914400">
+            <a:lvl2pPr marL="914400" lvl="1" indent="-298450">
               <a:spcBef>
                 <a:spcPts val="0"/>
               </a:spcBef>
@@ -394,7 +407,7 @@
               <a:buChar char="○"/>
               <a:defRPr sz="1100"/>
             </a:lvl2pPr>
-            <a:lvl3pPr indent="-298450" lvl="2" marL="1371600">
+            <a:lvl3pPr marL="1371600" lvl="2" indent="-298450">
               <a:spcBef>
                 <a:spcPts val="0"/>
               </a:spcBef>
@@ -405,7 +418,7 @@
               <a:buChar char="■"/>
               <a:defRPr sz="1100"/>
             </a:lvl3pPr>
-            <a:lvl4pPr indent="-298450" lvl="3" marL="1828800">
+            <a:lvl4pPr marL="1828800" lvl="3" indent="-298450">
               <a:spcBef>
                 <a:spcPts val="0"/>
               </a:spcBef>
@@ -416,7 +429,7 @@
               <a:buChar char="●"/>
               <a:defRPr sz="1100"/>
             </a:lvl4pPr>
-            <a:lvl5pPr indent="-298450" lvl="4" marL="2286000">
+            <a:lvl5pPr marL="2286000" lvl="4" indent="-298450">
               <a:spcBef>
                 <a:spcPts val="0"/>
               </a:spcBef>
@@ -427,7 +440,7 @@
               <a:buChar char="○"/>
               <a:defRPr sz="1100"/>
             </a:lvl5pPr>
-            <a:lvl6pPr indent="-298450" lvl="5" marL="2743200">
+            <a:lvl6pPr marL="2743200" lvl="5" indent="-298450">
               <a:spcBef>
                 <a:spcPts val="0"/>
               </a:spcBef>
@@ -438,7 +451,7 @@
               <a:buChar char="■"/>
               <a:defRPr sz="1100"/>
             </a:lvl6pPr>
-            <a:lvl7pPr indent="-298450" lvl="6" marL="3200400">
+            <a:lvl7pPr marL="3200400" lvl="6" indent="-298450">
               <a:spcBef>
                 <a:spcPts val="0"/>
               </a:spcBef>
@@ -449,7 +462,7 @@
               <a:buChar char="●"/>
               <a:defRPr sz="1100"/>
             </a:lvl7pPr>
-            <a:lvl8pPr indent="-298450" lvl="7" marL="3657600">
+            <a:lvl8pPr marL="3657600" lvl="7" indent="-298450">
               <a:spcBef>
                 <a:spcPts val="0"/>
               </a:spcBef>
@@ -460,7 +473,7 @@
               <a:buChar char="○"/>
               <a:defRPr sz="1100"/>
             </a:lvl8pPr>
-            <a:lvl9pPr indent="-298450" lvl="8" marL="4114800">
+            <a:lvl9pPr marL="4114800" lvl="8" indent="-298450">
               <a:spcBef>
                 <a:spcPts val="0"/>
               </a:spcBef>
@@ -472,14 +485,16 @@
               <a:defRPr sz="1100"/>
             </a:lvl9pPr>
           </a:lstStyle>
-          <a:p/>
+          <a:p>
+            <a:endParaRPr/>
+          </a:p>
         </p:txBody>
       </p:sp>
     </p:spTree>
   </p:cSld>
-  <p:clrMap accent1="accent1" accent2="accent2" accent3="accent3" accent4="accent4" accent5="accent5" accent6="accent6" bg1="lt1" bg2="dk2" tx1="dk1" tx2="lt2" folHlink="folHlink" hlink="hlink"/>
+  <p:clrMap bg1="lt1" tx1="dk1" bg2="dk2" tx2="lt2" accent1="accent1" accent2="accent2" accent3="accent3" accent4="accent4" accent5="accent5" accent6="accent6" hlink="hlink" folHlink="folHlink"/>
   <p:notesStyle>
-    <a:defPPr lvl="0" marR="0" rtl="0" algn="l">
+    <a:defPPr marR="0" lvl="0" algn="l" rtl="0">
       <a:lnSpc>
         <a:spcPct val="100000"/>
       </a:lnSpc>
@@ -490,7 +505,7 @@
         <a:spcPts val="0"/>
       </a:spcAft>
     </a:defPPr>
-    <a:lvl1pPr lvl="0" marR="0" rtl="0" algn="l">
+    <a:lvl1pPr marR="0" lvl="0" algn="l" rtl="0">
       <a:lnSpc>
         <a:spcPct val="100000"/>
       </a:lnSpc>
@@ -504,7 +519,7 @@
         <a:srgbClr val="000000"/>
       </a:buClr>
       <a:buFont typeface="Arial"/>
-      <a:defRPr b="0" i="0" sz="1400" u="none" cap="none" strike="noStrike">
+      <a:defRPr sz="1400" b="0" i="0" u="none" strike="noStrike" cap="none">
         <a:solidFill>
           <a:srgbClr val="000000"/>
         </a:solidFill>
@@ -514,7 +529,7 @@
         <a:sym typeface="Arial"/>
       </a:defRPr>
     </a:lvl1pPr>
-    <a:lvl2pPr lvl="1" marR="0" rtl="0" algn="l">
+    <a:lvl2pPr marR="0" lvl="1" algn="l" rtl="0">
       <a:lnSpc>
         <a:spcPct val="100000"/>
       </a:lnSpc>
@@ -528,7 +543,7 @@
         <a:srgbClr val="000000"/>
       </a:buClr>
       <a:buFont typeface="Arial"/>
-      <a:defRPr b="0" i="0" sz="1400" u="none" cap="none" strike="noStrike">
+      <a:defRPr sz="1400" b="0" i="0" u="none" strike="noStrike" cap="none">
         <a:solidFill>
           <a:srgbClr val="000000"/>
         </a:solidFill>
@@ -538,7 +553,7 @@
         <a:sym typeface="Arial"/>
       </a:defRPr>
     </a:lvl2pPr>
-    <a:lvl3pPr lvl="2" marR="0" rtl="0" algn="l">
+    <a:lvl3pPr marR="0" lvl="2" algn="l" rtl="0">
       <a:lnSpc>
         <a:spcPct val="100000"/>
       </a:lnSpc>
@@ -552,7 +567,7 @@
         <a:srgbClr val="000000"/>
       </a:buClr>
       <a:buFont typeface="Arial"/>
-      <a:defRPr b="0" i="0" sz="1400" u="none" cap="none" strike="noStrike">
+      <a:defRPr sz="1400" b="0" i="0" u="none" strike="noStrike" cap="none">
         <a:solidFill>
           <a:srgbClr val="000000"/>
         </a:solidFill>
@@ -562,7 +577,7 @@
         <a:sym typeface="Arial"/>
       </a:defRPr>
     </a:lvl3pPr>
-    <a:lvl4pPr lvl="3" marR="0" rtl="0" algn="l">
+    <a:lvl4pPr marR="0" lvl="3" algn="l" rtl="0">
       <a:lnSpc>
         <a:spcPct val="100000"/>
       </a:lnSpc>
@@ -576,7 +591,7 @@
         <a:srgbClr val="000000"/>
       </a:buClr>
       <a:buFont typeface="Arial"/>
-      <a:defRPr b="0" i="0" sz="1400" u="none" cap="none" strike="noStrike">
+      <a:defRPr sz="1400" b="0" i="0" u="none" strike="noStrike" cap="none">
         <a:solidFill>
           <a:srgbClr val="000000"/>
         </a:solidFill>
@@ -586,7 +601,7 @@
         <a:sym typeface="Arial"/>
       </a:defRPr>
     </a:lvl4pPr>
-    <a:lvl5pPr lvl="4" marR="0" rtl="0" algn="l">
+    <a:lvl5pPr marR="0" lvl="4" algn="l" rtl="0">
       <a:lnSpc>
         <a:spcPct val="100000"/>
       </a:lnSpc>
@@ -600,7 +615,7 @@
         <a:srgbClr val="000000"/>
       </a:buClr>
       <a:buFont typeface="Arial"/>
-      <a:defRPr b="0" i="0" sz="1400" u="none" cap="none" strike="noStrike">
+      <a:defRPr sz="1400" b="0" i="0" u="none" strike="noStrike" cap="none">
         <a:solidFill>
           <a:srgbClr val="000000"/>
         </a:solidFill>
@@ -610,7 +625,7 @@
         <a:sym typeface="Arial"/>
       </a:defRPr>
     </a:lvl5pPr>
-    <a:lvl6pPr lvl="5" marR="0" rtl="0" algn="l">
+    <a:lvl6pPr marR="0" lvl="5" algn="l" rtl="0">
       <a:lnSpc>
         <a:spcPct val="100000"/>
       </a:lnSpc>
@@ -624,7 +639,7 @@
         <a:srgbClr val="000000"/>
       </a:buClr>
       <a:buFont typeface="Arial"/>
-      <a:defRPr b="0" i="0" sz="1400" u="none" cap="none" strike="noStrike">
+      <a:defRPr sz="1400" b="0" i="0" u="none" strike="noStrike" cap="none">
         <a:solidFill>
           <a:srgbClr val="000000"/>
         </a:solidFill>
@@ -634,7 +649,7 @@
         <a:sym typeface="Arial"/>
       </a:defRPr>
     </a:lvl6pPr>
-    <a:lvl7pPr lvl="6" marR="0" rtl="0" algn="l">
+    <a:lvl7pPr marR="0" lvl="6" algn="l" rtl="0">
       <a:lnSpc>
         <a:spcPct val="100000"/>
       </a:lnSpc>
@@ -648,7 +663,7 @@
         <a:srgbClr val="000000"/>
       </a:buClr>
       <a:buFont typeface="Arial"/>
-      <a:defRPr b="0" i="0" sz="1400" u="none" cap="none" strike="noStrike">
+      <a:defRPr sz="1400" b="0" i="0" u="none" strike="noStrike" cap="none">
         <a:solidFill>
           <a:srgbClr val="000000"/>
         </a:solidFill>
@@ -658,7 +673,7 @@
         <a:sym typeface="Arial"/>
       </a:defRPr>
     </a:lvl7pPr>
-    <a:lvl8pPr lvl="7" marR="0" rtl="0" algn="l">
+    <a:lvl8pPr marR="0" lvl="7" algn="l" rtl="0">
       <a:lnSpc>
         <a:spcPct val="100000"/>
       </a:lnSpc>
@@ -672,7 +687,7 @@
         <a:srgbClr val="000000"/>
       </a:buClr>
       <a:buFont typeface="Arial"/>
-      <a:defRPr b="0" i="0" sz="1400" u="none" cap="none" strike="noStrike">
+      <a:defRPr sz="1400" b="0" i="0" u="none" strike="noStrike" cap="none">
         <a:solidFill>
           <a:srgbClr val="000000"/>
         </a:solidFill>
@@ -682,7 +697,7 @@
         <a:sym typeface="Arial"/>
       </a:defRPr>
     </a:lvl8pPr>
-    <a:lvl9pPr lvl="8" marR="0" rtl="0" algn="l">
+    <a:lvl9pPr marR="0" lvl="8" algn="l" rtl="0">
       <a:lnSpc>
         <a:spcPct val="100000"/>
       </a:lnSpc>
@@ -696,7 +711,7 @@
         <a:srgbClr val="000000"/>
       </a:buClr>
       <a:buFont typeface="Arial"/>
-      <a:defRPr b="0" i="0" sz="1400" u="none" cap="none" strike="noStrike">
+      <a:defRPr sz="1400" b="0" i="0" u="none" strike="noStrike" cap="none">
         <a:solidFill>
           <a:srgbClr val="000000"/>
         </a:solidFill>
@@ -711,11 +726,11 @@
 </file>
 
 <file path=ppt/notesSlides/notesSlide1.xml><?xml version="1.0" encoding="utf-8"?>
-<p:notes xmlns:a="http://schemas.openxmlformats.org/drawingml/2006/main" xmlns:r="http://schemas.openxmlformats.org/officeDocument/2006/relationships" xmlns:mc="http://schemas.openxmlformats.org/markup-compatibility/2006" xmlns:mv="urn:schemas-microsoft-com:mac:vml" xmlns:p="http://schemas.openxmlformats.org/presentationml/2006/main" xmlns:c="http://schemas.openxmlformats.org/drawingml/2006/chart" xmlns:dgm="http://schemas.openxmlformats.org/drawingml/2006/diagram" xmlns:o="urn:schemas-microsoft-com:office:office" xmlns:v="urn:schemas-microsoft-com:vml" xmlns:pvml="urn:schemas-microsoft-com:office:powerpoint" xmlns:com="http://schemas.openxmlformats.org/drawingml/2006/compatibility" xmlns:p14="http://schemas.microsoft.com/office/powerpoint/2010/main" xmlns:p15="http://schemas.microsoft.com/office/powerpoint/2012/main" xmlns:ahyp="http://schemas.microsoft.com/office/drawing/2018/hyperlinkcolor" showMasterPhAnim="0" showMasterSp="0">
+<p:notes xmlns:a="http://schemas.openxmlformats.org/drawingml/2006/main" xmlns:r="http://schemas.openxmlformats.org/officeDocument/2006/relationships" xmlns:p="http://schemas.openxmlformats.org/presentationml/2006/main" showMasterSp="0" showMasterPhAnim="0">
   <p:cSld>
     <p:spTree>
       <p:nvGrpSpPr>
-        <p:cNvPr id="60" name="Shape 60"/>
+        <p:cNvPr id="1" name="Shape 60"/>
         <p:cNvGrpSpPr/>
         <p:nvPr/>
       </p:nvGrpSpPr>
@@ -730,20 +745,26 @@
       <p:sp>
         <p:nvSpPr>
           <p:cNvPr id="61" name="Google Shape;61;p:notes"/>
-          <p:cNvSpPr/>
+          <p:cNvSpPr>
+            <a:spLocks noGrp="1" noRot="1" noChangeAspect="1"/>
+          </p:cNvSpPr>
           <p:nvPr>
-            <p:ph idx="2" type="sldImg"/>
+            <p:ph type="sldImg" idx="2"/>
           </p:nvPr>
         </p:nvSpPr>
         <p:spPr>
           <a:xfrm>
-            <a:off x="381300" y="685800"/>
-            <a:ext cx="6096075" cy="3429000"/>
+            <a:off x="381000" y="685800"/>
+            <a:ext cx="6096000" cy="3429000"/>
           </a:xfrm>
           <a:custGeom>
-            <a:rect b="b" l="l" r="r" t="t"/>
+            <a:avLst/>
+            <a:gdLst/>
+            <a:ahLst/>
+            <a:cxnLst/>
+            <a:rect l="l" t="t" r="r" b="b"/>
             <a:pathLst>
-              <a:path extrusionOk="0" h="120000" w="120000">
+              <a:path w="120000" h="120000" extrusionOk="0">
                 <a:moveTo>
                   <a:pt x="0" y="0"/>
                 </a:moveTo>
@@ -765,9 +786,11 @@
       <p:sp>
         <p:nvSpPr>
           <p:cNvPr id="62" name="Google Shape;62;p:notes"/>
-          <p:cNvSpPr txBox="1"/>
+          <p:cNvSpPr txBox="1">
+            <a:spLocks noGrp="1"/>
+          </p:cNvSpPr>
           <p:nvPr>
-            <p:ph idx="1" type="body"/>
+            <p:ph type="body" idx="1"/>
           </p:nvPr>
         </p:nvSpPr>
         <p:spPr>
@@ -780,12 +803,12 @@
           </a:prstGeom>
         </p:spPr>
         <p:txBody>
-          <a:bodyPr anchorCtr="0" anchor="t" bIns="91425" lIns="91425" spcFirstLastPara="1" rIns="91425" wrap="square" tIns="91425">
+          <a:bodyPr spcFirstLastPara="1" wrap="square" lIns="91425" tIns="91425" rIns="91425" bIns="91425" anchor="t" anchorCtr="0">
             <a:noAutofit/>
           </a:bodyPr>
           <a:lstStyle/>
           <a:p>
-            <a:pPr indent="0" lvl="0" marL="0" rtl="0" algn="l">
+            <a:pPr marL="0" lvl="0" indent="0" algn="l" rtl="0">
               <a:spcBef>
                 <a:spcPts val="0"/>
               </a:spcBef>
@@ -811,11 +834,11 @@
 </file>
 
 <file path=ppt/notesSlides/notesSlide2.xml><?xml version="1.0" encoding="utf-8"?>
-<p:notes xmlns:a="http://schemas.openxmlformats.org/drawingml/2006/main" xmlns:r="http://schemas.openxmlformats.org/officeDocument/2006/relationships" xmlns:mc="http://schemas.openxmlformats.org/markup-compatibility/2006" xmlns:mv="urn:schemas-microsoft-com:mac:vml" xmlns:p="http://schemas.openxmlformats.org/presentationml/2006/main" xmlns:c="http://schemas.openxmlformats.org/drawingml/2006/chart" xmlns:dgm="http://schemas.openxmlformats.org/drawingml/2006/diagram" xmlns:o="urn:schemas-microsoft-com:office:office" xmlns:v="urn:schemas-microsoft-com:vml" xmlns:pvml="urn:schemas-microsoft-com:office:powerpoint" xmlns:com="http://schemas.openxmlformats.org/drawingml/2006/compatibility" xmlns:p14="http://schemas.microsoft.com/office/powerpoint/2010/main" xmlns:p15="http://schemas.microsoft.com/office/powerpoint/2012/main" xmlns:ahyp="http://schemas.microsoft.com/office/drawing/2018/hyperlinkcolor" showMasterPhAnim="0" showMasterSp="0">
+<p:notes xmlns:a="http://schemas.openxmlformats.org/drawingml/2006/main" xmlns:r="http://schemas.openxmlformats.org/officeDocument/2006/relationships" xmlns:p="http://schemas.openxmlformats.org/presentationml/2006/main" showMasterSp="0" showMasterPhAnim="0">
   <p:cSld>
     <p:spTree>
       <p:nvGrpSpPr>
-        <p:cNvPr id="67" name="Shape 67"/>
+        <p:cNvPr id="1" name="Shape 67"/>
         <p:cNvGrpSpPr/>
         <p:nvPr/>
       </p:nvGrpSpPr>
@@ -830,20 +853,26 @@
       <p:sp>
         <p:nvSpPr>
           <p:cNvPr id="68" name="Google Shape;68;g8bd8d03295_0_0:notes"/>
-          <p:cNvSpPr/>
+          <p:cNvSpPr>
+            <a:spLocks noGrp="1" noRot="1" noChangeAspect="1"/>
+          </p:cNvSpPr>
           <p:nvPr>
-            <p:ph idx="2" type="sldImg"/>
+            <p:ph type="sldImg" idx="2"/>
           </p:nvPr>
         </p:nvSpPr>
         <p:spPr>
           <a:xfrm>
-            <a:off x="381300" y="685800"/>
+            <a:off x="381000" y="685800"/>
             <a:ext cx="6096000" cy="3429000"/>
           </a:xfrm>
           <a:custGeom>
-            <a:rect b="b" l="l" r="r" t="t"/>
+            <a:avLst/>
+            <a:gdLst/>
+            <a:ahLst/>
+            <a:cxnLst/>
+            <a:rect l="l" t="t" r="r" b="b"/>
             <a:pathLst>
-              <a:path extrusionOk="0" h="120000" w="120000">
+              <a:path w="120000" h="120000" extrusionOk="0">
                 <a:moveTo>
                   <a:pt x="0" y="0"/>
                 </a:moveTo>
@@ -865,9 +894,11 @@
       <p:sp>
         <p:nvSpPr>
           <p:cNvPr id="69" name="Google Shape;69;g8bd8d03295_0_0:notes"/>
-          <p:cNvSpPr txBox="1"/>
+          <p:cNvSpPr txBox="1">
+            <a:spLocks noGrp="1"/>
+          </p:cNvSpPr>
           <p:nvPr>
-            <p:ph idx="1" type="body"/>
+            <p:ph type="body" idx="1"/>
           </p:nvPr>
         </p:nvSpPr>
         <p:spPr>
@@ -880,12 +911,12 @@
           </a:prstGeom>
         </p:spPr>
         <p:txBody>
-          <a:bodyPr anchorCtr="0" anchor="t" bIns="91425" lIns="91425" spcFirstLastPara="1" rIns="91425" wrap="square" tIns="91425">
+          <a:bodyPr spcFirstLastPara="1" wrap="square" lIns="91425" tIns="91425" rIns="91425" bIns="91425" anchor="t" anchorCtr="0">
             <a:noAutofit/>
           </a:bodyPr>
           <a:lstStyle/>
           <a:p>
-            <a:pPr indent="0" lvl="0" marL="0" rtl="0" algn="l">
+            <a:pPr marL="0" lvl="0" indent="0" algn="l" rtl="0">
               <a:spcBef>
                 <a:spcPts val="0"/>
               </a:spcBef>
@@ -911,11 +942,11 @@
 </file>
 
 <file path=ppt/notesSlides/notesSlide3.xml><?xml version="1.0" encoding="utf-8"?>
-<p:notes xmlns:a="http://schemas.openxmlformats.org/drawingml/2006/main" xmlns:r="http://schemas.openxmlformats.org/officeDocument/2006/relationships" xmlns:mc="http://schemas.openxmlformats.org/markup-compatibility/2006" xmlns:mv="urn:schemas-microsoft-com:mac:vml" xmlns:p="http://schemas.openxmlformats.org/presentationml/2006/main" xmlns:c="http://schemas.openxmlformats.org/drawingml/2006/chart" xmlns:dgm="http://schemas.openxmlformats.org/drawingml/2006/diagram" xmlns:o="urn:schemas-microsoft-com:office:office" xmlns:v="urn:schemas-microsoft-com:vml" xmlns:pvml="urn:schemas-microsoft-com:office:powerpoint" xmlns:com="http://schemas.openxmlformats.org/drawingml/2006/compatibility" xmlns:p14="http://schemas.microsoft.com/office/powerpoint/2010/main" xmlns:p15="http://schemas.microsoft.com/office/powerpoint/2012/main" xmlns:ahyp="http://schemas.microsoft.com/office/drawing/2018/hyperlinkcolor" showMasterPhAnim="0" showMasterSp="0">
+<p:notes xmlns:a="http://schemas.openxmlformats.org/drawingml/2006/main" xmlns:r="http://schemas.openxmlformats.org/officeDocument/2006/relationships" xmlns:p="http://schemas.openxmlformats.org/presentationml/2006/main" showMasterSp="0" showMasterPhAnim="0">
   <p:cSld>
     <p:spTree>
       <p:nvGrpSpPr>
-        <p:cNvPr id="73" name="Shape 73"/>
+        <p:cNvPr id="1" name="Shape 73"/>
         <p:cNvGrpSpPr/>
         <p:nvPr/>
       </p:nvGrpSpPr>
@@ -930,20 +961,26 @@
       <p:sp>
         <p:nvSpPr>
           <p:cNvPr id="74" name="Google Shape;74;g8bd8d03295_0_184:notes"/>
-          <p:cNvSpPr/>
+          <p:cNvSpPr>
+            <a:spLocks noGrp="1" noRot="1" noChangeAspect="1"/>
+          </p:cNvSpPr>
           <p:nvPr>
-            <p:ph idx="2" type="sldImg"/>
+            <p:ph type="sldImg" idx="2"/>
           </p:nvPr>
         </p:nvSpPr>
         <p:spPr>
           <a:xfrm>
-            <a:off x="381300" y="685800"/>
+            <a:off x="381000" y="685800"/>
             <a:ext cx="6096000" cy="3429000"/>
           </a:xfrm>
           <a:custGeom>
-            <a:rect b="b" l="l" r="r" t="t"/>
+            <a:avLst/>
+            <a:gdLst/>
+            <a:ahLst/>
+            <a:cxnLst/>
+            <a:rect l="l" t="t" r="r" b="b"/>
             <a:pathLst>
-              <a:path extrusionOk="0" h="120000" w="120000">
+              <a:path w="120000" h="120000" extrusionOk="0">
                 <a:moveTo>
                   <a:pt x="0" y="0"/>
                 </a:moveTo>
@@ -965,9 +1002,11 @@
       <p:sp>
         <p:nvSpPr>
           <p:cNvPr id="75" name="Google Shape;75;g8bd8d03295_0_184:notes"/>
-          <p:cNvSpPr txBox="1"/>
+          <p:cNvSpPr txBox="1">
+            <a:spLocks noGrp="1"/>
+          </p:cNvSpPr>
           <p:nvPr>
-            <p:ph idx="1" type="body"/>
+            <p:ph type="body" idx="1"/>
           </p:nvPr>
         </p:nvSpPr>
         <p:spPr>
@@ -980,12 +1019,12 @@
           </a:prstGeom>
         </p:spPr>
         <p:txBody>
-          <a:bodyPr anchorCtr="0" anchor="t" bIns="91425" lIns="91425" spcFirstLastPara="1" rIns="91425" wrap="square" tIns="91425">
+          <a:bodyPr spcFirstLastPara="1" wrap="square" lIns="91425" tIns="91425" rIns="91425" bIns="91425" anchor="t" anchorCtr="0">
             <a:noAutofit/>
           </a:bodyPr>
           <a:lstStyle/>
           <a:p>
-            <a:pPr indent="0" lvl="0" marL="0" rtl="0" algn="l">
+            <a:pPr marL="0" lvl="0" indent="0" algn="l" rtl="0">
               <a:spcBef>
                 <a:spcPts val="0"/>
               </a:spcBef>
@@ -1011,11 +1050,11 @@
 </file>
 
 <file path=ppt/notesSlides/notesSlide4.xml><?xml version="1.0" encoding="utf-8"?>
-<p:notes xmlns:a="http://schemas.openxmlformats.org/drawingml/2006/main" xmlns:r="http://schemas.openxmlformats.org/officeDocument/2006/relationships" xmlns:mc="http://schemas.openxmlformats.org/markup-compatibility/2006" xmlns:mv="urn:schemas-microsoft-com:mac:vml" xmlns:p="http://schemas.openxmlformats.org/presentationml/2006/main" xmlns:c="http://schemas.openxmlformats.org/drawingml/2006/chart" xmlns:dgm="http://schemas.openxmlformats.org/drawingml/2006/diagram" xmlns:o="urn:schemas-microsoft-com:office:office" xmlns:v="urn:schemas-microsoft-com:vml" xmlns:pvml="urn:schemas-microsoft-com:office:powerpoint" xmlns:com="http://schemas.openxmlformats.org/drawingml/2006/compatibility" xmlns:p14="http://schemas.microsoft.com/office/powerpoint/2010/main" xmlns:p15="http://schemas.microsoft.com/office/powerpoint/2012/main" xmlns:ahyp="http://schemas.microsoft.com/office/drawing/2018/hyperlinkcolor" showMasterPhAnim="0" showMasterSp="0">
+<p:notes xmlns:a="http://schemas.openxmlformats.org/drawingml/2006/main" xmlns:r="http://schemas.openxmlformats.org/officeDocument/2006/relationships" xmlns:p="http://schemas.openxmlformats.org/presentationml/2006/main" showMasterSp="0" showMasterPhAnim="0">
   <p:cSld>
     <p:spTree>
       <p:nvGrpSpPr>
-        <p:cNvPr id="79" name="Shape 79"/>
+        <p:cNvPr id="1" name="Shape 79"/>
         <p:cNvGrpSpPr/>
         <p:nvPr/>
       </p:nvGrpSpPr>
@@ -1030,9 +1069,11 @@
       <p:sp>
         <p:nvSpPr>
           <p:cNvPr id="80" name="Google Shape;80;g8bd8d03295_0_223:notes"/>
-          <p:cNvSpPr/>
+          <p:cNvSpPr>
+            <a:spLocks noGrp="1" noRot="1" noChangeAspect="1"/>
+          </p:cNvSpPr>
           <p:nvPr>
-            <p:ph idx="2" type="sldImg"/>
+            <p:ph type="sldImg" idx="2"/>
           </p:nvPr>
         </p:nvSpPr>
         <p:spPr>
@@ -1041,9 +1082,13 @@
             <a:ext cx="6096000" cy="3429000"/>
           </a:xfrm>
           <a:custGeom>
-            <a:rect b="b" l="l" r="r" t="t"/>
+            <a:avLst/>
+            <a:gdLst/>
+            <a:ahLst/>
+            <a:cxnLst/>
+            <a:rect l="l" t="t" r="r" b="b"/>
             <a:pathLst>
-              <a:path extrusionOk="0" h="120000" w="120000">
+              <a:path w="120000" h="120000" extrusionOk="0">
                 <a:moveTo>
                   <a:pt x="0" y="0"/>
                 </a:moveTo>
@@ -1065,9 +1110,11 @@
       <p:sp>
         <p:nvSpPr>
           <p:cNvPr id="81" name="Google Shape;81;g8bd8d03295_0_223:notes"/>
-          <p:cNvSpPr txBox="1"/>
+          <p:cNvSpPr txBox="1">
+            <a:spLocks noGrp="1"/>
+          </p:cNvSpPr>
           <p:nvPr>
-            <p:ph idx="1" type="body"/>
+            <p:ph type="body" idx="1"/>
           </p:nvPr>
         </p:nvSpPr>
         <p:spPr>
@@ -1080,12 +1127,12 @@
           </a:prstGeom>
         </p:spPr>
         <p:txBody>
-          <a:bodyPr anchorCtr="0" anchor="t" bIns="91425" lIns="91425" spcFirstLastPara="1" rIns="91425" wrap="square" tIns="91425">
+          <a:bodyPr spcFirstLastPara="1" wrap="square" lIns="91425" tIns="91425" rIns="91425" bIns="91425" anchor="t" anchorCtr="0">
             <a:noAutofit/>
           </a:bodyPr>
           <a:lstStyle/>
           <a:p>
-            <a:pPr indent="0" lvl="0" marL="0" rtl="0" algn="l">
+            <a:pPr marL="0" lvl="0" indent="0" algn="l" rtl="0">
               <a:spcBef>
                 <a:spcPts val="0"/>
               </a:spcBef>
@@ -1111,11 +1158,11 @@
 </file>
 
 <file path=ppt/notesSlides/notesSlide5.xml><?xml version="1.0" encoding="utf-8"?>
-<p:notes xmlns:a="http://schemas.openxmlformats.org/drawingml/2006/main" xmlns:r="http://schemas.openxmlformats.org/officeDocument/2006/relationships" xmlns:mc="http://schemas.openxmlformats.org/markup-compatibility/2006" xmlns:mv="urn:schemas-microsoft-com:mac:vml" xmlns:p="http://schemas.openxmlformats.org/presentationml/2006/main" xmlns:c="http://schemas.openxmlformats.org/drawingml/2006/chart" xmlns:dgm="http://schemas.openxmlformats.org/drawingml/2006/diagram" xmlns:o="urn:schemas-microsoft-com:office:office" xmlns:v="urn:schemas-microsoft-com:vml" xmlns:pvml="urn:schemas-microsoft-com:office:powerpoint" xmlns:com="http://schemas.openxmlformats.org/drawingml/2006/compatibility" xmlns:p14="http://schemas.microsoft.com/office/powerpoint/2010/main" xmlns:p15="http://schemas.microsoft.com/office/powerpoint/2012/main" xmlns:ahyp="http://schemas.microsoft.com/office/drawing/2018/hyperlinkcolor" showMasterPhAnim="0" showMasterSp="0">
+<p:notes xmlns:a="http://schemas.openxmlformats.org/drawingml/2006/main" xmlns:r="http://schemas.openxmlformats.org/officeDocument/2006/relationships" xmlns:p="http://schemas.openxmlformats.org/presentationml/2006/main" showMasterSp="0" showMasterPhAnim="0">
   <p:cSld>
     <p:spTree>
       <p:nvGrpSpPr>
-        <p:cNvPr id="85" name="Shape 85"/>
+        <p:cNvPr id="1" name="Shape 85"/>
         <p:cNvGrpSpPr/>
         <p:nvPr/>
       </p:nvGrpSpPr>
@@ -1130,9 +1177,11 @@
       <p:sp>
         <p:nvSpPr>
           <p:cNvPr id="86" name="Google Shape;86;g8bd8d25d72_6_0:notes"/>
-          <p:cNvSpPr/>
+          <p:cNvSpPr>
+            <a:spLocks noGrp="1" noRot="1" noChangeAspect="1"/>
+          </p:cNvSpPr>
           <p:nvPr>
-            <p:ph idx="2" type="sldImg"/>
+            <p:ph type="sldImg" idx="2"/>
           </p:nvPr>
         </p:nvSpPr>
         <p:spPr>
@@ -1141,9 +1190,13 @@
             <a:ext cx="6096000" cy="3429000"/>
           </a:xfrm>
           <a:custGeom>
-            <a:rect b="b" l="l" r="r" t="t"/>
+            <a:avLst/>
+            <a:gdLst/>
+            <a:ahLst/>
+            <a:cxnLst/>
+            <a:rect l="l" t="t" r="r" b="b"/>
             <a:pathLst>
-              <a:path extrusionOk="0" h="120000" w="120000">
+              <a:path w="120000" h="120000" extrusionOk="0">
                 <a:moveTo>
                   <a:pt x="0" y="0"/>
                 </a:moveTo>
@@ -1165,9 +1218,11 @@
       <p:sp>
         <p:nvSpPr>
           <p:cNvPr id="87" name="Google Shape;87;g8bd8d25d72_6_0:notes"/>
-          <p:cNvSpPr txBox="1"/>
+          <p:cNvSpPr txBox="1">
+            <a:spLocks noGrp="1"/>
+          </p:cNvSpPr>
           <p:nvPr>
-            <p:ph idx="1" type="body"/>
+            <p:ph type="body" idx="1"/>
           </p:nvPr>
         </p:nvSpPr>
         <p:spPr>
@@ -1180,12 +1235,12 @@
           </a:prstGeom>
         </p:spPr>
         <p:txBody>
-          <a:bodyPr anchorCtr="0" anchor="t" bIns="91425" lIns="91425" spcFirstLastPara="1" rIns="91425" wrap="square" tIns="91425">
+          <a:bodyPr spcFirstLastPara="1" wrap="square" lIns="91425" tIns="91425" rIns="91425" bIns="91425" anchor="t" anchorCtr="0">
             <a:noAutofit/>
           </a:bodyPr>
           <a:lstStyle/>
           <a:p>
-            <a:pPr indent="0" lvl="0" marL="0" rtl="0" algn="l">
+            <a:pPr marL="0" lvl="0" indent="0" algn="l" rtl="0">
               <a:spcBef>
                 <a:spcPts val="0"/>
               </a:spcBef>
@@ -1211,11 +1266,11 @@
 </file>
 
 <file path=ppt/notesSlides/notesSlide6.xml><?xml version="1.0" encoding="utf-8"?>
-<p:notes xmlns:a="http://schemas.openxmlformats.org/drawingml/2006/main" xmlns:r="http://schemas.openxmlformats.org/officeDocument/2006/relationships" xmlns:mc="http://schemas.openxmlformats.org/markup-compatibility/2006" xmlns:mv="urn:schemas-microsoft-com:mac:vml" xmlns:p="http://schemas.openxmlformats.org/presentationml/2006/main" xmlns:c="http://schemas.openxmlformats.org/drawingml/2006/chart" xmlns:dgm="http://schemas.openxmlformats.org/drawingml/2006/diagram" xmlns:o="urn:schemas-microsoft-com:office:office" xmlns:v="urn:schemas-microsoft-com:vml" xmlns:pvml="urn:schemas-microsoft-com:office:powerpoint" xmlns:com="http://schemas.openxmlformats.org/drawingml/2006/compatibility" xmlns:p14="http://schemas.microsoft.com/office/powerpoint/2010/main" xmlns:p15="http://schemas.microsoft.com/office/powerpoint/2012/main" xmlns:ahyp="http://schemas.microsoft.com/office/drawing/2018/hyperlinkcolor" showMasterPhAnim="0" showMasterSp="0">
+<p:notes xmlns:a="http://schemas.openxmlformats.org/drawingml/2006/main" xmlns:r="http://schemas.openxmlformats.org/officeDocument/2006/relationships" xmlns:p="http://schemas.openxmlformats.org/presentationml/2006/main" showMasterSp="0" showMasterPhAnim="0">
   <p:cSld>
     <p:spTree>
       <p:nvGrpSpPr>
-        <p:cNvPr id="91" name="Shape 91"/>
+        <p:cNvPr id="1" name="Shape 91"/>
         <p:cNvGrpSpPr/>
         <p:nvPr/>
       </p:nvGrpSpPr>
@@ -1230,9 +1285,11 @@
       <p:sp>
         <p:nvSpPr>
           <p:cNvPr id="92" name="Google Shape;92;g8bd8d03295_0_218:notes"/>
-          <p:cNvSpPr/>
+          <p:cNvSpPr>
+            <a:spLocks noGrp="1" noRot="1" noChangeAspect="1"/>
+          </p:cNvSpPr>
           <p:nvPr>
-            <p:ph idx="2" type="sldImg"/>
+            <p:ph type="sldImg" idx="2"/>
           </p:nvPr>
         </p:nvSpPr>
         <p:spPr>
@@ -1241,9 +1298,13 @@
             <a:ext cx="6096000" cy="3429000"/>
           </a:xfrm>
           <a:custGeom>
-            <a:rect b="b" l="l" r="r" t="t"/>
+            <a:avLst/>
+            <a:gdLst/>
+            <a:ahLst/>
+            <a:cxnLst/>
+            <a:rect l="l" t="t" r="r" b="b"/>
             <a:pathLst>
-              <a:path extrusionOk="0" h="120000" w="120000">
+              <a:path w="120000" h="120000" extrusionOk="0">
                 <a:moveTo>
                   <a:pt x="0" y="0"/>
                 </a:moveTo>
@@ -1265,9 +1326,11 @@
       <p:sp>
         <p:nvSpPr>
           <p:cNvPr id="93" name="Google Shape;93;g8bd8d03295_0_218:notes"/>
-          <p:cNvSpPr txBox="1"/>
+          <p:cNvSpPr txBox="1">
+            <a:spLocks noGrp="1"/>
+          </p:cNvSpPr>
           <p:nvPr>
-            <p:ph idx="1" type="body"/>
+            <p:ph type="body" idx="1"/>
           </p:nvPr>
         </p:nvSpPr>
         <p:spPr>
@@ -1280,12 +1343,12 @@
           </a:prstGeom>
         </p:spPr>
         <p:txBody>
-          <a:bodyPr anchorCtr="0" anchor="t" bIns="91425" lIns="91425" spcFirstLastPara="1" rIns="91425" wrap="square" tIns="91425">
+          <a:bodyPr spcFirstLastPara="1" wrap="square" lIns="91425" tIns="91425" rIns="91425" bIns="91425" anchor="t" anchorCtr="0">
             <a:noAutofit/>
           </a:bodyPr>
           <a:lstStyle/>
           <a:p>
-            <a:pPr indent="0" lvl="0" marL="0" rtl="0" algn="l">
+            <a:pPr marL="0" lvl="0" indent="0" algn="l" rtl="0">
               <a:spcBef>
                 <a:spcPts val="0"/>
               </a:spcBef>
@@ -1311,11 +1374,11 @@
 </file>
 
 <file path=ppt/notesSlides/notesSlide7.xml><?xml version="1.0" encoding="utf-8"?>
-<p:notes xmlns:a="http://schemas.openxmlformats.org/drawingml/2006/main" xmlns:r="http://schemas.openxmlformats.org/officeDocument/2006/relationships" xmlns:mc="http://schemas.openxmlformats.org/markup-compatibility/2006" xmlns:mv="urn:schemas-microsoft-com:mac:vml" xmlns:p="http://schemas.openxmlformats.org/presentationml/2006/main" xmlns:c="http://schemas.openxmlformats.org/drawingml/2006/chart" xmlns:dgm="http://schemas.openxmlformats.org/drawingml/2006/diagram" xmlns:o="urn:schemas-microsoft-com:office:office" xmlns:v="urn:schemas-microsoft-com:vml" xmlns:pvml="urn:schemas-microsoft-com:office:powerpoint" xmlns:com="http://schemas.openxmlformats.org/drawingml/2006/compatibility" xmlns:p14="http://schemas.microsoft.com/office/powerpoint/2010/main" xmlns:p15="http://schemas.microsoft.com/office/powerpoint/2012/main" xmlns:ahyp="http://schemas.microsoft.com/office/drawing/2018/hyperlinkcolor" showMasterPhAnim="0" showMasterSp="0">
+<p:notes xmlns:a="http://schemas.openxmlformats.org/drawingml/2006/main" xmlns:r="http://schemas.openxmlformats.org/officeDocument/2006/relationships" xmlns:p="http://schemas.openxmlformats.org/presentationml/2006/main" showMasterSp="0" showMasterPhAnim="0">
   <p:cSld>
     <p:spTree>
       <p:nvGrpSpPr>
-        <p:cNvPr id="97" name="Shape 97"/>
+        <p:cNvPr id="1" name="Shape 97"/>
         <p:cNvGrpSpPr/>
         <p:nvPr/>
       </p:nvGrpSpPr>
@@ -1330,9 +1393,11 @@
       <p:sp>
         <p:nvSpPr>
           <p:cNvPr id="98" name="Google Shape;98;g8bd8d03295_0_202:notes"/>
-          <p:cNvSpPr/>
+          <p:cNvSpPr>
+            <a:spLocks noGrp="1" noRot="1" noChangeAspect="1"/>
+          </p:cNvSpPr>
           <p:nvPr>
-            <p:ph idx="2" type="sldImg"/>
+            <p:ph type="sldImg" idx="2"/>
           </p:nvPr>
         </p:nvSpPr>
         <p:spPr>
@@ -1341,9 +1406,13 @@
             <a:ext cx="6096000" cy="3429000"/>
           </a:xfrm>
           <a:custGeom>
-            <a:rect b="b" l="l" r="r" t="t"/>
+            <a:avLst/>
+            <a:gdLst/>
+            <a:ahLst/>
+            <a:cxnLst/>
+            <a:rect l="l" t="t" r="r" b="b"/>
             <a:pathLst>
-              <a:path extrusionOk="0" h="120000" w="120000">
+              <a:path w="120000" h="120000" extrusionOk="0">
                 <a:moveTo>
                   <a:pt x="0" y="0"/>
                 </a:moveTo>
@@ -1365,9 +1434,11 @@
       <p:sp>
         <p:nvSpPr>
           <p:cNvPr id="99" name="Google Shape;99;g8bd8d03295_0_202:notes"/>
-          <p:cNvSpPr txBox="1"/>
+          <p:cNvSpPr txBox="1">
+            <a:spLocks noGrp="1"/>
+          </p:cNvSpPr>
           <p:nvPr>
-            <p:ph idx="1" type="body"/>
+            <p:ph type="body" idx="1"/>
           </p:nvPr>
         </p:nvSpPr>
         <p:spPr>
@@ -1380,12 +1451,12 @@
           </a:prstGeom>
         </p:spPr>
         <p:txBody>
-          <a:bodyPr anchorCtr="0" anchor="t" bIns="91425" lIns="91425" spcFirstLastPara="1" rIns="91425" wrap="square" tIns="91425">
+          <a:bodyPr spcFirstLastPara="1" wrap="square" lIns="91425" tIns="91425" rIns="91425" bIns="91425" anchor="t" anchorCtr="0">
             <a:noAutofit/>
           </a:bodyPr>
           <a:lstStyle/>
           <a:p>
-            <a:pPr indent="0" lvl="0" marL="0" rtl="0" algn="l">
+            <a:pPr marL="0" lvl="0" indent="0" algn="l" rtl="0">
               <a:spcBef>
                 <a:spcPts val="0"/>
               </a:spcBef>
@@ -1411,11 +1482,11 @@
 </file>
 
 <file path=ppt/notesSlides/notesSlide8.xml><?xml version="1.0" encoding="utf-8"?>
-<p:notes xmlns:a="http://schemas.openxmlformats.org/drawingml/2006/main" xmlns:r="http://schemas.openxmlformats.org/officeDocument/2006/relationships" xmlns:mc="http://schemas.openxmlformats.org/markup-compatibility/2006" xmlns:mv="urn:schemas-microsoft-com:mac:vml" xmlns:p="http://schemas.openxmlformats.org/presentationml/2006/main" xmlns:c="http://schemas.openxmlformats.org/drawingml/2006/chart" xmlns:dgm="http://schemas.openxmlformats.org/drawingml/2006/diagram" xmlns:o="urn:schemas-microsoft-com:office:office" xmlns:v="urn:schemas-microsoft-com:vml" xmlns:pvml="urn:schemas-microsoft-com:office:powerpoint" xmlns:com="http://schemas.openxmlformats.org/drawingml/2006/compatibility" xmlns:p14="http://schemas.microsoft.com/office/powerpoint/2010/main" xmlns:p15="http://schemas.microsoft.com/office/powerpoint/2012/main" xmlns:ahyp="http://schemas.microsoft.com/office/drawing/2018/hyperlinkcolor" showMasterPhAnim="0" showMasterSp="0">
+<p:notes xmlns:a="http://schemas.openxmlformats.org/drawingml/2006/main" xmlns:r="http://schemas.openxmlformats.org/officeDocument/2006/relationships" xmlns:p="http://schemas.openxmlformats.org/presentationml/2006/main" showMasterSp="0" showMasterPhAnim="0">
   <p:cSld>
     <p:spTree>
       <p:nvGrpSpPr>
-        <p:cNvPr id="102" name="Shape 102"/>
+        <p:cNvPr id="1" name="Shape 102"/>
         <p:cNvGrpSpPr/>
         <p:nvPr/>
       </p:nvGrpSpPr>
@@ -1430,20 +1501,26 @@
       <p:sp>
         <p:nvSpPr>
           <p:cNvPr id="103" name="Google Shape;103;g8bd8d25d72_2_6:notes"/>
-          <p:cNvSpPr/>
+          <p:cNvSpPr>
+            <a:spLocks noGrp="1" noRot="1" noChangeAspect="1"/>
+          </p:cNvSpPr>
           <p:nvPr>
-            <p:ph idx="2" type="sldImg"/>
+            <p:ph type="sldImg" idx="2"/>
           </p:nvPr>
         </p:nvSpPr>
         <p:spPr>
           <a:xfrm>
-            <a:off x="381300" y="685800"/>
+            <a:off x="381000" y="685800"/>
             <a:ext cx="6096000" cy="3429000"/>
           </a:xfrm>
           <a:custGeom>
-            <a:rect b="b" l="l" r="r" t="t"/>
+            <a:avLst/>
+            <a:gdLst/>
+            <a:ahLst/>
+            <a:cxnLst/>
+            <a:rect l="l" t="t" r="r" b="b"/>
             <a:pathLst>
-              <a:path extrusionOk="0" h="120000" w="120000">
+              <a:path w="120000" h="120000" extrusionOk="0">
                 <a:moveTo>
                   <a:pt x="0" y="0"/>
                 </a:moveTo>
@@ -1465,9 +1542,11 @@
       <p:sp>
         <p:nvSpPr>
           <p:cNvPr id="104" name="Google Shape;104;g8bd8d25d72_2_6:notes"/>
-          <p:cNvSpPr txBox="1"/>
+          <p:cNvSpPr txBox="1">
+            <a:spLocks noGrp="1"/>
+          </p:cNvSpPr>
           <p:nvPr>
-            <p:ph idx="1" type="body"/>
+            <p:ph type="body" idx="1"/>
           </p:nvPr>
         </p:nvSpPr>
         <p:spPr>
@@ -1480,12 +1559,12 @@
           </a:prstGeom>
         </p:spPr>
         <p:txBody>
-          <a:bodyPr anchorCtr="0" anchor="t" bIns="91425" lIns="91425" spcFirstLastPara="1" rIns="91425" wrap="square" tIns="91425">
+          <a:bodyPr spcFirstLastPara="1" wrap="square" lIns="91425" tIns="91425" rIns="91425" bIns="91425" anchor="t" anchorCtr="0">
             <a:noAutofit/>
           </a:bodyPr>
           <a:lstStyle/>
           <a:p>
-            <a:pPr indent="0" lvl="0" marL="0" rtl="0" algn="l">
+            <a:pPr marL="0" lvl="0" indent="0" algn="l" rtl="0">
               <a:spcBef>
                 <a:spcPts val="0"/>
               </a:spcBef>
@@ -1511,11 +1590,11 @@
 </file>
 
 <file path=ppt/notesSlides/notesSlide9.xml><?xml version="1.0" encoding="utf-8"?>
-<p:notes xmlns:a="http://schemas.openxmlformats.org/drawingml/2006/main" xmlns:r="http://schemas.openxmlformats.org/officeDocument/2006/relationships" xmlns:mc="http://schemas.openxmlformats.org/markup-compatibility/2006" xmlns:mv="urn:schemas-microsoft-com:mac:vml" xmlns:p="http://schemas.openxmlformats.org/presentationml/2006/main" xmlns:c="http://schemas.openxmlformats.org/drawingml/2006/chart" xmlns:dgm="http://schemas.openxmlformats.org/drawingml/2006/diagram" xmlns:o="urn:schemas-microsoft-com:office:office" xmlns:v="urn:schemas-microsoft-com:vml" xmlns:pvml="urn:schemas-microsoft-com:office:powerpoint" xmlns:com="http://schemas.openxmlformats.org/drawingml/2006/compatibility" xmlns:p14="http://schemas.microsoft.com/office/powerpoint/2010/main" xmlns:p15="http://schemas.microsoft.com/office/powerpoint/2012/main" xmlns:ahyp="http://schemas.microsoft.com/office/drawing/2018/hyperlinkcolor" showMasterPhAnim="0" showMasterSp="0">
+<p:notes xmlns:a="http://schemas.openxmlformats.org/drawingml/2006/main" xmlns:r="http://schemas.openxmlformats.org/officeDocument/2006/relationships" xmlns:p="http://schemas.openxmlformats.org/presentationml/2006/main" showMasterSp="0" showMasterPhAnim="0">
   <p:cSld>
     <p:spTree>
       <p:nvGrpSpPr>
-        <p:cNvPr id="108" name="Shape 108"/>
+        <p:cNvPr id="1" name="Shape 108"/>
         <p:cNvGrpSpPr/>
         <p:nvPr/>
       </p:nvGrpSpPr>
@@ -1530,9 +1609,11 @@
       <p:sp>
         <p:nvSpPr>
           <p:cNvPr id="109" name="Google Shape;109;g8bd8d25d72_2_12:notes"/>
-          <p:cNvSpPr/>
+          <p:cNvSpPr>
+            <a:spLocks noGrp="1" noRot="1" noChangeAspect="1"/>
+          </p:cNvSpPr>
           <p:nvPr>
-            <p:ph idx="2" type="sldImg"/>
+            <p:ph type="sldImg" idx="2"/>
           </p:nvPr>
         </p:nvSpPr>
         <p:spPr>
@@ -1541,9 +1622,13 @@
             <a:ext cx="6096000" cy="3429000"/>
           </a:xfrm>
           <a:custGeom>
-            <a:rect b="b" l="l" r="r" t="t"/>
+            <a:avLst/>
+            <a:gdLst/>
+            <a:ahLst/>
+            <a:cxnLst/>
+            <a:rect l="l" t="t" r="r" b="b"/>
             <a:pathLst>
-              <a:path extrusionOk="0" h="120000" w="120000">
+              <a:path w="120000" h="120000" extrusionOk="0">
                 <a:moveTo>
                   <a:pt x="0" y="0"/>
                 </a:moveTo>
@@ -1565,9 +1650,11 @@
       <p:sp>
         <p:nvSpPr>
           <p:cNvPr id="110" name="Google Shape;110;g8bd8d25d72_2_12:notes"/>
-          <p:cNvSpPr txBox="1"/>
+          <p:cNvSpPr txBox="1">
+            <a:spLocks noGrp="1"/>
+          </p:cNvSpPr>
           <p:nvPr>
-            <p:ph idx="1" type="body"/>
+            <p:ph type="body" idx="1"/>
           </p:nvPr>
         </p:nvSpPr>
         <p:spPr>
@@ -1580,12 +1667,12 @@
           </a:prstGeom>
         </p:spPr>
         <p:txBody>
-          <a:bodyPr anchorCtr="0" anchor="t" bIns="91425" lIns="91425" spcFirstLastPara="1" rIns="91425" wrap="square" tIns="91425">
+          <a:bodyPr spcFirstLastPara="1" wrap="square" lIns="91425" tIns="91425" rIns="91425" bIns="91425" anchor="t" anchorCtr="0">
             <a:noAutofit/>
           </a:bodyPr>
           <a:lstStyle/>
           <a:p>
-            <a:pPr indent="0" lvl="0" marL="0" rtl="0" algn="l">
+            <a:pPr marL="0" lvl="0" indent="0" algn="l" rtl="0">
               <a:spcBef>
                 <a:spcPts val="0"/>
               </a:spcBef>
@@ -1611,18 +1698,19 @@
 </file>
 
 <file path=ppt/slideLayouts/slideLayout1.xml><?xml version="1.0" encoding="utf-8"?>
-<p:sldLayout xmlns:a="http://schemas.openxmlformats.org/drawingml/2006/main" xmlns:r="http://schemas.openxmlformats.org/officeDocument/2006/relationships" xmlns:mc="http://schemas.openxmlformats.org/markup-compatibility/2006" xmlns:mv="urn:schemas-microsoft-com:mac:vml" xmlns:p="http://schemas.openxmlformats.org/presentationml/2006/main" xmlns:c="http://schemas.openxmlformats.org/drawingml/2006/chart" xmlns:dgm="http://schemas.openxmlformats.org/drawingml/2006/diagram" xmlns:o="urn:schemas-microsoft-com:office:office" xmlns:v="urn:schemas-microsoft-com:vml" xmlns:pvml="urn:schemas-microsoft-com:office:powerpoint" xmlns:com="http://schemas.openxmlformats.org/drawingml/2006/compatibility" xmlns:p14="http://schemas.microsoft.com/office/powerpoint/2010/main" xmlns:p15="http://schemas.microsoft.com/office/powerpoint/2012/main" xmlns:ahyp="http://schemas.microsoft.com/office/drawing/2018/hyperlinkcolor" matchingName="Title slide" type="title">
+<p:sldLayout xmlns:a="http://schemas.openxmlformats.org/drawingml/2006/main" xmlns:r="http://schemas.openxmlformats.org/officeDocument/2006/relationships" xmlns:p="http://schemas.openxmlformats.org/presentationml/2006/main" matchingName="Title slide" type="title">
   <p:cSld name="TITLE">
     <p:bg>
       <p:bgPr>
         <a:solidFill>
           <a:schemeClr val="dk1"/>
         </a:solidFill>
+        <a:effectLst/>
       </p:bgPr>
     </p:bg>
     <p:spTree>
       <p:nvGrpSpPr>
-        <p:cNvPr id="9" name="Shape 9"/>
+        <p:cNvPr id="1" name="Shape 9"/>
         <p:cNvGrpSpPr/>
         <p:nvPr/>
       </p:nvGrpSpPr>
@@ -1646,9 +1734,13 @@
             <a:ext cx="9144250" cy="4398100"/>
           </a:xfrm>
           <a:custGeom>
-            <a:rect b="b" l="l" r="r" t="t"/>
+            <a:avLst/>
+            <a:gdLst/>
+            <a:ahLst/>
+            <a:cxnLst/>
+            <a:rect l="l" t="t" r="r" b="b"/>
             <a:pathLst>
-              <a:path extrusionOk="0" h="175924" w="365770">
+              <a:path w="365770" h="175924" extrusionOk="0">
                 <a:moveTo>
                   <a:pt x="0" y="0"/>
                 </a:moveTo>
@@ -1676,7 +1768,9 @@
       <p:sp>
         <p:nvSpPr>
           <p:cNvPr id="11" name="Google Shape;11;p2"/>
-          <p:cNvSpPr txBox="1"/>
+          <p:cNvSpPr txBox="1">
+            <a:spLocks noGrp="1"/>
+          </p:cNvSpPr>
           <p:nvPr>
             <p:ph type="ctrTitle"/>
           </p:nvPr>
@@ -1691,7 +1785,7 @@
           </a:prstGeom>
         </p:spPr>
         <p:txBody>
-          <a:bodyPr anchorCtr="0" anchor="t" bIns="91425" lIns="91425" spcFirstLastPara="1" rIns="91425" wrap="square" tIns="91425">
+          <a:bodyPr spcFirstLastPara="1" wrap="square" lIns="91425" tIns="91425" rIns="91425" bIns="91425" anchor="t" anchorCtr="0">
             <a:noAutofit/>
           </a:bodyPr>
           <a:lstStyle>
@@ -1795,15 +1889,19 @@
               <a:defRPr sz="3600"/>
             </a:lvl9pPr>
           </a:lstStyle>
-          <a:p/>
+          <a:p>
+            <a:endParaRPr/>
+          </a:p>
         </p:txBody>
       </p:sp>
       <p:sp>
         <p:nvSpPr>
           <p:cNvPr id="12" name="Google Shape;12;p2"/>
-          <p:cNvSpPr txBox="1"/>
+          <p:cNvSpPr txBox="1">
+            <a:spLocks noGrp="1"/>
+          </p:cNvSpPr>
           <p:nvPr>
-            <p:ph idx="1" type="subTitle"/>
+            <p:ph type="subTitle" idx="1"/>
           </p:nvPr>
         </p:nvSpPr>
         <p:spPr>
@@ -1816,7 +1914,7 @@
           </a:prstGeom>
         </p:spPr>
         <p:txBody>
-          <a:bodyPr anchorCtr="0" anchor="t" bIns="91425" lIns="91425" spcFirstLastPara="1" rIns="91425" wrap="square" tIns="91425">
+          <a:bodyPr spcFirstLastPara="1" wrap="square" lIns="91425" tIns="91425" rIns="91425" bIns="91425" anchor="t" anchorCtr="0">
             <a:noAutofit/>
           </a:bodyPr>
           <a:lstStyle>
@@ -2010,15 +2108,19 @@
               </a:defRPr>
             </a:lvl9pPr>
           </a:lstStyle>
-          <a:p/>
+          <a:p>
+            <a:endParaRPr/>
+          </a:p>
         </p:txBody>
       </p:sp>
       <p:sp>
         <p:nvSpPr>
           <p:cNvPr id="13" name="Google Shape;13;p2"/>
-          <p:cNvSpPr txBox="1"/>
+          <p:cNvSpPr txBox="1">
+            <a:spLocks noGrp="1"/>
+          </p:cNvSpPr>
           <p:nvPr>
-            <p:ph idx="12" type="sldNum"/>
+            <p:ph type="sldNum" idx="12"/>
           </p:nvPr>
         </p:nvSpPr>
         <p:spPr>
@@ -2031,7 +2133,7 @@
           </a:prstGeom>
         </p:spPr>
         <p:txBody>
-          <a:bodyPr anchorCtr="0" anchor="ctr" bIns="91425" lIns="91425" spcFirstLastPara="1" rIns="91425" wrap="square" tIns="91425">
+          <a:bodyPr spcFirstLastPara="1" wrap="square" lIns="91425" tIns="91425" rIns="91425" bIns="91425" anchor="ctr" anchorCtr="0">
             <a:noAutofit/>
           </a:bodyPr>
           <a:lstStyle>
@@ -2109,7 +2211,7 @@
             </a:lvl9pPr>
           </a:lstStyle>
           <a:p>
-            <a:pPr indent="0" lvl="0" marL="0" rtl="0" algn="r">
+            <a:pPr marL="0" lvl="0" indent="0" algn="r" rtl="0">
               <a:spcBef>
                 <a:spcPts val="0"/>
               </a:spcBef>
@@ -2135,18 +2237,19 @@
 </file>
 
 <file path=ppt/slideLayouts/slideLayout10.xml><?xml version="1.0" encoding="utf-8"?>
-<p:sldLayout xmlns:a="http://schemas.openxmlformats.org/drawingml/2006/main" xmlns:r="http://schemas.openxmlformats.org/officeDocument/2006/relationships" xmlns:mc="http://schemas.openxmlformats.org/markup-compatibility/2006" xmlns:mv="urn:schemas-microsoft-com:mac:vml" xmlns:p="http://schemas.openxmlformats.org/presentationml/2006/main" xmlns:c="http://schemas.openxmlformats.org/drawingml/2006/chart" xmlns:dgm="http://schemas.openxmlformats.org/drawingml/2006/diagram" xmlns:o="urn:schemas-microsoft-com:office:office" xmlns:v="urn:schemas-microsoft-com:vml" xmlns:pvml="urn:schemas-microsoft-com:office:powerpoint" xmlns:com="http://schemas.openxmlformats.org/drawingml/2006/compatibility" xmlns:p14="http://schemas.microsoft.com/office/powerpoint/2010/main" xmlns:p15="http://schemas.microsoft.com/office/powerpoint/2012/main" xmlns:ahyp="http://schemas.microsoft.com/office/drawing/2018/hyperlinkcolor" matchingName="Big number">
+<p:sldLayout xmlns:a="http://schemas.openxmlformats.org/drawingml/2006/main" xmlns:r="http://schemas.openxmlformats.org/officeDocument/2006/relationships" xmlns:p="http://schemas.openxmlformats.org/presentationml/2006/main" matchingName="Big number">
   <p:cSld name="BIG_NUMBER">
     <p:bg>
       <p:bgPr>
         <a:solidFill>
           <a:schemeClr val="dk1"/>
         </a:solidFill>
+        <a:effectLst/>
       </p:bgPr>
     </p:bg>
     <p:spTree>
       <p:nvGrpSpPr>
-        <p:cNvPr id="54" name="Shape 54"/>
+        <p:cNvPr id="1" name="Shape 54"/>
         <p:cNvGrpSpPr/>
         <p:nvPr/>
       </p:nvGrpSpPr>
@@ -2161,9 +2264,11 @@
       <p:sp>
         <p:nvSpPr>
           <p:cNvPr id="55" name="Google Shape;55;p11"/>
-          <p:cNvSpPr txBox="1"/>
+          <p:cNvSpPr txBox="1">
+            <a:spLocks noGrp="1"/>
+          </p:cNvSpPr>
           <p:nvPr>
-            <p:ph hasCustomPrompt="1" type="title"/>
+            <p:ph type="title" hasCustomPrompt="1"/>
           </p:nvPr>
         </p:nvSpPr>
         <p:spPr>
@@ -2176,7 +2281,7 @@
           </a:prstGeom>
         </p:spPr>
         <p:txBody>
-          <a:bodyPr anchorCtr="0" anchor="b" bIns="91425" lIns="91425" spcFirstLastPara="1" rIns="91425" wrap="square" tIns="91425">
+          <a:bodyPr spcFirstLastPara="1" wrap="square" lIns="91425" tIns="91425" rIns="91425" bIns="91425" anchor="b" anchorCtr="0">
             <a:noAutofit/>
           </a:bodyPr>
           <a:lstStyle>
@@ -2353,9 +2458,11 @@
       <p:sp>
         <p:nvSpPr>
           <p:cNvPr id="56" name="Google Shape;56;p11"/>
-          <p:cNvSpPr txBox="1"/>
+          <p:cNvSpPr txBox="1">
+            <a:spLocks noGrp="1"/>
+          </p:cNvSpPr>
           <p:nvPr>
-            <p:ph idx="1" type="body"/>
+            <p:ph type="body" idx="1"/>
           </p:nvPr>
         </p:nvSpPr>
         <p:spPr>
@@ -2368,11 +2475,11 @@
           </a:prstGeom>
         </p:spPr>
         <p:txBody>
-          <a:bodyPr anchorCtr="0" anchor="t" bIns="91425" lIns="91425" spcFirstLastPara="1" rIns="91425" wrap="square" tIns="91425">
+          <a:bodyPr spcFirstLastPara="1" wrap="square" lIns="91425" tIns="91425" rIns="91425" bIns="91425" anchor="t" anchorCtr="0">
             <a:noAutofit/>
           </a:bodyPr>
           <a:lstStyle>
-            <a:lvl1pPr indent="-311150" lvl="0" marL="457200">
+            <a:lvl1pPr marL="457200" lvl="0" indent="-311150">
               <a:spcBef>
                 <a:spcPts val="0"/>
               </a:spcBef>
@@ -2390,7 +2497,7 @@
                 </a:solidFill>
               </a:defRPr>
             </a:lvl1pPr>
-            <a:lvl2pPr indent="-298450" lvl="1" marL="914400">
+            <a:lvl2pPr marL="914400" lvl="1" indent="-298450">
               <a:spcBef>
                 <a:spcPts val="1600"/>
               </a:spcBef>
@@ -2408,7 +2515,7 @@
                 </a:solidFill>
               </a:defRPr>
             </a:lvl2pPr>
-            <a:lvl3pPr indent="-298450" lvl="2" marL="1371600">
+            <a:lvl3pPr marL="1371600" lvl="2" indent="-298450">
               <a:spcBef>
                 <a:spcPts val="1600"/>
               </a:spcBef>
@@ -2426,7 +2533,7 @@
                 </a:solidFill>
               </a:defRPr>
             </a:lvl3pPr>
-            <a:lvl4pPr indent="-298450" lvl="3" marL="1828800">
+            <a:lvl4pPr marL="1828800" lvl="3" indent="-298450">
               <a:spcBef>
                 <a:spcPts val="1600"/>
               </a:spcBef>
@@ -2444,7 +2551,7 @@
                 </a:solidFill>
               </a:defRPr>
             </a:lvl4pPr>
-            <a:lvl5pPr indent="-298450" lvl="4" marL="2286000">
+            <a:lvl5pPr marL="2286000" lvl="4" indent="-298450">
               <a:spcBef>
                 <a:spcPts val="1600"/>
               </a:spcBef>
@@ -2462,7 +2569,7 @@
                 </a:solidFill>
               </a:defRPr>
             </a:lvl5pPr>
-            <a:lvl6pPr indent="-298450" lvl="5" marL="2743200">
+            <a:lvl6pPr marL="2743200" lvl="5" indent="-298450">
               <a:spcBef>
                 <a:spcPts val="1600"/>
               </a:spcBef>
@@ -2480,7 +2587,7 @@
                 </a:solidFill>
               </a:defRPr>
             </a:lvl6pPr>
-            <a:lvl7pPr indent="-298450" lvl="6" marL="3200400">
+            <a:lvl7pPr marL="3200400" lvl="6" indent="-298450">
               <a:spcBef>
                 <a:spcPts val="1600"/>
               </a:spcBef>
@@ -2498,7 +2605,7 @@
                 </a:solidFill>
               </a:defRPr>
             </a:lvl7pPr>
-            <a:lvl8pPr indent="-298450" lvl="7" marL="3657600">
+            <a:lvl8pPr marL="3657600" lvl="7" indent="-298450">
               <a:spcBef>
                 <a:spcPts val="1600"/>
               </a:spcBef>
@@ -2516,7 +2623,7 @@
                 </a:solidFill>
               </a:defRPr>
             </a:lvl8pPr>
-            <a:lvl9pPr indent="-298450" lvl="8" marL="4114800">
+            <a:lvl9pPr marL="4114800" lvl="8" indent="-298450">
               <a:spcBef>
                 <a:spcPts val="1600"/>
               </a:spcBef>
@@ -2535,15 +2642,19 @@
               </a:defRPr>
             </a:lvl9pPr>
           </a:lstStyle>
-          <a:p/>
+          <a:p>
+            <a:endParaRPr/>
+          </a:p>
         </p:txBody>
       </p:sp>
       <p:sp>
         <p:nvSpPr>
           <p:cNvPr id="57" name="Google Shape;57;p11"/>
-          <p:cNvSpPr txBox="1"/>
+          <p:cNvSpPr txBox="1">
+            <a:spLocks noGrp="1"/>
+          </p:cNvSpPr>
           <p:nvPr>
-            <p:ph idx="12" type="sldNum"/>
+            <p:ph type="sldNum" idx="12"/>
           </p:nvPr>
         </p:nvSpPr>
         <p:spPr>
@@ -2556,7 +2667,7 @@
           </a:prstGeom>
         </p:spPr>
         <p:txBody>
-          <a:bodyPr anchorCtr="0" anchor="ctr" bIns="91425" lIns="91425" spcFirstLastPara="1" rIns="91425" wrap="square" tIns="91425">
+          <a:bodyPr spcFirstLastPara="1" wrap="square" lIns="91425" tIns="91425" rIns="91425" bIns="91425" anchor="ctr" anchorCtr="0">
             <a:noAutofit/>
           </a:bodyPr>
           <a:lstStyle>
@@ -2634,7 +2745,7 @@
             </a:lvl9pPr>
           </a:lstStyle>
           <a:p>
-            <a:pPr indent="0" lvl="0" marL="0" rtl="0" algn="r">
+            <a:pPr marL="0" lvl="0" indent="0" algn="r" rtl="0">
               <a:spcBef>
                 <a:spcPts val="0"/>
               </a:spcBef>
@@ -2660,11 +2771,11 @@
 </file>
 
 <file path=ppt/slideLayouts/slideLayout11.xml><?xml version="1.0" encoding="utf-8"?>
-<p:sldLayout xmlns:a="http://schemas.openxmlformats.org/drawingml/2006/main" xmlns:r="http://schemas.openxmlformats.org/officeDocument/2006/relationships" xmlns:mc="http://schemas.openxmlformats.org/markup-compatibility/2006" xmlns:mv="urn:schemas-microsoft-com:mac:vml" xmlns:p="http://schemas.openxmlformats.org/presentationml/2006/main" xmlns:c="http://schemas.openxmlformats.org/drawingml/2006/chart" xmlns:dgm="http://schemas.openxmlformats.org/drawingml/2006/diagram" xmlns:o="urn:schemas-microsoft-com:office:office" xmlns:v="urn:schemas-microsoft-com:vml" xmlns:pvml="urn:schemas-microsoft-com:office:powerpoint" xmlns:com="http://schemas.openxmlformats.org/drawingml/2006/compatibility" xmlns:p14="http://schemas.microsoft.com/office/powerpoint/2010/main" xmlns:p15="http://schemas.microsoft.com/office/powerpoint/2012/main" xmlns:ahyp="http://schemas.microsoft.com/office/drawing/2018/hyperlinkcolor" matchingName="Blank" type="blank">
+<p:sldLayout xmlns:a="http://schemas.openxmlformats.org/drawingml/2006/main" xmlns:r="http://schemas.openxmlformats.org/officeDocument/2006/relationships" xmlns:p="http://schemas.openxmlformats.org/presentationml/2006/main" matchingName="Blank" type="blank">
   <p:cSld name="BLANK">
     <p:spTree>
       <p:nvGrpSpPr>
-        <p:cNvPr id="58" name="Shape 58"/>
+        <p:cNvPr id="1" name="Shape 58"/>
         <p:cNvGrpSpPr/>
         <p:nvPr/>
       </p:nvGrpSpPr>
@@ -2679,9 +2790,11 @@
       <p:sp>
         <p:nvSpPr>
           <p:cNvPr id="59" name="Google Shape;59;p12"/>
-          <p:cNvSpPr txBox="1"/>
+          <p:cNvSpPr txBox="1">
+            <a:spLocks noGrp="1"/>
+          </p:cNvSpPr>
           <p:nvPr>
-            <p:ph idx="12" type="sldNum"/>
+            <p:ph type="sldNum" idx="12"/>
           </p:nvPr>
         </p:nvSpPr>
         <p:spPr>
@@ -2694,7 +2807,7 @@
           </a:prstGeom>
         </p:spPr>
         <p:txBody>
-          <a:bodyPr anchorCtr="0" anchor="ctr" bIns="91425" lIns="91425" spcFirstLastPara="1" rIns="91425" wrap="square" tIns="91425">
+          <a:bodyPr spcFirstLastPara="1" wrap="square" lIns="91425" tIns="91425" rIns="91425" bIns="91425" anchor="ctr" anchorCtr="0">
             <a:noAutofit/>
           </a:bodyPr>
           <a:lstStyle>
@@ -2736,7 +2849,7 @@
             </a:lvl9pPr>
           </a:lstStyle>
           <a:p>
-            <a:pPr indent="0" lvl="0" marL="0" rtl="0" algn="r">
+            <a:pPr marL="0" lvl="0" indent="0" algn="r" rtl="0">
               <a:spcBef>
                 <a:spcPts val="0"/>
               </a:spcBef>
@@ -2762,18 +2875,19 @@
 </file>
 
 <file path=ppt/slideLayouts/slideLayout2.xml><?xml version="1.0" encoding="utf-8"?>
-<p:sldLayout xmlns:a="http://schemas.openxmlformats.org/drawingml/2006/main" xmlns:r="http://schemas.openxmlformats.org/officeDocument/2006/relationships" xmlns:mc="http://schemas.openxmlformats.org/markup-compatibility/2006" xmlns:mv="urn:schemas-microsoft-com:mac:vml" xmlns:p="http://schemas.openxmlformats.org/presentationml/2006/main" xmlns:c="http://schemas.openxmlformats.org/drawingml/2006/chart" xmlns:dgm="http://schemas.openxmlformats.org/drawingml/2006/diagram" xmlns:o="urn:schemas-microsoft-com:office:office" xmlns:v="urn:schemas-microsoft-com:vml" xmlns:pvml="urn:schemas-microsoft-com:office:powerpoint" xmlns:com="http://schemas.openxmlformats.org/drawingml/2006/compatibility" xmlns:p14="http://schemas.microsoft.com/office/powerpoint/2010/main" xmlns:p15="http://schemas.microsoft.com/office/powerpoint/2012/main" xmlns:ahyp="http://schemas.microsoft.com/office/drawing/2018/hyperlinkcolor" matchingName="Section header" type="secHead">
+<p:sldLayout xmlns:a="http://schemas.openxmlformats.org/drawingml/2006/main" xmlns:r="http://schemas.openxmlformats.org/officeDocument/2006/relationships" xmlns:p="http://schemas.openxmlformats.org/presentationml/2006/main" matchingName="Section header" type="secHead">
   <p:cSld name="SECTION_HEADER">
     <p:bg>
       <p:bgPr>
         <a:solidFill>
           <a:schemeClr val="accent3"/>
         </a:solidFill>
+        <a:effectLst/>
       </p:bgPr>
     </p:bg>
     <p:spTree>
       <p:nvGrpSpPr>
-        <p:cNvPr id="14" name="Shape 14"/>
+        <p:cNvPr id="1" name="Shape 14"/>
         <p:cNvGrpSpPr/>
         <p:nvPr/>
       </p:nvGrpSpPr>
@@ -2797,9 +2911,13 @@
             <a:ext cx="9144250" cy="4398100"/>
           </a:xfrm>
           <a:custGeom>
-            <a:rect b="b" l="l" r="r" t="t"/>
+            <a:avLst/>
+            <a:gdLst/>
+            <a:ahLst/>
+            <a:cxnLst/>
+            <a:rect l="l" t="t" r="r" b="b"/>
             <a:pathLst>
-              <a:path extrusionOk="0" h="175924" w="365770">
+              <a:path w="365770" h="175924" extrusionOk="0">
                 <a:moveTo>
                   <a:pt x="0" y="0"/>
                 </a:moveTo>
@@ -2836,9 +2954,13 @@
             <a:ext cx="9144250" cy="4398100"/>
           </a:xfrm>
           <a:custGeom>
-            <a:rect b="b" l="l" r="r" t="t"/>
+            <a:avLst/>
+            <a:gdLst/>
+            <a:ahLst/>
+            <a:cxnLst/>
+            <a:rect l="l" t="t" r="r" b="b"/>
             <a:pathLst>
-              <a:path extrusionOk="0" h="175924" w="365770">
+              <a:path w="365770" h="175924" extrusionOk="0">
                 <a:moveTo>
                   <a:pt x="0" y="0"/>
                 </a:moveTo>
@@ -2866,7 +2988,9 @@
       <p:sp>
         <p:nvSpPr>
           <p:cNvPr id="17" name="Google Shape;17;p3"/>
-          <p:cNvSpPr txBox="1"/>
+          <p:cNvSpPr txBox="1">
+            <a:spLocks noGrp="1"/>
+          </p:cNvSpPr>
           <p:nvPr>
             <p:ph type="title"/>
           </p:nvPr>
@@ -2881,7 +3005,7 @@
           </a:prstGeom>
         </p:spPr>
         <p:txBody>
-          <a:bodyPr anchorCtr="0" anchor="t" bIns="91425" lIns="91425" spcFirstLastPara="1" rIns="91425" wrap="square" tIns="91425">
+          <a:bodyPr spcFirstLastPara="1" wrap="square" lIns="91425" tIns="91425" rIns="91425" bIns="91425" anchor="t" anchorCtr="0">
             <a:noAutofit/>
           </a:bodyPr>
           <a:lstStyle>
@@ -2985,15 +3109,19 @@
               <a:defRPr sz="3600"/>
             </a:lvl9pPr>
           </a:lstStyle>
-          <a:p/>
+          <a:p>
+            <a:endParaRPr/>
+          </a:p>
         </p:txBody>
       </p:sp>
       <p:sp>
         <p:nvSpPr>
           <p:cNvPr id="18" name="Google Shape;18;p3"/>
-          <p:cNvSpPr txBox="1"/>
+          <p:cNvSpPr txBox="1">
+            <a:spLocks noGrp="1"/>
+          </p:cNvSpPr>
           <p:nvPr>
-            <p:ph idx="12" type="sldNum"/>
+            <p:ph type="sldNum" idx="12"/>
           </p:nvPr>
         </p:nvSpPr>
         <p:spPr>
@@ -3006,7 +3134,7 @@
           </a:prstGeom>
         </p:spPr>
         <p:txBody>
-          <a:bodyPr anchorCtr="0" anchor="ctr" bIns="91425" lIns="91425" spcFirstLastPara="1" rIns="91425" wrap="square" tIns="91425">
+          <a:bodyPr spcFirstLastPara="1" wrap="square" lIns="91425" tIns="91425" rIns="91425" bIns="91425" anchor="ctr" anchorCtr="0">
             <a:noAutofit/>
           </a:bodyPr>
           <a:lstStyle>
@@ -3084,7 +3212,7 @@
             </a:lvl9pPr>
           </a:lstStyle>
           <a:p>
-            <a:pPr indent="0" lvl="0" marL="0" rtl="0" algn="r">
+            <a:pPr marL="0" lvl="0" indent="0" algn="r" rtl="0">
               <a:spcBef>
                 <a:spcPts val="0"/>
               </a:spcBef>
@@ -3110,11 +3238,11 @@
 </file>
 
 <file path=ppt/slideLayouts/slideLayout3.xml><?xml version="1.0" encoding="utf-8"?>
-<p:sldLayout xmlns:a="http://schemas.openxmlformats.org/drawingml/2006/main" xmlns:r="http://schemas.openxmlformats.org/officeDocument/2006/relationships" xmlns:mc="http://schemas.openxmlformats.org/markup-compatibility/2006" xmlns:mv="urn:schemas-microsoft-com:mac:vml" xmlns:p="http://schemas.openxmlformats.org/presentationml/2006/main" xmlns:c="http://schemas.openxmlformats.org/drawingml/2006/chart" xmlns:dgm="http://schemas.openxmlformats.org/drawingml/2006/diagram" xmlns:o="urn:schemas-microsoft-com:office:office" xmlns:v="urn:schemas-microsoft-com:vml" xmlns:pvml="urn:schemas-microsoft-com:office:powerpoint" xmlns:com="http://schemas.openxmlformats.org/drawingml/2006/compatibility" xmlns:p14="http://schemas.microsoft.com/office/powerpoint/2010/main" xmlns:p15="http://schemas.microsoft.com/office/powerpoint/2012/main" xmlns:ahyp="http://schemas.microsoft.com/office/drawing/2018/hyperlinkcolor" matchingName="Title and body" type="tx">
+<p:sldLayout xmlns:a="http://schemas.openxmlformats.org/drawingml/2006/main" xmlns:r="http://schemas.openxmlformats.org/officeDocument/2006/relationships" xmlns:p="http://schemas.openxmlformats.org/presentationml/2006/main" matchingName="Title and body" type="tx">
   <p:cSld name="TITLE_AND_BODY">
     <p:spTree>
       <p:nvGrpSpPr>
-        <p:cNvPr id="19" name="Shape 19"/>
+        <p:cNvPr id="1" name="Shape 19"/>
         <p:cNvGrpSpPr/>
         <p:nvPr/>
       </p:nvGrpSpPr>
@@ -3148,12 +3276,12 @@
           </a:ln>
         </p:spPr>
         <p:txBody>
-          <a:bodyPr anchorCtr="0" anchor="ctr" bIns="91425" lIns="91425" spcFirstLastPara="1" rIns="91425" wrap="square" tIns="91425">
+          <a:bodyPr spcFirstLastPara="1" wrap="square" lIns="91425" tIns="91425" rIns="91425" bIns="91425" anchor="ctr" anchorCtr="0">
             <a:noAutofit/>
           </a:bodyPr>
           <a:lstStyle/>
           <a:p>
-            <a:pPr indent="0" lvl="0" marL="0" rtl="0" algn="l">
+            <a:pPr marL="0" lvl="0" indent="0" algn="l" rtl="0">
               <a:spcBef>
                 <a:spcPts val="0"/>
               </a:spcBef>
@@ -3162,9 +3290,6 @@
               </a:spcAft>
               <a:buNone/>
             </a:pPr>
-            <a:r>
-              <a:t/>
-            </a:r>
             <a:endParaRPr/>
           </a:p>
         </p:txBody>
@@ -3181,9 +3306,13 @@
             <a:ext cx="4313625" cy="4399375"/>
           </a:xfrm>
           <a:custGeom>
-            <a:rect b="b" l="l" r="r" t="t"/>
+            <a:avLst/>
+            <a:gdLst/>
+            <a:ahLst/>
+            <a:cxnLst/>
+            <a:rect l="l" t="t" r="r" b="b"/>
             <a:pathLst>
-              <a:path extrusionOk="0" h="175975" w="172545">
+              <a:path w="172545" h="175975" extrusionOk="0">
                 <a:moveTo>
                   <a:pt x="0" y="157"/>
                 </a:moveTo>
@@ -3220,9 +3349,13 @@
             <a:ext cx="4316900" cy="4395600"/>
           </a:xfrm>
           <a:custGeom>
-            <a:rect b="b" l="l" r="r" t="t"/>
+            <a:avLst/>
+            <a:gdLst/>
+            <a:ahLst/>
+            <a:cxnLst/>
+            <a:rect l="l" t="t" r="r" b="b"/>
             <a:pathLst>
-              <a:path extrusionOk="0" h="175824" w="172676">
+              <a:path w="172676" h="175824" extrusionOk="0">
                 <a:moveTo>
                   <a:pt x="0" y="6"/>
                 </a:moveTo>
@@ -3250,7 +3383,9 @@
       <p:sp>
         <p:nvSpPr>
           <p:cNvPr id="23" name="Google Shape;23;p4"/>
-          <p:cNvSpPr txBox="1"/>
+          <p:cNvSpPr txBox="1">
+            <a:spLocks noGrp="1"/>
+          </p:cNvSpPr>
           <p:nvPr>
             <p:ph type="title"/>
           </p:nvPr>
@@ -3265,7 +3400,7 @@
           </a:prstGeom>
         </p:spPr>
         <p:txBody>
-          <a:bodyPr anchorCtr="0" anchor="t" bIns="91425" lIns="91425" spcFirstLastPara="1" rIns="91425" wrap="square" tIns="91425">
+          <a:bodyPr spcFirstLastPara="1" wrap="square" lIns="91425" tIns="91425" rIns="91425" bIns="91425" anchor="t" anchorCtr="0">
             <a:noAutofit/>
           </a:bodyPr>
           <a:lstStyle>
@@ -3432,15 +3567,19 @@
               </a:defRPr>
             </a:lvl9pPr>
           </a:lstStyle>
-          <a:p/>
+          <a:p>
+            <a:endParaRPr/>
+          </a:p>
         </p:txBody>
       </p:sp>
       <p:sp>
         <p:nvSpPr>
           <p:cNvPr id="24" name="Google Shape;24;p4"/>
-          <p:cNvSpPr txBox="1"/>
+          <p:cNvSpPr txBox="1">
+            <a:spLocks noGrp="1"/>
+          </p:cNvSpPr>
           <p:nvPr>
-            <p:ph idx="1" type="body"/>
+            <p:ph type="body" idx="1"/>
           </p:nvPr>
         </p:nvSpPr>
         <p:spPr>
@@ -3453,11 +3592,11 @@
           </a:prstGeom>
         </p:spPr>
         <p:txBody>
-          <a:bodyPr anchorCtr="0" anchor="t" bIns="91425" lIns="91425" spcFirstLastPara="1" rIns="91425" wrap="square" tIns="91425">
+          <a:bodyPr spcFirstLastPara="1" wrap="square" lIns="91425" tIns="91425" rIns="91425" bIns="91425" anchor="t" anchorCtr="0">
             <a:noAutofit/>
           </a:bodyPr>
           <a:lstStyle>
-            <a:lvl1pPr indent="-311150" lvl="0" marL="457200">
+            <a:lvl1pPr marL="457200" lvl="0" indent="-311150">
               <a:spcBef>
                 <a:spcPts val="0"/>
               </a:spcBef>
@@ -3468,7 +3607,7 @@
               <a:buChar char="●"/>
               <a:defRPr/>
             </a:lvl1pPr>
-            <a:lvl2pPr indent="-298450" lvl="1" marL="914400">
+            <a:lvl2pPr marL="914400" lvl="1" indent="-298450">
               <a:spcBef>
                 <a:spcPts val="1600"/>
               </a:spcBef>
@@ -3479,7 +3618,7 @@
               <a:buChar char="○"/>
               <a:defRPr/>
             </a:lvl2pPr>
-            <a:lvl3pPr indent="-298450" lvl="2" marL="1371600">
+            <a:lvl3pPr marL="1371600" lvl="2" indent="-298450">
               <a:spcBef>
                 <a:spcPts val="1600"/>
               </a:spcBef>
@@ -3490,7 +3629,7 @@
               <a:buChar char="■"/>
               <a:defRPr/>
             </a:lvl3pPr>
-            <a:lvl4pPr indent="-298450" lvl="3" marL="1828800">
+            <a:lvl4pPr marL="1828800" lvl="3" indent="-298450">
               <a:spcBef>
                 <a:spcPts val="1600"/>
               </a:spcBef>
@@ -3501,7 +3640,7 @@
               <a:buChar char="●"/>
               <a:defRPr/>
             </a:lvl4pPr>
-            <a:lvl5pPr indent="-298450" lvl="4" marL="2286000">
+            <a:lvl5pPr marL="2286000" lvl="4" indent="-298450">
               <a:spcBef>
                 <a:spcPts val="1600"/>
               </a:spcBef>
@@ -3512,7 +3651,7 @@
               <a:buChar char="○"/>
               <a:defRPr/>
             </a:lvl5pPr>
-            <a:lvl6pPr indent="-298450" lvl="5" marL="2743200">
+            <a:lvl6pPr marL="2743200" lvl="5" indent="-298450">
               <a:spcBef>
                 <a:spcPts val="1600"/>
               </a:spcBef>
@@ -3523,7 +3662,7 @@
               <a:buChar char="■"/>
               <a:defRPr/>
             </a:lvl6pPr>
-            <a:lvl7pPr indent="-298450" lvl="6" marL="3200400">
+            <a:lvl7pPr marL="3200400" lvl="6" indent="-298450">
               <a:spcBef>
                 <a:spcPts val="1600"/>
               </a:spcBef>
@@ -3534,7 +3673,7 @@
               <a:buChar char="●"/>
               <a:defRPr/>
             </a:lvl7pPr>
-            <a:lvl8pPr indent="-298450" lvl="7" marL="3657600">
+            <a:lvl8pPr marL="3657600" lvl="7" indent="-298450">
               <a:spcBef>
                 <a:spcPts val="1600"/>
               </a:spcBef>
@@ -3545,7 +3684,7 @@
               <a:buChar char="○"/>
               <a:defRPr/>
             </a:lvl8pPr>
-            <a:lvl9pPr indent="-298450" lvl="8" marL="4114800">
+            <a:lvl9pPr marL="4114800" lvl="8" indent="-298450">
               <a:spcBef>
                 <a:spcPts val="1600"/>
               </a:spcBef>
@@ -3557,15 +3696,19 @@
               <a:defRPr/>
             </a:lvl9pPr>
           </a:lstStyle>
-          <a:p/>
+          <a:p>
+            <a:endParaRPr/>
+          </a:p>
         </p:txBody>
       </p:sp>
       <p:sp>
         <p:nvSpPr>
           <p:cNvPr id="25" name="Google Shape;25;p4"/>
-          <p:cNvSpPr txBox="1"/>
+          <p:cNvSpPr txBox="1">
+            <a:spLocks noGrp="1"/>
+          </p:cNvSpPr>
           <p:nvPr>
-            <p:ph idx="12" type="sldNum"/>
+            <p:ph type="sldNum" idx="12"/>
           </p:nvPr>
         </p:nvSpPr>
         <p:spPr>
@@ -3578,7 +3721,7 @@
           </a:prstGeom>
         </p:spPr>
         <p:txBody>
-          <a:bodyPr anchorCtr="0" anchor="ctr" bIns="91425" lIns="91425" spcFirstLastPara="1" rIns="91425" wrap="square" tIns="91425">
+          <a:bodyPr spcFirstLastPara="1" wrap="square" lIns="91425" tIns="91425" rIns="91425" bIns="91425" anchor="ctr" anchorCtr="0">
             <a:noAutofit/>
           </a:bodyPr>
           <a:lstStyle>
@@ -3620,7 +3763,7 @@
             </a:lvl9pPr>
           </a:lstStyle>
           <a:p>
-            <a:pPr indent="0" lvl="0" marL="0" rtl="0" algn="r">
+            <a:pPr marL="0" lvl="0" indent="0" algn="r" rtl="0">
               <a:spcBef>
                 <a:spcPts val="0"/>
               </a:spcBef>
@@ -3646,11 +3789,11 @@
 </file>
 
 <file path=ppt/slideLayouts/slideLayout4.xml><?xml version="1.0" encoding="utf-8"?>
-<p:sldLayout xmlns:a="http://schemas.openxmlformats.org/drawingml/2006/main" xmlns:r="http://schemas.openxmlformats.org/officeDocument/2006/relationships" xmlns:mc="http://schemas.openxmlformats.org/markup-compatibility/2006" xmlns:mv="urn:schemas-microsoft-com:mac:vml" xmlns:p="http://schemas.openxmlformats.org/presentationml/2006/main" xmlns:c="http://schemas.openxmlformats.org/drawingml/2006/chart" xmlns:dgm="http://schemas.openxmlformats.org/drawingml/2006/diagram" xmlns:o="urn:schemas-microsoft-com:office:office" xmlns:v="urn:schemas-microsoft-com:vml" xmlns:pvml="urn:schemas-microsoft-com:office:powerpoint" xmlns:com="http://schemas.openxmlformats.org/drawingml/2006/compatibility" xmlns:p14="http://schemas.microsoft.com/office/powerpoint/2010/main" xmlns:p15="http://schemas.microsoft.com/office/powerpoint/2012/main" xmlns:ahyp="http://schemas.microsoft.com/office/drawing/2018/hyperlinkcolor" matchingName="Title and two columns" type="twoColTx">
+<p:sldLayout xmlns:a="http://schemas.openxmlformats.org/drawingml/2006/main" xmlns:r="http://schemas.openxmlformats.org/officeDocument/2006/relationships" xmlns:p="http://schemas.openxmlformats.org/presentationml/2006/main" matchingName="Title and two columns" type="twoColTx">
   <p:cSld name="TITLE_AND_TWO_COLUMNS">
     <p:spTree>
       <p:nvGrpSpPr>
-        <p:cNvPr id="26" name="Shape 26"/>
+        <p:cNvPr id="1" name="Shape 26"/>
         <p:cNvGrpSpPr/>
         <p:nvPr/>
       </p:nvGrpSpPr>
@@ -3684,12 +3827,12 @@
           </a:ln>
         </p:spPr>
         <p:txBody>
-          <a:bodyPr anchorCtr="0" anchor="ctr" bIns="91425" lIns="91425" spcFirstLastPara="1" rIns="91425" wrap="square" tIns="91425">
+          <a:bodyPr spcFirstLastPara="1" wrap="square" lIns="91425" tIns="91425" rIns="91425" bIns="91425" anchor="ctr" anchorCtr="0">
             <a:noAutofit/>
           </a:bodyPr>
           <a:lstStyle/>
           <a:p>
-            <a:pPr indent="0" lvl="0" marL="0" rtl="0" algn="l">
+            <a:pPr marL="0" lvl="0" indent="0" algn="l" rtl="0">
               <a:spcBef>
                 <a:spcPts val="0"/>
               </a:spcBef>
@@ -3698,9 +3841,6 @@
               </a:spcAft>
               <a:buNone/>
             </a:pPr>
-            <a:r>
-              <a:t/>
-            </a:r>
             <a:endParaRPr/>
           </a:p>
         </p:txBody>
@@ -3708,7 +3848,9 @@
       <p:sp>
         <p:nvSpPr>
           <p:cNvPr id="28" name="Google Shape;28;p5"/>
-          <p:cNvSpPr txBox="1"/>
+          <p:cNvSpPr txBox="1">
+            <a:spLocks noGrp="1"/>
+          </p:cNvSpPr>
           <p:nvPr>
             <p:ph type="title"/>
           </p:nvPr>
@@ -3723,7 +3865,7 @@
           </a:prstGeom>
         </p:spPr>
         <p:txBody>
-          <a:bodyPr anchorCtr="0" anchor="t" bIns="91425" lIns="91425" spcFirstLastPara="1" rIns="91425" wrap="square" tIns="91425">
+          <a:bodyPr spcFirstLastPara="1" wrap="square" lIns="91425" tIns="91425" rIns="91425" bIns="91425" anchor="t" anchorCtr="0">
             <a:noAutofit/>
           </a:bodyPr>
           <a:lstStyle>
@@ -3890,15 +4032,19 @@
               </a:defRPr>
             </a:lvl9pPr>
           </a:lstStyle>
-          <a:p/>
+          <a:p>
+            <a:endParaRPr/>
+          </a:p>
         </p:txBody>
       </p:sp>
       <p:sp>
         <p:nvSpPr>
           <p:cNvPr id="29" name="Google Shape;29;p5"/>
-          <p:cNvSpPr txBox="1"/>
+          <p:cNvSpPr txBox="1">
+            <a:spLocks noGrp="1"/>
+          </p:cNvSpPr>
           <p:nvPr>
-            <p:ph idx="1" type="body"/>
+            <p:ph type="body" idx="1"/>
           </p:nvPr>
         </p:nvSpPr>
         <p:spPr>
@@ -3911,11 +4057,11 @@
           </a:prstGeom>
         </p:spPr>
         <p:txBody>
-          <a:bodyPr anchorCtr="0" anchor="t" bIns="91425" lIns="91425" spcFirstLastPara="1" rIns="91425" wrap="square" tIns="91425">
+          <a:bodyPr spcFirstLastPara="1" wrap="square" lIns="91425" tIns="91425" rIns="91425" bIns="91425" anchor="t" anchorCtr="0">
             <a:noAutofit/>
           </a:bodyPr>
           <a:lstStyle>
-            <a:lvl1pPr indent="-311150" lvl="0" marL="457200">
+            <a:lvl1pPr marL="457200" lvl="0" indent="-311150">
               <a:spcBef>
                 <a:spcPts val="0"/>
               </a:spcBef>
@@ -3926,7 +4072,7 @@
               <a:buChar char="●"/>
               <a:defRPr/>
             </a:lvl1pPr>
-            <a:lvl2pPr indent="-298450" lvl="1" marL="914400">
+            <a:lvl2pPr marL="914400" lvl="1" indent="-298450">
               <a:spcBef>
                 <a:spcPts val="1600"/>
               </a:spcBef>
@@ -3937,7 +4083,7 @@
               <a:buChar char="○"/>
               <a:defRPr/>
             </a:lvl2pPr>
-            <a:lvl3pPr indent="-298450" lvl="2" marL="1371600">
+            <a:lvl3pPr marL="1371600" lvl="2" indent="-298450">
               <a:spcBef>
                 <a:spcPts val="1600"/>
               </a:spcBef>
@@ -3948,7 +4094,7 @@
               <a:buChar char="■"/>
               <a:defRPr/>
             </a:lvl3pPr>
-            <a:lvl4pPr indent="-298450" lvl="3" marL="1828800">
+            <a:lvl4pPr marL="1828800" lvl="3" indent="-298450">
               <a:spcBef>
                 <a:spcPts val="1600"/>
               </a:spcBef>
@@ -3959,7 +4105,7 @@
               <a:buChar char="●"/>
               <a:defRPr/>
             </a:lvl4pPr>
-            <a:lvl5pPr indent="-298450" lvl="4" marL="2286000">
+            <a:lvl5pPr marL="2286000" lvl="4" indent="-298450">
               <a:spcBef>
                 <a:spcPts val="1600"/>
               </a:spcBef>
@@ -3970,7 +4116,7 @@
               <a:buChar char="○"/>
               <a:defRPr/>
             </a:lvl5pPr>
-            <a:lvl6pPr indent="-298450" lvl="5" marL="2743200">
+            <a:lvl6pPr marL="2743200" lvl="5" indent="-298450">
               <a:spcBef>
                 <a:spcPts val="1600"/>
               </a:spcBef>
@@ -3981,7 +4127,7 @@
               <a:buChar char="■"/>
               <a:defRPr/>
             </a:lvl6pPr>
-            <a:lvl7pPr indent="-298450" lvl="6" marL="3200400">
+            <a:lvl7pPr marL="3200400" lvl="6" indent="-298450">
               <a:spcBef>
                 <a:spcPts val="1600"/>
               </a:spcBef>
@@ -3992,7 +4138,7 @@
               <a:buChar char="●"/>
               <a:defRPr/>
             </a:lvl7pPr>
-            <a:lvl8pPr indent="-298450" lvl="7" marL="3657600">
+            <a:lvl8pPr marL="3657600" lvl="7" indent="-298450">
               <a:spcBef>
                 <a:spcPts val="1600"/>
               </a:spcBef>
@@ -4003,7 +4149,7 @@
               <a:buChar char="○"/>
               <a:defRPr/>
             </a:lvl8pPr>
-            <a:lvl9pPr indent="-298450" lvl="8" marL="4114800">
+            <a:lvl9pPr marL="4114800" lvl="8" indent="-298450">
               <a:spcBef>
                 <a:spcPts val="1600"/>
               </a:spcBef>
@@ -4015,15 +4161,19 @@
               <a:defRPr/>
             </a:lvl9pPr>
           </a:lstStyle>
-          <a:p/>
+          <a:p>
+            <a:endParaRPr/>
+          </a:p>
         </p:txBody>
       </p:sp>
       <p:sp>
         <p:nvSpPr>
           <p:cNvPr id="30" name="Google Shape;30;p5"/>
-          <p:cNvSpPr txBox="1"/>
+          <p:cNvSpPr txBox="1">
+            <a:spLocks noGrp="1"/>
+          </p:cNvSpPr>
           <p:nvPr>
-            <p:ph idx="2" type="body"/>
+            <p:ph type="body" idx="2"/>
           </p:nvPr>
         </p:nvSpPr>
         <p:spPr>
@@ -4036,11 +4186,11 @@
           </a:prstGeom>
         </p:spPr>
         <p:txBody>
-          <a:bodyPr anchorCtr="0" anchor="t" bIns="91425" lIns="91425" spcFirstLastPara="1" rIns="91425" wrap="square" tIns="91425">
+          <a:bodyPr spcFirstLastPara="1" wrap="square" lIns="91425" tIns="91425" rIns="91425" bIns="91425" anchor="t" anchorCtr="0">
             <a:noAutofit/>
           </a:bodyPr>
           <a:lstStyle>
-            <a:lvl1pPr indent="-311150" lvl="0" marL="457200">
+            <a:lvl1pPr marL="457200" lvl="0" indent="-311150">
               <a:spcBef>
                 <a:spcPts val="0"/>
               </a:spcBef>
@@ -4051,7 +4201,7 @@
               <a:buChar char="●"/>
               <a:defRPr/>
             </a:lvl1pPr>
-            <a:lvl2pPr indent="-298450" lvl="1" marL="914400">
+            <a:lvl2pPr marL="914400" lvl="1" indent="-298450">
               <a:spcBef>
                 <a:spcPts val="1600"/>
               </a:spcBef>
@@ -4062,7 +4212,7 @@
               <a:buChar char="○"/>
               <a:defRPr/>
             </a:lvl2pPr>
-            <a:lvl3pPr indent="-298450" lvl="2" marL="1371600">
+            <a:lvl3pPr marL="1371600" lvl="2" indent="-298450">
               <a:spcBef>
                 <a:spcPts val="1600"/>
               </a:spcBef>
@@ -4073,7 +4223,7 @@
               <a:buChar char="■"/>
               <a:defRPr/>
             </a:lvl3pPr>
-            <a:lvl4pPr indent="-298450" lvl="3" marL="1828800">
+            <a:lvl4pPr marL="1828800" lvl="3" indent="-298450">
               <a:spcBef>
                 <a:spcPts val="1600"/>
               </a:spcBef>
@@ -4084,7 +4234,7 @@
               <a:buChar char="●"/>
               <a:defRPr/>
             </a:lvl4pPr>
-            <a:lvl5pPr indent="-298450" lvl="4" marL="2286000">
+            <a:lvl5pPr marL="2286000" lvl="4" indent="-298450">
               <a:spcBef>
                 <a:spcPts val="1600"/>
               </a:spcBef>
@@ -4095,7 +4245,7 @@
               <a:buChar char="○"/>
               <a:defRPr/>
             </a:lvl5pPr>
-            <a:lvl6pPr indent="-298450" lvl="5" marL="2743200">
+            <a:lvl6pPr marL="2743200" lvl="5" indent="-298450">
               <a:spcBef>
                 <a:spcPts val="1600"/>
               </a:spcBef>
@@ -4106,7 +4256,7 @@
               <a:buChar char="■"/>
               <a:defRPr/>
             </a:lvl6pPr>
-            <a:lvl7pPr indent="-298450" lvl="6" marL="3200400">
+            <a:lvl7pPr marL="3200400" lvl="6" indent="-298450">
               <a:spcBef>
                 <a:spcPts val="1600"/>
               </a:spcBef>
@@ -4117,7 +4267,7 @@
               <a:buChar char="●"/>
               <a:defRPr/>
             </a:lvl7pPr>
-            <a:lvl8pPr indent="-298450" lvl="7" marL="3657600">
+            <a:lvl8pPr marL="3657600" lvl="7" indent="-298450">
               <a:spcBef>
                 <a:spcPts val="1600"/>
               </a:spcBef>
@@ -4128,7 +4278,7 @@
               <a:buChar char="○"/>
               <a:defRPr/>
             </a:lvl8pPr>
-            <a:lvl9pPr indent="-298450" lvl="8" marL="4114800">
+            <a:lvl9pPr marL="4114800" lvl="8" indent="-298450">
               <a:spcBef>
                 <a:spcPts val="1600"/>
               </a:spcBef>
@@ -4140,15 +4290,19 @@
               <a:defRPr/>
             </a:lvl9pPr>
           </a:lstStyle>
-          <a:p/>
+          <a:p>
+            <a:endParaRPr/>
+          </a:p>
         </p:txBody>
       </p:sp>
       <p:sp>
         <p:nvSpPr>
           <p:cNvPr id="31" name="Google Shape;31;p5"/>
-          <p:cNvSpPr txBox="1"/>
+          <p:cNvSpPr txBox="1">
+            <a:spLocks noGrp="1"/>
+          </p:cNvSpPr>
           <p:nvPr>
-            <p:ph idx="12" type="sldNum"/>
+            <p:ph type="sldNum" idx="12"/>
           </p:nvPr>
         </p:nvSpPr>
         <p:spPr>
@@ -4161,7 +4315,7 @@
           </a:prstGeom>
         </p:spPr>
         <p:txBody>
-          <a:bodyPr anchorCtr="0" anchor="ctr" bIns="91425" lIns="91425" spcFirstLastPara="1" rIns="91425" wrap="square" tIns="91425">
+          <a:bodyPr spcFirstLastPara="1" wrap="square" lIns="91425" tIns="91425" rIns="91425" bIns="91425" anchor="ctr" anchorCtr="0">
             <a:noAutofit/>
           </a:bodyPr>
           <a:lstStyle>
@@ -4203,7 +4357,7 @@
             </a:lvl9pPr>
           </a:lstStyle>
           <a:p>
-            <a:pPr indent="0" lvl="0" marL="0" rtl="0" algn="r">
+            <a:pPr marL="0" lvl="0" indent="0" algn="r" rtl="0">
               <a:spcBef>
                 <a:spcPts val="0"/>
               </a:spcBef>
@@ -4229,11 +4383,11 @@
 </file>
 
 <file path=ppt/slideLayouts/slideLayout5.xml><?xml version="1.0" encoding="utf-8"?>
-<p:sldLayout xmlns:a="http://schemas.openxmlformats.org/drawingml/2006/main" xmlns:r="http://schemas.openxmlformats.org/officeDocument/2006/relationships" xmlns:mc="http://schemas.openxmlformats.org/markup-compatibility/2006" xmlns:mv="urn:schemas-microsoft-com:mac:vml" xmlns:p="http://schemas.openxmlformats.org/presentationml/2006/main" xmlns:c="http://schemas.openxmlformats.org/drawingml/2006/chart" xmlns:dgm="http://schemas.openxmlformats.org/drawingml/2006/diagram" xmlns:o="urn:schemas-microsoft-com:office:office" xmlns:v="urn:schemas-microsoft-com:vml" xmlns:pvml="urn:schemas-microsoft-com:office:powerpoint" xmlns:com="http://schemas.openxmlformats.org/drawingml/2006/compatibility" xmlns:p14="http://schemas.microsoft.com/office/powerpoint/2010/main" xmlns:p15="http://schemas.microsoft.com/office/powerpoint/2012/main" xmlns:ahyp="http://schemas.microsoft.com/office/drawing/2018/hyperlinkcolor" matchingName="Title only" type="titleOnly">
+<p:sldLayout xmlns:a="http://schemas.openxmlformats.org/drawingml/2006/main" xmlns:r="http://schemas.openxmlformats.org/officeDocument/2006/relationships" xmlns:p="http://schemas.openxmlformats.org/presentationml/2006/main" matchingName="Title only" type="titleOnly">
   <p:cSld name="TITLE_ONLY">
     <p:spTree>
       <p:nvGrpSpPr>
-        <p:cNvPr id="32" name="Shape 32"/>
+        <p:cNvPr id="1" name="Shape 32"/>
         <p:cNvGrpSpPr/>
         <p:nvPr/>
       </p:nvGrpSpPr>
@@ -4267,12 +4421,12 @@
           </a:ln>
         </p:spPr>
         <p:txBody>
-          <a:bodyPr anchorCtr="0" anchor="ctr" bIns="91425" lIns="91425" spcFirstLastPara="1" rIns="91425" wrap="square" tIns="91425">
+          <a:bodyPr spcFirstLastPara="1" wrap="square" lIns="91425" tIns="91425" rIns="91425" bIns="91425" anchor="ctr" anchorCtr="0">
             <a:noAutofit/>
           </a:bodyPr>
           <a:lstStyle/>
           <a:p>
-            <a:pPr indent="0" lvl="0" marL="0" rtl="0" algn="l">
+            <a:pPr marL="0" lvl="0" indent="0" algn="l" rtl="0">
               <a:spcBef>
                 <a:spcPts val="0"/>
               </a:spcBef>
@@ -4281,9 +4435,6 @@
               </a:spcAft>
               <a:buNone/>
             </a:pPr>
-            <a:r>
-              <a:t/>
-            </a:r>
             <a:endParaRPr/>
           </a:p>
         </p:txBody>
@@ -4291,7 +4442,9 @@
       <p:sp>
         <p:nvSpPr>
           <p:cNvPr id="34" name="Google Shape;34;p6"/>
-          <p:cNvSpPr txBox="1"/>
+          <p:cNvSpPr txBox="1">
+            <a:spLocks noGrp="1"/>
+          </p:cNvSpPr>
           <p:nvPr>
             <p:ph type="title"/>
           </p:nvPr>
@@ -4306,7 +4459,7 @@
           </a:prstGeom>
         </p:spPr>
         <p:txBody>
-          <a:bodyPr anchorCtr="0" anchor="t" bIns="91425" lIns="91425" spcFirstLastPara="1" rIns="91425" wrap="square" tIns="91425">
+          <a:bodyPr spcFirstLastPara="1" wrap="square" lIns="91425" tIns="91425" rIns="91425" bIns="91425" anchor="t" anchorCtr="0">
             <a:noAutofit/>
           </a:bodyPr>
           <a:lstStyle>
@@ -4473,15 +4626,19 @@
               </a:defRPr>
             </a:lvl9pPr>
           </a:lstStyle>
-          <a:p/>
+          <a:p>
+            <a:endParaRPr/>
+          </a:p>
         </p:txBody>
       </p:sp>
       <p:sp>
         <p:nvSpPr>
           <p:cNvPr id="35" name="Google Shape;35;p6"/>
-          <p:cNvSpPr txBox="1"/>
+          <p:cNvSpPr txBox="1">
+            <a:spLocks noGrp="1"/>
+          </p:cNvSpPr>
           <p:nvPr>
-            <p:ph idx="12" type="sldNum"/>
+            <p:ph type="sldNum" idx="12"/>
           </p:nvPr>
         </p:nvSpPr>
         <p:spPr>
@@ -4494,7 +4651,7 @@
           </a:prstGeom>
         </p:spPr>
         <p:txBody>
-          <a:bodyPr anchorCtr="0" anchor="ctr" bIns="91425" lIns="91425" spcFirstLastPara="1" rIns="91425" wrap="square" tIns="91425">
+          <a:bodyPr spcFirstLastPara="1" wrap="square" lIns="91425" tIns="91425" rIns="91425" bIns="91425" anchor="ctr" anchorCtr="0">
             <a:noAutofit/>
           </a:bodyPr>
           <a:lstStyle>
@@ -4536,7 +4693,7 @@
             </a:lvl9pPr>
           </a:lstStyle>
           <a:p>
-            <a:pPr indent="0" lvl="0" marL="0" rtl="0" algn="r">
+            <a:pPr marL="0" lvl="0" indent="0" algn="r" rtl="0">
               <a:spcBef>
                 <a:spcPts val="0"/>
               </a:spcBef>
@@ -4562,11 +4719,11 @@
 </file>
 
 <file path=ppt/slideLayouts/slideLayout6.xml><?xml version="1.0" encoding="utf-8"?>
-<p:sldLayout xmlns:a="http://schemas.openxmlformats.org/drawingml/2006/main" xmlns:r="http://schemas.openxmlformats.org/officeDocument/2006/relationships" xmlns:mc="http://schemas.openxmlformats.org/markup-compatibility/2006" xmlns:mv="urn:schemas-microsoft-com:mac:vml" xmlns:p="http://schemas.openxmlformats.org/presentationml/2006/main" xmlns:c="http://schemas.openxmlformats.org/drawingml/2006/chart" xmlns:dgm="http://schemas.openxmlformats.org/drawingml/2006/diagram" xmlns:o="urn:schemas-microsoft-com:office:office" xmlns:v="urn:schemas-microsoft-com:vml" xmlns:pvml="urn:schemas-microsoft-com:office:powerpoint" xmlns:com="http://schemas.openxmlformats.org/drawingml/2006/compatibility" xmlns:p14="http://schemas.microsoft.com/office/powerpoint/2010/main" xmlns:p15="http://schemas.microsoft.com/office/powerpoint/2012/main" xmlns:ahyp="http://schemas.microsoft.com/office/drawing/2018/hyperlinkcolor" matchingName="One column text">
+<p:sldLayout xmlns:a="http://schemas.openxmlformats.org/drawingml/2006/main" xmlns:r="http://schemas.openxmlformats.org/officeDocument/2006/relationships" xmlns:p="http://schemas.openxmlformats.org/presentationml/2006/main" matchingName="One column text">
   <p:cSld name="ONE_COLUMN_TEXT">
     <p:spTree>
       <p:nvGrpSpPr>
-        <p:cNvPr id="36" name="Shape 36"/>
+        <p:cNvPr id="1" name="Shape 36"/>
         <p:cNvGrpSpPr/>
         <p:nvPr/>
       </p:nvGrpSpPr>
@@ -4600,12 +4757,12 @@
           </a:ln>
         </p:spPr>
         <p:txBody>
-          <a:bodyPr anchorCtr="0" anchor="ctr" bIns="91425" lIns="91425" spcFirstLastPara="1" rIns="91425" wrap="square" tIns="91425">
+          <a:bodyPr spcFirstLastPara="1" wrap="square" lIns="91425" tIns="91425" rIns="91425" bIns="91425" anchor="ctr" anchorCtr="0">
             <a:noAutofit/>
           </a:bodyPr>
           <a:lstStyle/>
           <a:p>
-            <a:pPr indent="0" lvl="0" marL="0" rtl="0" algn="l">
+            <a:pPr marL="0" lvl="0" indent="0" algn="l" rtl="0">
               <a:spcBef>
                 <a:spcPts val="0"/>
               </a:spcBef>
@@ -4614,9 +4771,6 @@
               </a:spcAft>
               <a:buNone/>
             </a:pPr>
-            <a:r>
-              <a:t/>
-            </a:r>
             <a:endParaRPr/>
           </a:p>
         </p:txBody>
@@ -4624,7 +4778,9 @@
       <p:sp>
         <p:nvSpPr>
           <p:cNvPr id="38" name="Google Shape;38;p7"/>
-          <p:cNvSpPr txBox="1"/>
+          <p:cNvSpPr txBox="1">
+            <a:spLocks noGrp="1"/>
+          </p:cNvSpPr>
           <p:nvPr>
             <p:ph type="title"/>
           </p:nvPr>
@@ -4639,7 +4795,7 @@
           </a:prstGeom>
         </p:spPr>
         <p:txBody>
-          <a:bodyPr anchorCtr="0" anchor="t" bIns="91425" lIns="91425" spcFirstLastPara="1" rIns="91425" wrap="square" tIns="91425">
+          <a:bodyPr spcFirstLastPara="1" wrap="square" lIns="91425" tIns="91425" rIns="91425" bIns="91425" anchor="t" anchorCtr="0">
             <a:noAutofit/>
           </a:bodyPr>
           <a:lstStyle>
@@ -4806,15 +4962,19 @@
               </a:defRPr>
             </a:lvl9pPr>
           </a:lstStyle>
-          <a:p/>
+          <a:p>
+            <a:endParaRPr/>
+          </a:p>
         </p:txBody>
       </p:sp>
       <p:sp>
         <p:nvSpPr>
           <p:cNvPr id="39" name="Google Shape;39;p7"/>
-          <p:cNvSpPr txBox="1"/>
+          <p:cNvSpPr txBox="1">
+            <a:spLocks noGrp="1"/>
+          </p:cNvSpPr>
           <p:nvPr>
-            <p:ph idx="1" type="body"/>
+            <p:ph type="body" idx="1"/>
           </p:nvPr>
         </p:nvSpPr>
         <p:spPr>
@@ -4827,11 +4987,11 @@
           </a:prstGeom>
         </p:spPr>
         <p:txBody>
-          <a:bodyPr anchorCtr="0" anchor="t" bIns="91425" lIns="91425" spcFirstLastPara="1" rIns="91425" wrap="square" tIns="91425">
+          <a:bodyPr spcFirstLastPara="1" wrap="square" lIns="91425" tIns="91425" rIns="91425" bIns="91425" anchor="t" anchorCtr="0">
             <a:noAutofit/>
           </a:bodyPr>
           <a:lstStyle>
-            <a:lvl1pPr indent="-311150" lvl="0" marL="457200">
+            <a:lvl1pPr marL="457200" lvl="0" indent="-311150">
               <a:spcBef>
                 <a:spcPts val="0"/>
               </a:spcBef>
@@ -4849,7 +5009,7 @@
                 </a:solidFill>
               </a:defRPr>
             </a:lvl1pPr>
-            <a:lvl2pPr indent="-298450" lvl="1" marL="914400">
+            <a:lvl2pPr marL="914400" lvl="1" indent="-298450">
               <a:spcBef>
                 <a:spcPts val="1600"/>
               </a:spcBef>
@@ -4867,7 +5027,7 @@
                 </a:solidFill>
               </a:defRPr>
             </a:lvl2pPr>
-            <a:lvl3pPr indent="-298450" lvl="2" marL="1371600">
+            <a:lvl3pPr marL="1371600" lvl="2" indent="-298450">
               <a:spcBef>
                 <a:spcPts val="1600"/>
               </a:spcBef>
@@ -4885,7 +5045,7 @@
                 </a:solidFill>
               </a:defRPr>
             </a:lvl3pPr>
-            <a:lvl4pPr indent="-298450" lvl="3" marL="1828800">
+            <a:lvl4pPr marL="1828800" lvl="3" indent="-298450">
               <a:spcBef>
                 <a:spcPts val="1600"/>
               </a:spcBef>
@@ -4903,7 +5063,7 @@
                 </a:solidFill>
               </a:defRPr>
             </a:lvl4pPr>
-            <a:lvl5pPr indent="-298450" lvl="4" marL="2286000">
+            <a:lvl5pPr marL="2286000" lvl="4" indent="-298450">
               <a:spcBef>
                 <a:spcPts val="1600"/>
               </a:spcBef>
@@ -4921,7 +5081,7 @@
                 </a:solidFill>
               </a:defRPr>
             </a:lvl5pPr>
-            <a:lvl6pPr indent="-298450" lvl="5" marL="2743200">
+            <a:lvl6pPr marL="2743200" lvl="5" indent="-298450">
               <a:spcBef>
                 <a:spcPts val="1600"/>
               </a:spcBef>
@@ -4939,7 +5099,7 @@
                 </a:solidFill>
               </a:defRPr>
             </a:lvl6pPr>
-            <a:lvl7pPr indent="-298450" lvl="6" marL="3200400">
+            <a:lvl7pPr marL="3200400" lvl="6" indent="-298450">
               <a:spcBef>
                 <a:spcPts val="1600"/>
               </a:spcBef>
@@ -4957,7 +5117,7 @@
                 </a:solidFill>
               </a:defRPr>
             </a:lvl7pPr>
-            <a:lvl8pPr indent="-298450" lvl="7" marL="3657600">
+            <a:lvl8pPr marL="3657600" lvl="7" indent="-298450">
               <a:spcBef>
                 <a:spcPts val="1600"/>
               </a:spcBef>
@@ -4975,7 +5135,7 @@
                 </a:solidFill>
               </a:defRPr>
             </a:lvl8pPr>
-            <a:lvl9pPr indent="-298450" lvl="8" marL="4114800">
+            <a:lvl9pPr marL="4114800" lvl="8" indent="-298450">
               <a:spcBef>
                 <a:spcPts val="1600"/>
               </a:spcBef>
@@ -4994,15 +5154,19 @@
               </a:defRPr>
             </a:lvl9pPr>
           </a:lstStyle>
-          <a:p/>
+          <a:p>
+            <a:endParaRPr/>
+          </a:p>
         </p:txBody>
       </p:sp>
       <p:sp>
         <p:nvSpPr>
           <p:cNvPr id="40" name="Google Shape;40;p7"/>
-          <p:cNvSpPr txBox="1"/>
+          <p:cNvSpPr txBox="1">
+            <a:spLocks noGrp="1"/>
+          </p:cNvSpPr>
           <p:nvPr>
-            <p:ph idx="12" type="sldNum"/>
+            <p:ph type="sldNum" idx="12"/>
           </p:nvPr>
         </p:nvSpPr>
         <p:spPr>
@@ -5015,7 +5179,7 @@
           </a:prstGeom>
         </p:spPr>
         <p:txBody>
-          <a:bodyPr anchorCtr="0" anchor="ctr" bIns="91425" lIns="91425" spcFirstLastPara="1" rIns="91425" wrap="square" tIns="91425">
+          <a:bodyPr spcFirstLastPara="1" wrap="square" lIns="91425" tIns="91425" rIns="91425" bIns="91425" anchor="ctr" anchorCtr="0">
             <a:noAutofit/>
           </a:bodyPr>
           <a:lstStyle>
@@ -5057,7 +5221,7 @@
             </a:lvl9pPr>
           </a:lstStyle>
           <a:p>
-            <a:pPr indent="0" lvl="0" marL="0" rtl="0" algn="r">
+            <a:pPr marL="0" lvl="0" indent="0" algn="r" rtl="0">
               <a:spcBef>
                 <a:spcPts val="0"/>
               </a:spcBef>
@@ -5083,18 +5247,19 @@
 </file>
 
 <file path=ppt/slideLayouts/slideLayout7.xml><?xml version="1.0" encoding="utf-8"?>
-<p:sldLayout xmlns:a="http://schemas.openxmlformats.org/drawingml/2006/main" xmlns:r="http://schemas.openxmlformats.org/officeDocument/2006/relationships" xmlns:mc="http://schemas.openxmlformats.org/markup-compatibility/2006" xmlns:mv="urn:schemas-microsoft-com:mac:vml" xmlns:p="http://schemas.openxmlformats.org/presentationml/2006/main" xmlns:c="http://schemas.openxmlformats.org/drawingml/2006/chart" xmlns:dgm="http://schemas.openxmlformats.org/drawingml/2006/diagram" xmlns:o="urn:schemas-microsoft-com:office:office" xmlns:v="urn:schemas-microsoft-com:vml" xmlns:pvml="urn:schemas-microsoft-com:office:powerpoint" xmlns:com="http://schemas.openxmlformats.org/drawingml/2006/compatibility" xmlns:p14="http://schemas.microsoft.com/office/powerpoint/2010/main" xmlns:p15="http://schemas.microsoft.com/office/powerpoint/2012/main" xmlns:ahyp="http://schemas.microsoft.com/office/drawing/2018/hyperlinkcolor" matchingName="Main point">
+<p:sldLayout xmlns:a="http://schemas.openxmlformats.org/drawingml/2006/main" xmlns:r="http://schemas.openxmlformats.org/officeDocument/2006/relationships" xmlns:p="http://schemas.openxmlformats.org/presentationml/2006/main" matchingName="Main point">
   <p:cSld name="MAIN_POINT">
     <p:bg>
       <p:bgPr>
         <a:solidFill>
           <a:schemeClr val="accent3"/>
         </a:solidFill>
+        <a:effectLst/>
       </p:bgPr>
     </p:bg>
     <p:spTree>
       <p:nvGrpSpPr>
-        <p:cNvPr id="41" name="Shape 41"/>
+        <p:cNvPr id="1" name="Shape 41"/>
         <p:cNvGrpSpPr/>
         <p:nvPr/>
       </p:nvGrpSpPr>
@@ -5109,7 +5274,9 @@
       <p:sp>
         <p:nvSpPr>
           <p:cNvPr id="42" name="Google Shape;42;p8"/>
-          <p:cNvSpPr txBox="1"/>
+          <p:cNvSpPr txBox="1">
+            <a:spLocks noGrp="1"/>
+          </p:cNvSpPr>
           <p:nvPr>
             <p:ph type="title"/>
           </p:nvPr>
@@ -5124,7 +5291,7 @@
           </a:prstGeom>
         </p:spPr>
         <p:txBody>
-          <a:bodyPr anchorCtr="0" anchor="ctr" bIns="91425" lIns="91425" spcFirstLastPara="1" rIns="91425" wrap="square" tIns="91425">
+          <a:bodyPr spcFirstLastPara="1" wrap="square" lIns="91425" tIns="91425" rIns="91425" bIns="91425" anchor="ctr" anchorCtr="0">
             <a:noAutofit/>
           </a:bodyPr>
           <a:lstStyle>
@@ -5228,15 +5395,19 @@
               <a:defRPr sz="3600"/>
             </a:lvl9pPr>
           </a:lstStyle>
-          <a:p/>
+          <a:p>
+            <a:endParaRPr/>
+          </a:p>
         </p:txBody>
       </p:sp>
       <p:sp>
         <p:nvSpPr>
           <p:cNvPr id="43" name="Google Shape;43;p8"/>
-          <p:cNvSpPr txBox="1"/>
+          <p:cNvSpPr txBox="1">
+            <a:spLocks noGrp="1"/>
+          </p:cNvSpPr>
           <p:nvPr>
-            <p:ph idx="12" type="sldNum"/>
+            <p:ph type="sldNum" idx="12"/>
           </p:nvPr>
         </p:nvSpPr>
         <p:spPr>
@@ -5249,7 +5420,7 @@
           </a:prstGeom>
         </p:spPr>
         <p:txBody>
-          <a:bodyPr anchorCtr="0" anchor="ctr" bIns="91425" lIns="91425" spcFirstLastPara="1" rIns="91425" wrap="square" tIns="91425">
+          <a:bodyPr spcFirstLastPara="1" wrap="square" lIns="91425" tIns="91425" rIns="91425" bIns="91425" anchor="ctr" anchorCtr="0">
             <a:noAutofit/>
           </a:bodyPr>
           <a:lstStyle>
@@ -5327,7 +5498,7 @@
             </a:lvl9pPr>
           </a:lstStyle>
           <a:p>
-            <a:pPr indent="0" lvl="0" marL="0" rtl="0" algn="r">
+            <a:pPr marL="0" lvl="0" indent="0" algn="r" rtl="0">
               <a:spcBef>
                 <a:spcPts val="0"/>
               </a:spcBef>
@@ -5353,11 +5524,11 @@
 </file>
 
 <file path=ppt/slideLayouts/slideLayout8.xml><?xml version="1.0" encoding="utf-8"?>
-<p:sldLayout xmlns:a="http://schemas.openxmlformats.org/drawingml/2006/main" xmlns:r="http://schemas.openxmlformats.org/officeDocument/2006/relationships" xmlns:mc="http://schemas.openxmlformats.org/markup-compatibility/2006" xmlns:mv="urn:schemas-microsoft-com:mac:vml" xmlns:p="http://schemas.openxmlformats.org/presentationml/2006/main" xmlns:c="http://schemas.openxmlformats.org/drawingml/2006/chart" xmlns:dgm="http://schemas.openxmlformats.org/drawingml/2006/diagram" xmlns:o="urn:schemas-microsoft-com:office:office" xmlns:v="urn:schemas-microsoft-com:vml" xmlns:pvml="urn:schemas-microsoft-com:office:powerpoint" xmlns:com="http://schemas.openxmlformats.org/drawingml/2006/compatibility" xmlns:p14="http://schemas.microsoft.com/office/powerpoint/2010/main" xmlns:p15="http://schemas.microsoft.com/office/powerpoint/2012/main" xmlns:ahyp="http://schemas.microsoft.com/office/drawing/2018/hyperlinkcolor" matchingName="Section title and description">
+<p:sldLayout xmlns:a="http://schemas.openxmlformats.org/drawingml/2006/main" xmlns:r="http://schemas.openxmlformats.org/officeDocument/2006/relationships" xmlns:p="http://schemas.openxmlformats.org/presentationml/2006/main" matchingName="Section title and description">
   <p:cSld name="SECTION_TITLE_AND_DESCRIPTION">
     <p:spTree>
       <p:nvGrpSpPr>
-        <p:cNvPr id="44" name="Shape 44"/>
+        <p:cNvPr id="1" name="Shape 44"/>
         <p:cNvGrpSpPr/>
         <p:nvPr/>
       </p:nvGrpSpPr>
@@ -5391,12 +5562,12 @@
           </a:ln>
         </p:spPr>
         <p:txBody>
-          <a:bodyPr anchorCtr="0" anchor="ctr" bIns="91425" lIns="91425" spcFirstLastPara="1" rIns="91425" wrap="square" tIns="91425">
+          <a:bodyPr spcFirstLastPara="1" wrap="square" lIns="91425" tIns="91425" rIns="91425" bIns="91425" anchor="ctr" anchorCtr="0">
             <a:noAutofit/>
           </a:bodyPr>
           <a:lstStyle/>
           <a:p>
-            <a:pPr indent="0" lvl="0" marL="0" rtl="0" algn="l">
+            <a:pPr marL="0" lvl="0" indent="0" algn="l" rtl="0">
               <a:spcBef>
                 <a:spcPts val="0"/>
               </a:spcBef>
@@ -5405,9 +5576,6 @@
               </a:spcAft>
               <a:buNone/>
             </a:pPr>
-            <a:r>
-              <a:t/>
-            </a:r>
             <a:endParaRPr/>
           </a:p>
         </p:txBody>
@@ -5415,7 +5583,9 @@
       <p:sp>
         <p:nvSpPr>
           <p:cNvPr id="46" name="Google Shape;46;p9"/>
-          <p:cNvSpPr txBox="1"/>
+          <p:cNvSpPr txBox="1">
+            <a:spLocks noGrp="1"/>
+          </p:cNvSpPr>
           <p:nvPr>
             <p:ph type="title"/>
           </p:nvPr>
@@ -5430,7 +5600,7 @@
           </a:prstGeom>
         </p:spPr>
         <p:txBody>
-          <a:bodyPr anchorCtr="0" anchor="t" bIns="91425" lIns="91425" spcFirstLastPara="1" rIns="91425" wrap="square" tIns="91425">
+          <a:bodyPr spcFirstLastPara="1" wrap="square" lIns="91425" tIns="91425" rIns="91425" bIns="91425" anchor="t" anchorCtr="0">
             <a:noAutofit/>
           </a:bodyPr>
           <a:lstStyle>
@@ -5597,15 +5767,19 @@
               </a:defRPr>
             </a:lvl9pPr>
           </a:lstStyle>
-          <a:p/>
+          <a:p>
+            <a:endParaRPr/>
+          </a:p>
         </p:txBody>
       </p:sp>
       <p:sp>
         <p:nvSpPr>
           <p:cNvPr id="47" name="Google Shape;47;p9"/>
-          <p:cNvSpPr txBox="1"/>
+          <p:cNvSpPr txBox="1">
+            <a:spLocks noGrp="1"/>
+          </p:cNvSpPr>
           <p:nvPr>
-            <p:ph idx="1" type="subTitle"/>
+            <p:ph type="subTitle" idx="1"/>
           </p:nvPr>
         </p:nvSpPr>
         <p:spPr>
@@ -5618,7 +5792,7 @@
           </a:prstGeom>
         </p:spPr>
         <p:txBody>
-          <a:bodyPr anchorCtr="0" anchor="t" bIns="91425" lIns="91425" spcFirstLastPara="1" rIns="91425" wrap="square" tIns="91425">
+          <a:bodyPr spcFirstLastPara="1" wrap="square" lIns="91425" tIns="91425" rIns="91425" bIns="91425" anchor="t" anchorCtr="0">
             <a:noAutofit/>
           </a:bodyPr>
           <a:lstStyle>
@@ -5812,15 +5986,19 @@
               </a:defRPr>
             </a:lvl9pPr>
           </a:lstStyle>
-          <a:p/>
+          <a:p>
+            <a:endParaRPr/>
+          </a:p>
         </p:txBody>
       </p:sp>
       <p:sp>
         <p:nvSpPr>
           <p:cNvPr id="48" name="Google Shape;48;p9"/>
-          <p:cNvSpPr txBox="1"/>
+          <p:cNvSpPr txBox="1">
+            <a:spLocks noGrp="1"/>
+          </p:cNvSpPr>
           <p:nvPr>
-            <p:ph idx="2" type="body"/>
+            <p:ph type="body" idx="2"/>
           </p:nvPr>
         </p:nvSpPr>
         <p:spPr>
@@ -5833,11 +6011,11 @@
           </a:prstGeom>
         </p:spPr>
         <p:txBody>
-          <a:bodyPr anchorCtr="0" anchor="t" bIns="91425" lIns="91425" spcFirstLastPara="1" rIns="91425" wrap="square" tIns="91425">
+          <a:bodyPr spcFirstLastPara="1" wrap="square" lIns="91425" tIns="91425" rIns="91425" bIns="91425" anchor="t" anchorCtr="0">
             <a:noAutofit/>
           </a:bodyPr>
           <a:lstStyle>
-            <a:lvl1pPr indent="-311150" lvl="0" marL="457200">
+            <a:lvl1pPr marL="457200" lvl="0" indent="-311150">
               <a:spcBef>
                 <a:spcPts val="0"/>
               </a:spcBef>
@@ -5848,7 +6026,7 @@
               <a:buChar char="●"/>
               <a:defRPr/>
             </a:lvl1pPr>
-            <a:lvl2pPr indent="-298450" lvl="1" marL="914400">
+            <a:lvl2pPr marL="914400" lvl="1" indent="-298450">
               <a:spcBef>
                 <a:spcPts val="1600"/>
               </a:spcBef>
@@ -5859,7 +6037,7 @@
               <a:buChar char="○"/>
               <a:defRPr/>
             </a:lvl2pPr>
-            <a:lvl3pPr indent="-298450" lvl="2" marL="1371600">
+            <a:lvl3pPr marL="1371600" lvl="2" indent="-298450">
               <a:spcBef>
                 <a:spcPts val="1600"/>
               </a:spcBef>
@@ -5870,7 +6048,7 @@
               <a:buChar char="■"/>
               <a:defRPr/>
             </a:lvl3pPr>
-            <a:lvl4pPr indent="-298450" lvl="3" marL="1828800">
+            <a:lvl4pPr marL="1828800" lvl="3" indent="-298450">
               <a:spcBef>
                 <a:spcPts val="1600"/>
               </a:spcBef>
@@ -5881,7 +6059,7 @@
               <a:buChar char="●"/>
               <a:defRPr/>
             </a:lvl4pPr>
-            <a:lvl5pPr indent="-298450" lvl="4" marL="2286000">
+            <a:lvl5pPr marL="2286000" lvl="4" indent="-298450">
               <a:spcBef>
                 <a:spcPts val="1600"/>
               </a:spcBef>
@@ -5892,7 +6070,7 @@
               <a:buChar char="○"/>
               <a:defRPr/>
             </a:lvl5pPr>
-            <a:lvl6pPr indent="-298450" lvl="5" marL="2743200">
+            <a:lvl6pPr marL="2743200" lvl="5" indent="-298450">
               <a:spcBef>
                 <a:spcPts val="1600"/>
               </a:spcBef>
@@ -5903,7 +6081,7 @@
               <a:buChar char="■"/>
               <a:defRPr/>
             </a:lvl6pPr>
-            <a:lvl7pPr indent="-298450" lvl="6" marL="3200400">
+            <a:lvl7pPr marL="3200400" lvl="6" indent="-298450">
               <a:spcBef>
                 <a:spcPts val="1600"/>
               </a:spcBef>
@@ -5914,7 +6092,7 @@
               <a:buChar char="●"/>
               <a:defRPr/>
             </a:lvl7pPr>
-            <a:lvl8pPr indent="-298450" lvl="7" marL="3657600">
+            <a:lvl8pPr marL="3657600" lvl="7" indent="-298450">
               <a:spcBef>
                 <a:spcPts val="1600"/>
               </a:spcBef>
@@ -5925,7 +6103,7 @@
               <a:buChar char="○"/>
               <a:defRPr/>
             </a:lvl8pPr>
-            <a:lvl9pPr indent="-298450" lvl="8" marL="4114800">
+            <a:lvl9pPr marL="4114800" lvl="8" indent="-298450">
               <a:spcBef>
                 <a:spcPts val="1600"/>
               </a:spcBef>
@@ -5937,15 +6115,19 @@
               <a:defRPr/>
             </a:lvl9pPr>
           </a:lstStyle>
-          <a:p/>
+          <a:p>
+            <a:endParaRPr/>
+          </a:p>
         </p:txBody>
       </p:sp>
       <p:sp>
         <p:nvSpPr>
           <p:cNvPr id="49" name="Google Shape;49;p9"/>
-          <p:cNvSpPr txBox="1"/>
+          <p:cNvSpPr txBox="1">
+            <a:spLocks noGrp="1"/>
+          </p:cNvSpPr>
           <p:nvPr>
-            <p:ph idx="12" type="sldNum"/>
+            <p:ph type="sldNum" idx="12"/>
           </p:nvPr>
         </p:nvSpPr>
         <p:spPr>
@@ -5958,7 +6140,7 @@
           </a:prstGeom>
         </p:spPr>
         <p:txBody>
-          <a:bodyPr anchorCtr="0" anchor="ctr" bIns="91425" lIns="91425" spcFirstLastPara="1" rIns="91425" wrap="square" tIns="91425">
+          <a:bodyPr spcFirstLastPara="1" wrap="square" lIns="91425" tIns="91425" rIns="91425" bIns="91425" anchor="ctr" anchorCtr="0">
             <a:noAutofit/>
           </a:bodyPr>
           <a:lstStyle>
@@ -6000,7 +6182,7 @@
             </a:lvl9pPr>
           </a:lstStyle>
           <a:p>
-            <a:pPr indent="0" lvl="0" marL="0" rtl="0" algn="r">
+            <a:pPr marL="0" lvl="0" indent="0" algn="r" rtl="0">
               <a:spcBef>
                 <a:spcPts val="0"/>
               </a:spcBef>
@@ -6026,11 +6208,11 @@
 </file>
 
 <file path=ppt/slideLayouts/slideLayout9.xml><?xml version="1.0" encoding="utf-8"?>
-<p:sldLayout xmlns:a="http://schemas.openxmlformats.org/drawingml/2006/main" xmlns:r="http://schemas.openxmlformats.org/officeDocument/2006/relationships" xmlns:mc="http://schemas.openxmlformats.org/markup-compatibility/2006" xmlns:mv="urn:schemas-microsoft-com:mac:vml" xmlns:p="http://schemas.openxmlformats.org/presentationml/2006/main" xmlns:c="http://schemas.openxmlformats.org/drawingml/2006/chart" xmlns:dgm="http://schemas.openxmlformats.org/drawingml/2006/diagram" xmlns:o="urn:schemas-microsoft-com:office:office" xmlns:v="urn:schemas-microsoft-com:vml" xmlns:pvml="urn:schemas-microsoft-com:office:powerpoint" xmlns:com="http://schemas.openxmlformats.org/drawingml/2006/compatibility" xmlns:p14="http://schemas.microsoft.com/office/powerpoint/2010/main" xmlns:p15="http://schemas.microsoft.com/office/powerpoint/2012/main" xmlns:ahyp="http://schemas.microsoft.com/office/drawing/2018/hyperlinkcolor" matchingName="Caption">
+<p:sldLayout xmlns:a="http://schemas.openxmlformats.org/drawingml/2006/main" xmlns:r="http://schemas.openxmlformats.org/officeDocument/2006/relationships" xmlns:p="http://schemas.openxmlformats.org/presentationml/2006/main" matchingName="Caption">
   <p:cSld name="CAPTION_ONLY">
     <p:spTree>
       <p:nvGrpSpPr>
-        <p:cNvPr id="50" name="Shape 50"/>
+        <p:cNvPr id="1" name="Shape 50"/>
         <p:cNvGrpSpPr/>
         <p:nvPr/>
       </p:nvGrpSpPr>
@@ -6064,12 +6246,12 @@
           </a:ln>
         </p:spPr>
         <p:txBody>
-          <a:bodyPr anchorCtr="0" anchor="ctr" bIns="91425" lIns="91425" spcFirstLastPara="1" rIns="91425" wrap="square" tIns="91425">
+          <a:bodyPr spcFirstLastPara="1" wrap="square" lIns="91425" tIns="91425" rIns="91425" bIns="91425" anchor="ctr" anchorCtr="0">
             <a:noAutofit/>
           </a:bodyPr>
           <a:lstStyle/>
           <a:p>
-            <a:pPr indent="0" lvl="0" marL="0" rtl="0" algn="l">
+            <a:pPr marL="0" lvl="0" indent="0" algn="l" rtl="0">
               <a:spcBef>
                 <a:spcPts val="0"/>
               </a:spcBef>
@@ -6078,9 +6260,6 @@
               </a:spcAft>
               <a:buNone/>
             </a:pPr>
-            <a:r>
-              <a:t/>
-            </a:r>
             <a:endParaRPr/>
           </a:p>
         </p:txBody>
@@ -6088,9 +6267,11 @@
       <p:sp>
         <p:nvSpPr>
           <p:cNvPr id="52" name="Google Shape;52;p10"/>
-          <p:cNvSpPr txBox="1"/>
+          <p:cNvSpPr txBox="1">
+            <a:spLocks noGrp="1"/>
+          </p:cNvSpPr>
           <p:nvPr>
-            <p:ph idx="1" type="body"/>
+            <p:ph type="body" idx="1"/>
           </p:nvPr>
         </p:nvSpPr>
         <p:spPr>
@@ -6103,11 +6284,11 @@
           </a:prstGeom>
         </p:spPr>
         <p:txBody>
-          <a:bodyPr anchorCtr="0" anchor="ctr" bIns="91425" lIns="91425" spcFirstLastPara="1" rIns="91425" wrap="square" tIns="91425">
+          <a:bodyPr spcFirstLastPara="1" wrap="square" lIns="91425" tIns="91425" rIns="91425" bIns="91425" anchor="ctr" anchorCtr="0">
             <a:noAutofit/>
           </a:bodyPr>
           <a:lstStyle>
-            <a:lvl1pPr indent="-228600" lvl="0" marL="457200">
+            <a:lvl1pPr marL="457200" lvl="0" indent="-228600">
               <a:lnSpc>
                 <a:spcPct val="100000"/>
               </a:lnSpc>
@@ -6134,15 +6315,19 @@
               </a:defRPr>
             </a:lvl1pPr>
           </a:lstStyle>
-          <a:p/>
+          <a:p>
+            <a:endParaRPr/>
+          </a:p>
         </p:txBody>
       </p:sp>
       <p:sp>
         <p:nvSpPr>
           <p:cNvPr id="53" name="Google Shape;53;p10"/>
-          <p:cNvSpPr txBox="1"/>
+          <p:cNvSpPr txBox="1">
+            <a:spLocks noGrp="1"/>
+          </p:cNvSpPr>
           <p:nvPr>
-            <p:ph idx="12" type="sldNum"/>
+            <p:ph type="sldNum" idx="12"/>
           </p:nvPr>
         </p:nvSpPr>
         <p:spPr>
@@ -6155,7 +6340,7 @@
           </a:prstGeom>
         </p:spPr>
         <p:txBody>
-          <a:bodyPr anchorCtr="0" anchor="ctr" bIns="91425" lIns="91425" spcFirstLastPara="1" rIns="91425" wrap="square" tIns="91425">
+          <a:bodyPr spcFirstLastPara="1" wrap="square" lIns="91425" tIns="91425" rIns="91425" bIns="91425" anchor="ctr" anchorCtr="0">
             <a:noAutofit/>
           </a:bodyPr>
           <a:lstStyle>
@@ -6233,7 +6418,7 @@
             </a:lvl9pPr>
           </a:lstStyle>
           <a:p>
-            <a:pPr indent="0" lvl="0" marL="0" rtl="0" algn="r">
+            <a:pPr marL="0" lvl="0" indent="0" algn="r" rtl="0">
               <a:spcBef>
                 <a:spcPts val="0"/>
               </a:spcBef>
@@ -6259,18 +6444,19 @@
 </file>
 
 <file path=ppt/slideMasters/slideMaster1.xml><?xml version="1.0" encoding="utf-8"?>
-<p:sldMaster xmlns:a="http://schemas.openxmlformats.org/drawingml/2006/main" xmlns:r="http://schemas.openxmlformats.org/officeDocument/2006/relationships" xmlns:mc="http://schemas.openxmlformats.org/markup-compatibility/2006" xmlns:mv="urn:schemas-microsoft-com:mac:vml" xmlns:p="http://schemas.openxmlformats.org/presentationml/2006/main" xmlns:c="http://schemas.openxmlformats.org/drawingml/2006/chart" xmlns:dgm="http://schemas.openxmlformats.org/drawingml/2006/diagram" xmlns:o="urn:schemas-microsoft-com:office:office" xmlns:v="urn:schemas-microsoft-com:vml" xmlns:pvml="urn:schemas-microsoft-com:office:powerpoint" xmlns:com="http://schemas.openxmlformats.org/drawingml/2006/compatibility" xmlns:p14="http://schemas.microsoft.com/office/powerpoint/2010/main" xmlns:p15="http://schemas.microsoft.com/office/powerpoint/2012/main" xmlns:ahyp="http://schemas.microsoft.com/office/drawing/2018/hyperlinkcolor">
+<p:sldMaster xmlns:a="http://schemas.openxmlformats.org/drawingml/2006/main" xmlns:r="http://schemas.openxmlformats.org/officeDocument/2006/relationships" xmlns:p="http://schemas.openxmlformats.org/presentationml/2006/main">
   <p:cSld name="paradigm">
     <p:bg>
       <p:bgPr>
         <a:solidFill>
           <a:schemeClr val="lt1"/>
         </a:solidFill>
+        <a:effectLst/>
       </p:bgPr>
     </p:bg>
     <p:spTree>
       <p:nvGrpSpPr>
-        <p:cNvPr id="5" name="Shape 5"/>
+        <p:cNvPr id="1" name="Shape 5"/>
         <p:cNvGrpSpPr/>
         <p:nvPr/>
       </p:nvGrpSpPr>
@@ -6285,7 +6471,9 @@
       <p:sp>
         <p:nvSpPr>
           <p:cNvPr id="6" name="Google Shape;6;p1"/>
-          <p:cNvSpPr txBox="1"/>
+          <p:cNvSpPr txBox="1">
+            <a:spLocks noGrp="1"/>
+          </p:cNvSpPr>
           <p:nvPr>
             <p:ph type="title"/>
           </p:nvPr>
@@ -6304,7 +6492,7 @@
           </a:ln>
         </p:spPr>
         <p:txBody>
-          <a:bodyPr anchorCtr="0" anchor="t" bIns="91425" lIns="91425" spcFirstLastPara="1" rIns="91425" wrap="square" tIns="91425">
+          <a:bodyPr spcFirstLastPara="1" wrap="square" lIns="91425" tIns="91425" rIns="91425" bIns="91425" anchor="t" anchorCtr="0">
             <a:noAutofit/>
           </a:bodyPr>
           <a:lstStyle>
@@ -6516,15 +6704,19 @@
               </a:defRPr>
             </a:lvl9pPr>
           </a:lstStyle>
-          <a:p/>
+          <a:p>
+            <a:endParaRPr/>
+          </a:p>
         </p:txBody>
       </p:sp>
       <p:sp>
         <p:nvSpPr>
           <p:cNvPr id="7" name="Google Shape;7;p1"/>
-          <p:cNvSpPr txBox="1"/>
+          <p:cNvSpPr txBox="1">
+            <a:spLocks noGrp="1"/>
+          </p:cNvSpPr>
           <p:nvPr>
-            <p:ph idx="1" type="body"/>
+            <p:ph type="body" idx="1"/>
           </p:nvPr>
         </p:nvSpPr>
         <p:spPr>
@@ -6541,11 +6733,11 @@
           </a:ln>
         </p:spPr>
         <p:txBody>
-          <a:bodyPr anchorCtr="0" anchor="t" bIns="91425" lIns="91425" spcFirstLastPara="1" rIns="91425" wrap="square" tIns="91425">
+          <a:bodyPr spcFirstLastPara="1" wrap="square" lIns="91425" tIns="91425" rIns="91425" bIns="91425" anchor="t" anchorCtr="0">
             <a:noAutofit/>
           </a:bodyPr>
           <a:lstStyle>
-            <a:lvl1pPr indent="-311150" lvl="0" marL="457200">
+            <a:lvl1pPr marL="457200" lvl="0" indent="-311150">
               <a:lnSpc>
                 <a:spcPct val="115000"/>
               </a:lnSpc>
@@ -6571,7 +6763,7 @@
                 <a:sym typeface="Roboto"/>
               </a:defRPr>
             </a:lvl1pPr>
-            <a:lvl2pPr indent="-298450" lvl="1" marL="914400">
+            <a:lvl2pPr marL="914400" lvl="1" indent="-298450">
               <a:lnSpc>
                 <a:spcPct val="115000"/>
               </a:lnSpc>
@@ -6597,7 +6789,7 @@
                 <a:sym typeface="Roboto"/>
               </a:defRPr>
             </a:lvl2pPr>
-            <a:lvl3pPr indent="-298450" lvl="2" marL="1371600">
+            <a:lvl3pPr marL="1371600" lvl="2" indent="-298450">
               <a:lnSpc>
                 <a:spcPct val="115000"/>
               </a:lnSpc>
@@ -6623,7 +6815,7 @@
                 <a:sym typeface="Roboto"/>
               </a:defRPr>
             </a:lvl3pPr>
-            <a:lvl4pPr indent="-298450" lvl="3" marL="1828800">
+            <a:lvl4pPr marL="1828800" lvl="3" indent="-298450">
               <a:lnSpc>
                 <a:spcPct val="115000"/>
               </a:lnSpc>
@@ -6649,7 +6841,7 @@
                 <a:sym typeface="Roboto"/>
               </a:defRPr>
             </a:lvl4pPr>
-            <a:lvl5pPr indent="-298450" lvl="4" marL="2286000">
+            <a:lvl5pPr marL="2286000" lvl="4" indent="-298450">
               <a:lnSpc>
                 <a:spcPct val="115000"/>
               </a:lnSpc>
@@ -6675,7 +6867,7 @@
                 <a:sym typeface="Roboto"/>
               </a:defRPr>
             </a:lvl5pPr>
-            <a:lvl6pPr indent="-298450" lvl="5" marL="2743200">
+            <a:lvl6pPr marL="2743200" lvl="5" indent="-298450">
               <a:lnSpc>
                 <a:spcPct val="115000"/>
               </a:lnSpc>
@@ -6701,7 +6893,7 @@
                 <a:sym typeface="Roboto"/>
               </a:defRPr>
             </a:lvl6pPr>
-            <a:lvl7pPr indent="-298450" lvl="6" marL="3200400">
+            <a:lvl7pPr marL="3200400" lvl="6" indent="-298450">
               <a:lnSpc>
                 <a:spcPct val="115000"/>
               </a:lnSpc>
@@ -6727,7 +6919,7 @@
                 <a:sym typeface="Roboto"/>
               </a:defRPr>
             </a:lvl7pPr>
-            <a:lvl8pPr indent="-298450" lvl="7" marL="3657600">
+            <a:lvl8pPr marL="3657600" lvl="7" indent="-298450">
               <a:lnSpc>
                 <a:spcPct val="115000"/>
               </a:lnSpc>
@@ -6753,7 +6945,7 @@
                 <a:sym typeface="Roboto"/>
               </a:defRPr>
             </a:lvl8pPr>
-            <a:lvl9pPr indent="-298450" lvl="8" marL="4114800">
+            <a:lvl9pPr marL="4114800" lvl="8" indent="-298450">
               <a:lnSpc>
                 <a:spcPct val="115000"/>
               </a:lnSpc>
@@ -6780,15 +6972,19 @@
               </a:defRPr>
             </a:lvl9pPr>
           </a:lstStyle>
-          <a:p/>
+          <a:p>
+            <a:endParaRPr/>
+          </a:p>
         </p:txBody>
       </p:sp>
       <p:sp>
         <p:nvSpPr>
           <p:cNvPr id="8" name="Google Shape;8;p1"/>
-          <p:cNvSpPr txBox="1"/>
+          <p:cNvSpPr txBox="1">
+            <a:spLocks noGrp="1"/>
+          </p:cNvSpPr>
           <p:nvPr>
-            <p:ph idx="12" type="sldNum"/>
+            <p:ph type="sldNum" idx="12"/>
           </p:nvPr>
         </p:nvSpPr>
         <p:spPr>
@@ -6805,7 +7001,7 @@
           </a:ln>
         </p:spPr>
         <p:txBody>
-          <a:bodyPr anchorCtr="0" anchor="ctr" bIns="91425" lIns="91425" spcFirstLastPara="1" rIns="91425" wrap="square" tIns="91425">
+          <a:bodyPr spcFirstLastPara="1" wrap="square" lIns="91425" tIns="91425" rIns="91425" bIns="91425" anchor="ctr" anchorCtr="0">
             <a:noAutofit/>
           </a:bodyPr>
           <a:lstStyle>
@@ -6919,7 +7115,7 @@
             </a:lvl9pPr>
           </a:lstStyle>
           <a:p>
-            <a:pPr indent="0" lvl="0" marL="0" rtl="0" algn="r">
+            <a:pPr marL="0" lvl="0" indent="0" algn="r" rtl="0">
               <a:spcBef>
                 <a:spcPts val="0"/>
               </a:spcBef>
@@ -6938,7 +7134,7 @@
       </p:sp>
     </p:spTree>
   </p:cSld>
-  <p:clrMap accent1="accent1" accent2="accent2" accent3="accent3" accent4="accent4" accent5="accent5" accent6="accent6" bg1="lt1" bg2="dk2" tx1="dk1" tx2="lt2" folHlink="folHlink" hlink="hlink"/>
+  <p:clrMap bg1="lt1" tx1="dk1" bg2="dk2" tx2="lt2" accent1="accent1" accent2="accent2" accent3="accent3" accent4="accent4" accent5="accent5" accent6="accent6" hlink="hlink" folHlink="folHlink"/>
   <p:sldLayoutIdLst>
     <p:sldLayoutId id="2147483648" r:id="rId1"/>
     <p:sldLayoutId id="2147483649" r:id="rId2"/>
@@ -6952,10 +7148,10 @@
     <p:sldLayoutId id="2147483657" r:id="rId10"/>
     <p:sldLayoutId id="2147483658" r:id="rId11"/>
   </p:sldLayoutIdLst>
-  <p:hf dt="0" ftr="0" hdr="0" sldNum="0"/>
+  <p:hf sldNum="0" hdr="0" ftr="0" dt="0"/>
   <p:txStyles>
     <p:titleStyle>
-      <a:defPPr lvl="0" marR="0" rtl="0" algn="l">
+      <a:defPPr marR="0" lvl="0" algn="l" rtl="0">
         <a:lnSpc>
           <a:spcPct val="100000"/>
         </a:lnSpc>
@@ -6966,7 +7162,7 @@
           <a:spcPts val="0"/>
         </a:spcAft>
       </a:defPPr>
-      <a:lvl1pPr lvl="0" marR="0" rtl="0" algn="l">
+      <a:lvl1pPr marR="0" lvl="0" algn="l" rtl="0">
         <a:lnSpc>
           <a:spcPct val="100000"/>
         </a:lnSpc>
@@ -6980,7 +7176,7 @@
           <a:srgbClr val="000000"/>
         </a:buClr>
         <a:buFont typeface="Arial"/>
-        <a:defRPr b="0" i="0" sz="1400" u="none" cap="none" strike="noStrike">
+        <a:defRPr sz="1400" b="0" i="0" u="none" strike="noStrike" cap="none">
           <a:solidFill>
             <a:srgbClr val="000000"/>
           </a:solidFill>
@@ -6990,7 +7186,7 @@
           <a:sym typeface="Arial"/>
         </a:defRPr>
       </a:lvl1pPr>
-      <a:lvl2pPr lvl="1" marR="0" rtl="0" algn="l">
+      <a:lvl2pPr marR="0" lvl="1" algn="l" rtl="0">
         <a:lnSpc>
           <a:spcPct val="100000"/>
         </a:lnSpc>
@@ -7004,7 +7200,7 @@
           <a:srgbClr val="000000"/>
         </a:buClr>
         <a:buFont typeface="Arial"/>
-        <a:defRPr b="0" i="0" sz="1400" u="none" cap="none" strike="noStrike">
+        <a:defRPr sz="1400" b="0" i="0" u="none" strike="noStrike" cap="none">
           <a:solidFill>
             <a:srgbClr val="000000"/>
           </a:solidFill>
@@ -7014,7 +7210,7 @@
           <a:sym typeface="Arial"/>
         </a:defRPr>
       </a:lvl2pPr>
-      <a:lvl3pPr lvl="2" marR="0" rtl="0" algn="l">
+      <a:lvl3pPr marR="0" lvl="2" algn="l" rtl="0">
         <a:lnSpc>
           <a:spcPct val="100000"/>
         </a:lnSpc>
@@ -7028,7 +7224,7 @@
           <a:srgbClr val="000000"/>
         </a:buClr>
         <a:buFont typeface="Arial"/>
-        <a:defRPr b="0" i="0" sz="1400" u="none" cap="none" strike="noStrike">
+        <a:defRPr sz="1400" b="0" i="0" u="none" strike="noStrike" cap="none">
           <a:solidFill>
             <a:srgbClr val="000000"/>
           </a:solidFill>
@@ -7038,7 +7234,7 @@
           <a:sym typeface="Arial"/>
         </a:defRPr>
       </a:lvl3pPr>
-      <a:lvl4pPr lvl="3" marR="0" rtl="0" algn="l">
+      <a:lvl4pPr marR="0" lvl="3" algn="l" rtl="0">
         <a:lnSpc>
           <a:spcPct val="100000"/>
         </a:lnSpc>
@@ -7052,7 +7248,7 @@
           <a:srgbClr val="000000"/>
         </a:buClr>
         <a:buFont typeface="Arial"/>
-        <a:defRPr b="0" i="0" sz="1400" u="none" cap="none" strike="noStrike">
+        <a:defRPr sz="1400" b="0" i="0" u="none" strike="noStrike" cap="none">
           <a:solidFill>
             <a:srgbClr val="000000"/>
           </a:solidFill>
@@ -7062,7 +7258,7 @@
           <a:sym typeface="Arial"/>
         </a:defRPr>
       </a:lvl4pPr>
-      <a:lvl5pPr lvl="4" marR="0" rtl="0" algn="l">
+      <a:lvl5pPr marR="0" lvl="4" algn="l" rtl="0">
         <a:lnSpc>
           <a:spcPct val="100000"/>
         </a:lnSpc>
@@ -7076,7 +7272,7 @@
           <a:srgbClr val="000000"/>
         </a:buClr>
         <a:buFont typeface="Arial"/>
-        <a:defRPr b="0" i="0" sz="1400" u="none" cap="none" strike="noStrike">
+        <a:defRPr sz="1400" b="0" i="0" u="none" strike="noStrike" cap="none">
           <a:solidFill>
             <a:srgbClr val="000000"/>
           </a:solidFill>
@@ -7086,7 +7282,7 @@
           <a:sym typeface="Arial"/>
         </a:defRPr>
       </a:lvl5pPr>
-      <a:lvl6pPr lvl="5" marR="0" rtl="0" algn="l">
+      <a:lvl6pPr marR="0" lvl="5" algn="l" rtl="0">
         <a:lnSpc>
           <a:spcPct val="100000"/>
         </a:lnSpc>
@@ -7100,7 +7296,7 @@
           <a:srgbClr val="000000"/>
         </a:buClr>
         <a:buFont typeface="Arial"/>
-        <a:defRPr b="0" i="0" sz="1400" u="none" cap="none" strike="noStrike">
+        <a:defRPr sz="1400" b="0" i="0" u="none" strike="noStrike" cap="none">
           <a:solidFill>
             <a:srgbClr val="000000"/>
           </a:solidFill>
@@ -7110,7 +7306,7 @@
           <a:sym typeface="Arial"/>
         </a:defRPr>
       </a:lvl6pPr>
-      <a:lvl7pPr lvl="6" marR="0" rtl="0" algn="l">
+      <a:lvl7pPr marR="0" lvl="6" algn="l" rtl="0">
         <a:lnSpc>
           <a:spcPct val="100000"/>
         </a:lnSpc>
@@ -7124,7 +7320,7 @@
           <a:srgbClr val="000000"/>
         </a:buClr>
         <a:buFont typeface="Arial"/>
-        <a:defRPr b="0" i="0" sz="1400" u="none" cap="none" strike="noStrike">
+        <a:defRPr sz="1400" b="0" i="0" u="none" strike="noStrike" cap="none">
           <a:solidFill>
             <a:srgbClr val="000000"/>
           </a:solidFill>
@@ -7134,7 +7330,7 @@
           <a:sym typeface="Arial"/>
         </a:defRPr>
       </a:lvl7pPr>
-      <a:lvl8pPr lvl="7" marR="0" rtl="0" algn="l">
+      <a:lvl8pPr marR="0" lvl="7" algn="l" rtl="0">
         <a:lnSpc>
           <a:spcPct val="100000"/>
         </a:lnSpc>
@@ -7148,7 +7344,7 @@
           <a:srgbClr val="000000"/>
         </a:buClr>
         <a:buFont typeface="Arial"/>
-        <a:defRPr b="0" i="0" sz="1400" u="none" cap="none" strike="noStrike">
+        <a:defRPr sz="1400" b="0" i="0" u="none" strike="noStrike" cap="none">
           <a:solidFill>
             <a:srgbClr val="000000"/>
           </a:solidFill>
@@ -7158,7 +7354,7 @@
           <a:sym typeface="Arial"/>
         </a:defRPr>
       </a:lvl8pPr>
-      <a:lvl9pPr lvl="8" marR="0" rtl="0" algn="l">
+      <a:lvl9pPr marR="0" lvl="8" algn="l" rtl="0">
         <a:lnSpc>
           <a:spcPct val="100000"/>
         </a:lnSpc>
@@ -7172,7 +7368,7 @@
           <a:srgbClr val="000000"/>
         </a:buClr>
         <a:buFont typeface="Arial"/>
-        <a:defRPr b="0" i="0" sz="1400" u="none" cap="none" strike="noStrike">
+        <a:defRPr sz="1400" b="0" i="0" u="none" strike="noStrike" cap="none">
           <a:solidFill>
             <a:srgbClr val="000000"/>
           </a:solidFill>
@@ -7184,7 +7380,7 @@
       </a:lvl9pPr>
     </p:titleStyle>
     <p:bodyStyle>
-      <a:defPPr lvl="0" marR="0" rtl="0" algn="l">
+      <a:defPPr marR="0" lvl="0" algn="l" rtl="0">
         <a:lnSpc>
           <a:spcPct val="100000"/>
         </a:lnSpc>
@@ -7195,7 +7391,7 @@
           <a:spcPts val="0"/>
         </a:spcAft>
       </a:defPPr>
-      <a:lvl1pPr lvl="0" marR="0" rtl="0" algn="l">
+      <a:lvl1pPr marR="0" lvl="0" algn="l" rtl="0">
         <a:lnSpc>
           <a:spcPct val="100000"/>
         </a:lnSpc>
@@ -7209,7 +7405,7 @@
           <a:srgbClr val="000000"/>
         </a:buClr>
         <a:buFont typeface="Arial"/>
-        <a:defRPr b="0" i="0" sz="1400" u="none" cap="none" strike="noStrike">
+        <a:defRPr sz="1400" b="0" i="0" u="none" strike="noStrike" cap="none">
           <a:solidFill>
             <a:srgbClr val="000000"/>
           </a:solidFill>
@@ -7219,7 +7415,7 @@
           <a:sym typeface="Arial"/>
         </a:defRPr>
       </a:lvl1pPr>
-      <a:lvl2pPr lvl="1" marR="0" rtl="0" algn="l">
+      <a:lvl2pPr marR="0" lvl="1" algn="l" rtl="0">
         <a:lnSpc>
           <a:spcPct val="100000"/>
         </a:lnSpc>
@@ -7233,7 +7429,7 @@
           <a:srgbClr val="000000"/>
         </a:buClr>
         <a:buFont typeface="Arial"/>
-        <a:defRPr b="0" i="0" sz="1400" u="none" cap="none" strike="noStrike">
+        <a:defRPr sz="1400" b="0" i="0" u="none" strike="noStrike" cap="none">
           <a:solidFill>
             <a:srgbClr val="000000"/>
           </a:solidFill>
@@ -7243,7 +7439,7 @@
           <a:sym typeface="Arial"/>
         </a:defRPr>
       </a:lvl2pPr>
-      <a:lvl3pPr lvl="2" marR="0" rtl="0" algn="l">
+      <a:lvl3pPr marR="0" lvl="2" algn="l" rtl="0">
         <a:lnSpc>
           <a:spcPct val="100000"/>
         </a:lnSpc>
@@ -7257,7 +7453,7 @@
           <a:srgbClr val="000000"/>
         </a:buClr>
         <a:buFont typeface="Arial"/>
-        <a:defRPr b="0" i="0" sz="1400" u="none" cap="none" strike="noStrike">
+        <a:defRPr sz="1400" b="0" i="0" u="none" strike="noStrike" cap="none">
           <a:solidFill>
             <a:srgbClr val="000000"/>
           </a:solidFill>
@@ -7267,7 +7463,7 @@
           <a:sym typeface="Arial"/>
         </a:defRPr>
       </a:lvl3pPr>
-      <a:lvl4pPr lvl="3" marR="0" rtl="0" algn="l">
+      <a:lvl4pPr marR="0" lvl="3" algn="l" rtl="0">
         <a:lnSpc>
           <a:spcPct val="100000"/>
         </a:lnSpc>
@@ -7281,7 +7477,7 @@
           <a:srgbClr val="000000"/>
         </a:buClr>
         <a:buFont typeface="Arial"/>
-        <a:defRPr b="0" i="0" sz="1400" u="none" cap="none" strike="noStrike">
+        <a:defRPr sz="1400" b="0" i="0" u="none" strike="noStrike" cap="none">
           <a:solidFill>
             <a:srgbClr val="000000"/>
           </a:solidFill>
@@ -7291,7 +7487,7 @@
           <a:sym typeface="Arial"/>
         </a:defRPr>
       </a:lvl4pPr>
-      <a:lvl5pPr lvl="4" marR="0" rtl="0" algn="l">
+      <a:lvl5pPr marR="0" lvl="4" algn="l" rtl="0">
         <a:lnSpc>
           <a:spcPct val="100000"/>
         </a:lnSpc>
@@ -7305,7 +7501,7 @@
           <a:srgbClr val="000000"/>
         </a:buClr>
         <a:buFont typeface="Arial"/>
-        <a:defRPr b="0" i="0" sz="1400" u="none" cap="none" strike="noStrike">
+        <a:defRPr sz="1400" b="0" i="0" u="none" strike="noStrike" cap="none">
           <a:solidFill>
             <a:srgbClr val="000000"/>
           </a:solidFill>
@@ -7315,7 +7511,7 @@
           <a:sym typeface="Arial"/>
         </a:defRPr>
       </a:lvl5pPr>
-      <a:lvl6pPr lvl="5" marR="0" rtl="0" algn="l">
+      <a:lvl6pPr marR="0" lvl="5" algn="l" rtl="0">
         <a:lnSpc>
           <a:spcPct val="100000"/>
         </a:lnSpc>
@@ -7329,7 +7525,7 @@
           <a:srgbClr val="000000"/>
         </a:buClr>
         <a:buFont typeface="Arial"/>
-        <a:defRPr b="0" i="0" sz="1400" u="none" cap="none" strike="noStrike">
+        <a:defRPr sz="1400" b="0" i="0" u="none" strike="noStrike" cap="none">
           <a:solidFill>
             <a:srgbClr val="000000"/>
           </a:solidFill>
@@ -7339,7 +7535,7 @@
           <a:sym typeface="Arial"/>
         </a:defRPr>
       </a:lvl6pPr>
-      <a:lvl7pPr lvl="6" marR="0" rtl="0" algn="l">
+      <a:lvl7pPr marR="0" lvl="6" algn="l" rtl="0">
         <a:lnSpc>
           <a:spcPct val="100000"/>
         </a:lnSpc>
@@ -7353,7 +7549,7 @@
           <a:srgbClr val="000000"/>
         </a:buClr>
         <a:buFont typeface="Arial"/>
-        <a:defRPr b="0" i="0" sz="1400" u="none" cap="none" strike="noStrike">
+        <a:defRPr sz="1400" b="0" i="0" u="none" strike="noStrike" cap="none">
           <a:solidFill>
             <a:srgbClr val="000000"/>
           </a:solidFill>
@@ -7363,7 +7559,7 @@
           <a:sym typeface="Arial"/>
         </a:defRPr>
       </a:lvl7pPr>
-      <a:lvl8pPr lvl="7" marR="0" rtl="0" algn="l">
+      <a:lvl8pPr marR="0" lvl="7" algn="l" rtl="0">
         <a:lnSpc>
           <a:spcPct val="100000"/>
         </a:lnSpc>
@@ -7377,7 +7573,7 @@
           <a:srgbClr val="000000"/>
         </a:buClr>
         <a:buFont typeface="Arial"/>
-        <a:defRPr b="0" i="0" sz="1400" u="none" cap="none" strike="noStrike">
+        <a:defRPr sz="1400" b="0" i="0" u="none" strike="noStrike" cap="none">
           <a:solidFill>
             <a:srgbClr val="000000"/>
           </a:solidFill>
@@ -7387,7 +7583,7 @@
           <a:sym typeface="Arial"/>
         </a:defRPr>
       </a:lvl8pPr>
-      <a:lvl9pPr lvl="8" marR="0" rtl="0" algn="l">
+      <a:lvl9pPr marR="0" lvl="8" algn="l" rtl="0">
         <a:lnSpc>
           <a:spcPct val="100000"/>
         </a:lnSpc>
@@ -7401,7 +7597,7 @@
           <a:srgbClr val="000000"/>
         </a:buClr>
         <a:buFont typeface="Arial"/>
-        <a:defRPr b="0" i="0" sz="1400" u="none" cap="none" strike="noStrike">
+        <a:defRPr sz="1400" b="0" i="0" u="none" strike="noStrike" cap="none">
           <a:solidFill>
             <a:srgbClr val="000000"/>
           </a:solidFill>
@@ -7413,7 +7609,7 @@
       </a:lvl9pPr>
     </p:bodyStyle>
     <p:otherStyle>
-      <a:defPPr lvl="0" marR="0" rtl="0" algn="l">
+      <a:defPPr marR="0" lvl="0" algn="l" rtl="0">
         <a:lnSpc>
           <a:spcPct val="100000"/>
         </a:lnSpc>
@@ -7424,7 +7620,7 @@
           <a:spcPts val="0"/>
         </a:spcAft>
       </a:defPPr>
-      <a:lvl1pPr lvl="0" marR="0" rtl="0" algn="l">
+      <a:lvl1pPr marR="0" lvl="0" algn="l" rtl="0">
         <a:lnSpc>
           <a:spcPct val="100000"/>
         </a:lnSpc>
@@ -7438,7 +7634,7 @@
           <a:srgbClr val="000000"/>
         </a:buClr>
         <a:buFont typeface="Arial"/>
-        <a:defRPr b="0" i="0" sz="1400" u="none" cap="none" strike="noStrike">
+        <a:defRPr sz="1400" b="0" i="0" u="none" strike="noStrike" cap="none">
           <a:solidFill>
             <a:srgbClr val="000000"/>
           </a:solidFill>
@@ -7448,7 +7644,7 @@
           <a:sym typeface="Arial"/>
         </a:defRPr>
       </a:lvl1pPr>
-      <a:lvl2pPr lvl="1" marR="0" rtl="0" algn="l">
+      <a:lvl2pPr marR="0" lvl="1" algn="l" rtl="0">
         <a:lnSpc>
           <a:spcPct val="100000"/>
         </a:lnSpc>
@@ -7462,7 +7658,7 @@
           <a:srgbClr val="000000"/>
         </a:buClr>
         <a:buFont typeface="Arial"/>
-        <a:defRPr b="0" i="0" sz="1400" u="none" cap="none" strike="noStrike">
+        <a:defRPr sz="1400" b="0" i="0" u="none" strike="noStrike" cap="none">
           <a:solidFill>
             <a:srgbClr val="000000"/>
           </a:solidFill>
@@ -7472,7 +7668,7 @@
           <a:sym typeface="Arial"/>
         </a:defRPr>
       </a:lvl2pPr>
-      <a:lvl3pPr lvl="2" marR="0" rtl="0" algn="l">
+      <a:lvl3pPr marR="0" lvl="2" algn="l" rtl="0">
         <a:lnSpc>
           <a:spcPct val="100000"/>
         </a:lnSpc>
@@ -7486,7 +7682,7 @@
           <a:srgbClr val="000000"/>
         </a:buClr>
         <a:buFont typeface="Arial"/>
-        <a:defRPr b="0" i="0" sz="1400" u="none" cap="none" strike="noStrike">
+        <a:defRPr sz="1400" b="0" i="0" u="none" strike="noStrike" cap="none">
           <a:solidFill>
             <a:srgbClr val="000000"/>
           </a:solidFill>
@@ -7496,7 +7692,7 @@
           <a:sym typeface="Arial"/>
         </a:defRPr>
       </a:lvl3pPr>
-      <a:lvl4pPr lvl="3" marR="0" rtl="0" algn="l">
+      <a:lvl4pPr marR="0" lvl="3" algn="l" rtl="0">
         <a:lnSpc>
           <a:spcPct val="100000"/>
         </a:lnSpc>
@@ -7510,7 +7706,7 @@
           <a:srgbClr val="000000"/>
         </a:buClr>
         <a:buFont typeface="Arial"/>
-        <a:defRPr b="0" i="0" sz="1400" u="none" cap="none" strike="noStrike">
+        <a:defRPr sz="1400" b="0" i="0" u="none" strike="noStrike" cap="none">
           <a:solidFill>
             <a:srgbClr val="000000"/>
           </a:solidFill>
@@ -7520,7 +7716,7 @@
           <a:sym typeface="Arial"/>
         </a:defRPr>
       </a:lvl4pPr>
-      <a:lvl5pPr lvl="4" marR="0" rtl="0" algn="l">
+      <a:lvl5pPr marR="0" lvl="4" algn="l" rtl="0">
         <a:lnSpc>
           <a:spcPct val="100000"/>
         </a:lnSpc>
@@ -7534,7 +7730,7 @@
           <a:srgbClr val="000000"/>
         </a:buClr>
         <a:buFont typeface="Arial"/>
-        <a:defRPr b="0" i="0" sz="1400" u="none" cap="none" strike="noStrike">
+        <a:defRPr sz="1400" b="0" i="0" u="none" strike="noStrike" cap="none">
           <a:solidFill>
             <a:srgbClr val="000000"/>
           </a:solidFill>
@@ -7544,7 +7740,7 @@
           <a:sym typeface="Arial"/>
         </a:defRPr>
       </a:lvl5pPr>
-      <a:lvl6pPr lvl="5" marR="0" rtl="0" algn="l">
+      <a:lvl6pPr marR="0" lvl="5" algn="l" rtl="0">
         <a:lnSpc>
           <a:spcPct val="100000"/>
         </a:lnSpc>
@@ -7558,7 +7754,7 @@
           <a:srgbClr val="000000"/>
         </a:buClr>
         <a:buFont typeface="Arial"/>
-        <a:defRPr b="0" i="0" sz="1400" u="none" cap="none" strike="noStrike">
+        <a:defRPr sz="1400" b="0" i="0" u="none" strike="noStrike" cap="none">
           <a:solidFill>
             <a:srgbClr val="000000"/>
           </a:solidFill>
@@ -7568,7 +7764,7 @@
           <a:sym typeface="Arial"/>
         </a:defRPr>
       </a:lvl6pPr>
-      <a:lvl7pPr lvl="6" marR="0" rtl="0" algn="l">
+      <a:lvl7pPr marR="0" lvl="6" algn="l" rtl="0">
         <a:lnSpc>
           <a:spcPct val="100000"/>
         </a:lnSpc>
@@ -7582,7 +7778,7 @@
           <a:srgbClr val="000000"/>
         </a:buClr>
         <a:buFont typeface="Arial"/>
-        <a:defRPr b="0" i="0" sz="1400" u="none" cap="none" strike="noStrike">
+        <a:defRPr sz="1400" b="0" i="0" u="none" strike="noStrike" cap="none">
           <a:solidFill>
             <a:srgbClr val="000000"/>
           </a:solidFill>
@@ -7592,7 +7788,7 @@
           <a:sym typeface="Arial"/>
         </a:defRPr>
       </a:lvl7pPr>
-      <a:lvl8pPr lvl="7" marR="0" rtl="0" algn="l">
+      <a:lvl8pPr marR="0" lvl="7" algn="l" rtl="0">
         <a:lnSpc>
           <a:spcPct val="100000"/>
         </a:lnSpc>
@@ -7606,7 +7802,7 @@
           <a:srgbClr val="000000"/>
         </a:buClr>
         <a:buFont typeface="Arial"/>
-        <a:defRPr b="0" i="0" sz="1400" u="none" cap="none" strike="noStrike">
+        <a:defRPr sz="1400" b="0" i="0" u="none" strike="noStrike" cap="none">
           <a:solidFill>
             <a:srgbClr val="000000"/>
           </a:solidFill>
@@ -7616,7 +7812,7 @@
           <a:sym typeface="Arial"/>
         </a:defRPr>
       </a:lvl8pPr>
-      <a:lvl9pPr lvl="8" marR="0" rtl="0" algn="l">
+      <a:lvl9pPr marR="0" lvl="8" algn="l" rtl="0">
         <a:lnSpc>
           <a:spcPct val="100000"/>
         </a:lnSpc>
@@ -7630,7 +7826,7 @@
           <a:srgbClr val="000000"/>
         </a:buClr>
         <a:buFont typeface="Arial"/>
-        <a:defRPr b="0" i="0" sz="1400" u="none" cap="none" strike="noStrike">
+        <a:defRPr sz="1400" b="0" i="0" u="none" strike="noStrike" cap="none">
           <a:solidFill>
             <a:srgbClr val="000000"/>
           </a:solidFill>
@@ -7646,11 +7842,11 @@
 </file>
 
 <file path=ppt/slides/slide1.xml><?xml version="1.0" encoding="utf-8"?>
-<p:sld xmlns:a="http://schemas.openxmlformats.org/drawingml/2006/main" xmlns:r="http://schemas.openxmlformats.org/officeDocument/2006/relationships" xmlns:mc="http://schemas.openxmlformats.org/markup-compatibility/2006" xmlns:mv="urn:schemas-microsoft-com:mac:vml" xmlns:p="http://schemas.openxmlformats.org/presentationml/2006/main" xmlns:c="http://schemas.openxmlformats.org/drawingml/2006/chart" xmlns:dgm="http://schemas.openxmlformats.org/drawingml/2006/diagram" xmlns:o="urn:schemas-microsoft-com:office:office" xmlns:v="urn:schemas-microsoft-com:vml" xmlns:pvml="urn:schemas-microsoft-com:office:powerpoint" xmlns:com="http://schemas.openxmlformats.org/drawingml/2006/compatibility" xmlns:p14="http://schemas.microsoft.com/office/powerpoint/2010/main" xmlns:p15="http://schemas.microsoft.com/office/powerpoint/2012/main" xmlns:ahyp="http://schemas.microsoft.com/office/drawing/2018/hyperlinkcolor">
+<p:sld xmlns:a="http://schemas.openxmlformats.org/drawingml/2006/main" xmlns:r="http://schemas.openxmlformats.org/officeDocument/2006/relationships" xmlns:p="http://schemas.openxmlformats.org/presentationml/2006/main">
   <p:cSld>
     <p:spTree>
       <p:nvGrpSpPr>
-        <p:cNvPr id="63" name="Shape 63"/>
+        <p:cNvPr id="1" name="Shape 63"/>
         <p:cNvGrpSpPr/>
         <p:nvPr/>
       </p:nvGrpSpPr>
@@ -7665,7 +7861,9 @@
       <p:sp>
         <p:nvSpPr>
           <p:cNvPr id="64" name="Google Shape;64;p13"/>
-          <p:cNvSpPr txBox="1"/>
+          <p:cNvSpPr txBox="1">
+            <a:spLocks noGrp="1"/>
+          </p:cNvSpPr>
           <p:nvPr>
             <p:ph type="ctrTitle"/>
           </p:nvPr>
@@ -7680,12 +7878,12 @@
           </a:prstGeom>
         </p:spPr>
         <p:txBody>
-          <a:bodyPr anchorCtr="0" anchor="t" bIns="91425" lIns="91425" spcFirstLastPara="1" rIns="91425" wrap="square" tIns="91425">
+          <a:bodyPr spcFirstLastPara="1" wrap="square" lIns="91425" tIns="91425" rIns="91425" bIns="91425" anchor="t" anchorCtr="0">
             <a:noAutofit/>
           </a:bodyPr>
           <a:lstStyle/>
           <a:p>
-            <a:pPr indent="0" lvl="0" marL="0" rtl="0" algn="l">
+            <a:pPr marL="0" lvl="0" indent="0" algn="l" rtl="0">
               <a:lnSpc>
                 <a:spcPct val="120000"/>
               </a:lnSpc>
@@ -7703,7 +7901,7 @@
               <a:buNone/>
             </a:pPr>
             <a:r>
-              <a:rPr lang="en" sz="4200">
+              <a:rPr lang="en-US" sz="4200" dirty="0">
                 <a:solidFill>
                   <a:srgbClr val="212529"/>
                 </a:solidFill>
@@ -7715,9 +7913,39 @@
                 <a:cs typeface="Roboto"/>
                 <a:sym typeface="Roboto"/>
               </a:rPr>
-              <a:t>COVID-19</a:t>
+              <a:t>Prediction of </a:t>
             </a:r>
-            <a:endParaRPr sz="4200">
+            <a:r>
+              <a:rPr lang="en" sz="4200" dirty="0">
+                <a:solidFill>
+                  <a:srgbClr val="212529"/>
+                </a:solidFill>
+                <a:highlight>
+                  <a:srgbClr val="FFFFFF"/>
+                </a:highlight>
+                <a:latin typeface="Roboto"/>
+                <a:ea typeface="Roboto"/>
+                <a:cs typeface="Roboto"/>
+                <a:sym typeface="Roboto"/>
+              </a:rPr>
+              <a:t>COVID-19 </a:t>
+            </a:r>
+            <a:r>
+              <a:rPr lang="en-US" sz="4200" dirty="0">
+                <a:solidFill>
+                  <a:srgbClr val="212529"/>
+                </a:solidFill>
+                <a:highlight>
+                  <a:srgbClr val="FFFFFF"/>
+                </a:highlight>
+                <a:latin typeface="Roboto"/>
+                <a:ea typeface="Roboto"/>
+                <a:cs typeface="Roboto"/>
+                <a:sym typeface="Roboto"/>
+              </a:rPr>
+              <a:t>cases </a:t>
+            </a:r>
+            <a:endParaRPr sz="4200" dirty="0">
               <a:solidFill>
                 <a:srgbClr val="212529"/>
               </a:solidFill>
@@ -7731,7 +7959,7 @@
             </a:endParaRPr>
           </a:p>
           <a:p>
-            <a:pPr indent="0" lvl="0" marL="0" rtl="0" algn="l">
+            <a:pPr marL="0" lvl="0" indent="0" algn="l" rtl="0">
               <a:lnSpc>
                 <a:spcPct val="120000"/>
               </a:lnSpc>
@@ -7743,19 +7971,18 @@
               </a:spcAft>
               <a:buNone/>
             </a:pPr>
-            <a:r>
-              <a:t/>
-            </a:r>
-            <a:endParaRPr sz="4700"/>
+            <a:endParaRPr sz="4700" dirty="0"/>
           </a:p>
         </p:txBody>
       </p:sp>
       <p:sp>
         <p:nvSpPr>
           <p:cNvPr id="65" name="Google Shape;65;p13"/>
-          <p:cNvSpPr txBox="1"/>
+          <p:cNvSpPr txBox="1">
+            <a:spLocks noGrp="1"/>
+          </p:cNvSpPr>
           <p:nvPr>
-            <p:ph idx="1" type="subTitle"/>
+            <p:ph type="subTitle" idx="1"/>
           </p:nvPr>
         </p:nvSpPr>
         <p:spPr>
@@ -7768,12 +7995,12 @@
           </a:prstGeom>
         </p:spPr>
         <p:txBody>
-          <a:bodyPr anchorCtr="0" anchor="t" bIns="91425" lIns="91425" spcFirstLastPara="1" rIns="91425" wrap="square" tIns="91425">
+          <a:bodyPr spcFirstLastPara="1" wrap="square" lIns="91425" tIns="91425" rIns="91425" bIns="91425" anchor="t" anchorCtr="0">
             <a:noAutofit/>
           </a:bodyPr>
           <a:lstStyle/>
           <a:p>
-            <a:pPr indent="0" lvl="0" marL="0" rtl="0" algn="l">
+            <a:pPr marL="0" lvl="0" indent="0" algn="l" rtl="0">
               <a:lnSpc>
                 <a:spcPct val="120000"/>
               </a:lnSpc>
@@ -7786,7 +8013,7 @@
               <a:buNone/>
             </a:pPr>
             <a:r>
-              <a:rPr i="1" lang="en" sz="2200">
+              <a:rPr lang="en-US" sz="2200" dirty="0">
                 <a:solidFill>
                   <a:srgbClr val="212529"/>
                 </a:solidFill>
@@ -7794,9 +8021,20 @@
                   <a:srgbClr val="FFFFFF"/>
                 </a:highlight>
               </a:rPr>
-              <a:t>An analysis of a human tragedy</a:t>
+              <a:t>By using</a:t>
             </a:r>
-            <a:endParaRPr/>
+            <a:r>
+              <a:rPr lang="en-US" sz="2200" i="1" dirty="0">
+                <a:solidFill>
+                  <a:srgbClr val="212529"/>
+                </a:solidFill>
+                <a:highlight>
+                  <a:srgbClr val="FFFFFF"/>
+                </a:highlight>
+              </a:rPr>
+              <a:t> machine learning</a:t>
+            </a:r>
+            <a:endParaRPr dirty="0"/>
           </a:p>
         </p:txBody>
       </p:sp>
@@ -7820,12 +8058,12 @@
           </a:ln>
         </p:spPr>
         <p:txBody>
-          <a:bodyPr anchorCtr="0" anchor="t" bIns="91425" lIns="91425" spcFirstLastPara="1" rIns="91425" wrap="square" tIns="91425">
+          <a:bodyPr spcFirstLastPara="1" wrap="square" lIns="91425" tIns="91425" rIns="91425" bIns="91425" anchor="t" anchorCtr="0">
             <a:noAutofit/>
           </a:bodyPr>
           <a:lstStyle/>
           <a:p>
-            <a:pPr indent="0" lvl="0" marL="0" rtl="0" algn="l">
+            <a:pPr marL="0" lvl="0" indent="0" algn="l" rtl="0">
               <a:spcBef>
                 <a:spcPts val="0"/>
               </a:spcBef>
@@ -7857,7 +8095,7 @@
             </a:endParaRPr>
           </a:p>
           <a:p>
-            <a:pPr indent="0" lvl="0" marL="0" rtl="0" algn="l">
+            <a:pPr marL="0" lvl="0" indent="0" algn="l" rtl="0">
               <a:spcBef>
                 <a:spcPts val="0"/>
               </a:spcBef>
@@ -7889,7 +8127,7 @@
             </a:endParaRPr>
           </a:p>
           <a:p>
-            <a:pPr indent="0" lvl="0" marL="0" rtl="0" algn="l">
+            <a:pPr marL="0" lvl="0" indent="0" algn="l" rtl="0">
               <a:spcBef>
                 <a:spcPts val="0"/>
               </a:spcBef>
@@ -7921,7 +8159,7 @@
             </a:endParaRPr>
           </a:p>
           <a:p>
-            <a:pPr indent="0" lvl="0" marL="0" rtl="0" algn="l">
+            <a:pPr marL="0" lvl="0" indent="0" algn="l" rtl="0">
               <a:spcBef>
                 <a:spcPts val="0"/>
               </a:spcBef>
@@ -7953,7 +8191,7 @@
             </a:endParaRPr>
           </a:p>
           <a:p>
-            <a:pPr indent="0" lvl="0" marL="0" rtl="0" algn="l">
+            <a:pPr marL="0" lvl="0" indent="0" algn="l" rtl="0">
               <a:spcBef>
                 <a:spcPts val="0"/>
               </a:spcBef>
@@ -7995,11 +8233,11 @@
 </file>
 
 <file path=ppt/slides/slide2.xml><?xml version="1.0" encoding="utf-8"?>
-<p:sld xmlns:a="http://schemas.openxmlformats.org/drawingml/2006/main" xmlns:r="http://schemas.openxmlformats.org/officeDocument/2006/relationships" xmlns:mc="http://schemas.openxmlformats.org/markup-compatibility/2006" xmlns:mv="urn:schemas-microsoft-com:mac:vml" xmlns:p="http://schemas.openxmlformats.org/presentationml/2006/main" xmlns:c="http://schemas.openxmlformats.org/drawingml/2006/chart" xmlns:dgm="http://schemas.openxmlformats.org/drawingml/2006/diagram" xmlns:o="urn:schemas-microsoft-com:office:office" xmlns:v="urn:schemas-microsoft-com:vml" xmlns:pvml="urn:schemas-microsoft-com:office:powerpoint" xmlns:com="http://schemas.openxmlformats.org/drawingml/2006/compatibility" xmlns:p14="http://schemas.microsoft.com/office/powerpoint/2010/main" xmlns:p15="http://schemas.microsoft.com/office/powerpoint/2012/main" xmlns:ahyp="http://schemas.microsoft.com/office/drawing/2018/hyperlinkcolor">
+<p:sld xmlns:a="http://schemas.openxmlformats.org/drawingml/2006/main" xmlns:r="http://schemas.openxmlformats.org/officeDocument/2006/relationships" xmlns:p="http://schemas.openxmlformats.org/presentationml/2006/main">
   <p:cSld>
     <p:spTree>
       <p:nvGrpSpPr>
-        <p:cNvPr id="70" name="Shape 70"/>
+        <p:cNvPr id="1" name="Shape 70"/>
         <p:cNvGrpSpPr/>
         <p:nvPr/>
       </p:nvGrpSpPr>
@@ -8014,7 +8252,9 @@
       <p:sp>
         <p:nvSpPr>
           <p:cNvPr id="71" name="Google Shape;71;p14"/>
-          <p:cNvSpPr txBox="1"/>
+          <p:cNvSpPr txBox="1">
+            <a:spLocks noGrp="1"/>
+          </p:cNvSpPr>
           <p:nvPr>
             <p:ph type="title"/>
           </p:nvPr>
@@ -8029,12 +8269,12 @@
           </a:prstGeom>
         </p:spPr>
         <p:txBody>
-          <a:bodyPr anchorCtr="0" anchor="t" bIns="91425" lIns="91425" spcFirstLastPara="1" rIns="91425" wrap="square" tIns="91425">
+          <a:bodyPr spcFirstLastPara="1" wrap="square" lIns="91425" tIns="91425" rIns="91425" bIns="91425" anchor="t" anchorCtr="0">
             <a:noAutofit/>
           </a:bodyPr>
           <a:lstStyle/>
           <a:p>
-            <a:pPr indent="0" lvl="0" marL="0" rtl="0" algn="l">
+            <a:pPr marL="0" lvl="0" indent="0" algn="l" rtl="0">
               <a:spcBef>
                 <a:spcPts val="0"/>
               </a:spcBef>
@@ -8054,9 +8294,11 @@
       <p:sp>
         <p:nvSpPr>
           <p:cNvPr id="72" name="Google Shape;72;p14"/>
-          <p:cNvSpPr txBox="1"/>
+          <p:cNvSpPr txBox="1">
+            <a:spLocks noGrp="1"/>
+          </p:cNvSpPr>
           <p:nvPr>
-            <p:ph idx="1" type="body"/>
+            <p:ph type="body" idx="1"/>
           </p:nvPr>
         </p:nvSpPr>
         <p:spPr>
@@ -8069,21 +8311,18 @@
           </a:prstGeom>
         </p:spPr>
         <p:txBody>
-          <a:bodyPr anchorCtr="0" anchor="t" bIns="91425" lIns="91425" spcFirstLastPara="1" rIns="91425" wrap="square" tIns="91425">
-            <a:noAutofit/>
+          <a:bodyPr spcFirstLastPara="1" wrap="square" lIns="91425" tIns="91425" rIns="91425" bIns="91425" anchor="t" anchorCtr="0">
+            <a:normAutofit fontScale="92500" lnSpcReduction="20000"/>
           </a:bodyPr>
           <a:lstStyle/>
           <a:p>
-            <a:pPr indent="-317500" lvl="0" marL="457200" marR="76200" rtl="0" algn="l">
+            <a:pPr marR="76200" lvl="0" indent="-317500">
               <a:lnSpc>
                 <a:spcPct val="150001"/>
               </a:lnSpc>
               <a:spcBef>
                 <a:spcPts val="300"/>
               </a:spcBef>
-              <a:spcAft>
-                <a:spcPts val="0"/>
-              </a:spcAft>
               <a:buClr>
                 <a:srgbClr val="1D1C1D"/>
               </a:buClr>
@@ -8092,7 +8331,35 @@
               <a:buChar char="●"/>
             </a:pPr>
             <a:r>
-              <a:rPr lang="en" sz="1400">
+              <a:rPr lang="en-US" dirty="0">
+                <a:highlight>
+                  <a:srgbClr val="FFFF00"/>
+                </a:highlight>
+              </a:rPr>
+              <a:t>Presenting an predictive model, that would help for preparedness and accommodate response</a:t>
+            </a:r>
+            <a:r>
+              <a:rPr lang="en-US" dirty="0"/>
+              <a:t>, using machine learning techniques on top COVID-19 outbreak data, all around the world. </a:t>
+            </a:r>
+          </a:p>
+          <a:p>
+            <a:pPr marR="76200" lvl="0" indent="-317500">
+              <a:lnSpc>
+                <a:spcPct val="150001"/>
+              </a:lnSpc>
+              <a:spcBef>
+                <a:spcPts val="300"/>
+              </a:spcBef>
+              <a:buClr>
+                <a:srgbClr val="1D1C1D"/>
+              </a:buClr>
+              <a:buSzPts val="1400"/>
+              <a:buFont typeface="Arial"/>
+              <a:buChar char="●"/>
+            </a:pPr>
+            <a:r>
+              <a:rPr lang="en" sz="1400" dirty="0">
                 <a:solidFill>
                   <a:srgbClr val="1D1C1D"/>
                 </a:solidFill>
@@ -8101,33 +8368,9 @@
                 <a:cs typeface="Arial"/>
                 <a:sym typeface="Arial"/>
               </a:rPr>
-              <a:t>Today we face a great </a:t>
+              <a:t>Today we face a great challenge in our lives the likes of which we’ve never seen.</a:t>
             </a:r>
-            <a:r>
-              <a:rPr lang="en" sz="1400">
-                <a:solidFill>
-                  <a:srgbClr val="1D1C1D"/>
-                </a:solidFill>
-                <a:latin typeface="Arial"/>
-                <a:ea typeface="Arial"/>
-                <a:cs typeface="Arial"/>
-                <a:sym typeface="Arial"/>
-              </a:rPr>
-              <a:t>challenge</a:t>
-            </a:r>
-            <a:r>
-              <a:rPr lang="en" sz="1400">
-                <a:solidFill>
-                  <a:srgbClr val="1D1C1D"/>
-                </a:solidFill>
-                <a:latin typeface="Arial"/>
-                <a:ea typeface="Arial"/>
-                <a:cs typeface="Arial"/>
-                <a:sym typeface="Arial"/>
-              </a:rPr>
-              <a:t> in our lives the likes of which we’ve never seen.</a:t>
-            </a:r>
-            <a:endParaRPr sz="1400">
+            <a:endParaRPr sz="1400" dirty="0">
               <a:solidFill>
                 <a:srgbClr val="1D1C1D"/>
               </a:solidFill>
@@ -8138,7 +8381,7 @@
             </a:endParaRPr>
           </a:p>
           <a:p>
-            <a:pPr indent="-317500" lvl="0" marL="457200" marR="76200" rtl="0" algn="l">
+            <a:pPr marL="457200" marR="76200" lvl="0" indent="-317500" algn="l" rtl="0">
               <a:lnSpc>
                 <a:spcPct val="150001"/>
               </a:lnSpc>
@@ -8156,7 +8399,7 @@
               <a:buChar char="●"/>
             </a:pPr>
             <a:r>
-              <a:rPr lang="en" sz="1400">
+              <a:rPr lang="en" sz="1400" dirty="0">
                 <a:solidFill>
                   <a:srgbClr val="1D1C1D"/>
                 </a:solidFill>
@@ -8167,7 +8410,7 @@
               </a:rPr>
               <a:t>A pandemic has hit the entire world.</a:t>
             </a:r>
-            <a:endParaRPr sz="1400">
+            <a:endParaRPr sz="1400" dirty="0">
               <a:solidFill>
                 <a:srgbClr val="1D1C1D"/>
               </a:solidFill>
@@ -8178,7 +8421,7 @@
             </a:endParaRPr>
           </a:p>
           <a:p>
-            <a:pPr indent="-317500" lvl="0" marL="457200" marR="76200" rtl="0" algn="l">
+            <a:pPr marL="457200" marR="76200" lvl="0" indent="-317500" algn="l" rtl="0">
               <a:lnSpc>
                 <a:spcPct val="150001"/>
               </a:lnSpc>
@@ -8196,7 +8439,7 @@
               <a:buChar char="●"/>
             </a:pPr>
             <a:r>
-              <a:rPr lang="en" sz="1400">
+              <a:rPr lang="en" sz="1400" dirty="0">
                 <a:solidFill>
                   <a:srgbClr val="1D1C1D"/>
                 </a:solidFill>
@@ -8205,81 +8448,9 @@
                 <a:cs typeface="Arial"/>
                 <a:sym typeface="Arial"/>
               </a:rPr>
-              <a:t>In order to better understand how </a:t>
+              <a:t>In order to better understand how different areas are affected, we display data for different countries of the world.</a:t>
             </a:r>
-            <a:r>
-              <a:rPr lang="en" sz="1400">
-                <a:solidFill>
-                  <a:srgbClr val="1D1C1D"/>
-                </a:solidFill>
-                <a:latin typeface="Arial"/>
-                <a:ea typeface="Arial"/>
-                <a:cs typeface="Arial"/>
-                <a:sym typeface="Arial"/>
-              </a:rPr>
-              <a:t>different</a:t>
-            </a:r>
-            <a:r>
-              <a:rPr lang="en" sz="1400">
-                <a:solidFill>
-                  <a:srgbClr val="1D1C1D"/>
-                </a:solidFill>
-                <a:latin typeface="Arial"/>
-                <a:ea typeface="Arial"/>
-                <a:cs typeface="Arial"/>
-                <a:sym typeface="Arial"/>
-              </a:rPr>
-              <a:t> areas are </a:t>
-            </a:r>
-            <a:r>
-              <a:rPr lang="en" sz="1400">
-                <a:solidFill>
-                  <a:srgbClr val="1D1C1D"/>
-                </a:solidFill>
-                <a:latin typeface="Arial"/>
-                <a:ea typeface="Arial"/>
-                <a:cs typeface="Arial"/>
-                <a:sym typeface="Arial"/>
-              </a:rPr>
-              <a:t>affected</a:t>
-            </a:r>
-            <a:r>
-              <a:rPr lang="en" sz="1400">
-                <a:solidFill>
-                  <a:srgbClr val="1D1C1D"/>
-                </a:solidFill>
-                <a:latin typeface="Arial"/>
-                <a:ea typeface="Arial"/>
-                <a:cs typeface="Arial"/>
-                <a:sym typeface="Arial"/>
-              </a:rPr>
-              <a:t>, we display data for different </a:t>
-            </a:r>
-            <a:r>
-              <a:rPr lang="en" sz="1400">
-                <a:solidFill>
-                  <a:srgbClr val="1D1C1D"/>
-                </a:solidFill>
-                <a:latin typeface="Arial"/>
-                <a:ea typeface="Arial"/>
-                <a:cs typeface="Arial"/>
-                <a:sym typeface="Arial"/>
-              </a:rPr>
-              <a:t>countries</a:t>
-            </a:r>
-            <a:r>
-              <a:rPr lang="en" sz="1400">
-                <a:solidFill>
-                  <a:srgbClr val="1D1C1D"/>
-                </a:solidFill>
-                <a:latin typeface="Arial"/>
-                <a:ea typeface="Arial"/>
-                <a:cs typeface="Arial"/>
-                <a:sym typeface="Arial"/>
-              </a:rPr>
-              <a:t> of the world.</a:t>
-            </a:r>
-            <a:endParaRPr sz="1400">
+            <a:endParaRPr sz="1400" dirty="0">
               <a:solidFill>
                 <a:srgbClr val="1D1C1D"/>
               </a:solidFill>
@@ -8290,7 +8461,7 @@
             </a:endParaRPr>
           </a:p>
           <a:p>
-            <a:pPr indent="-317500" lvl="0" marL="457200" marR="76200" rtl="0" algn="l">
+            <a:pPr marL="457200" marR="76200" lvl="0" indent="-317500" algn="l" rtl="0">
               <a:lnSpc>
                 <a:spcPct val="150001"/>
               </a:lnSpc>
@@ -8308,7 +8479,7 @@
               <a:buChar char="●"/>
             </a:pPr>
             <a:r>
-              <a:rPr lang="en" sz="1400">
+              <a:rPr lang="en" sz="1400" dirty="0">
                 <a:solidFill>
                   <a:srgbClr val="1D1C1D"/>
                 </a:solidFill>
@@ -8317,81 +8488,9 @@
                 <a:cs typeface="Arial"/>
                 <a:sym typeface="Arial"/>
               </a:rPr>
-              <a:t>To </a:t>
+              <a:t>To keep it relative in each country, the counts are listed as occurrences per million.</a:t>
             </a:r>
-            <a:r>
-              <a:rPr lang="en" sz="1400">
-                <a:solidFill>
-                  <a:srgbClr val="1D1C1D"/>
-                </a:solidFill>
-                <a:latin typeface="Arial"/>
-                <a:ea typeface="Arial"/>
-                <a:cs typeface="Arial"/>
-                <a:sym typeface="Arial"/>
-              </a:rPr>
-              <a:t>keep</a:t>
-            </a:r>
-            <a:r>
-              <a:rPr lang="en" sz="1400">
-                <a:solidFill>
-                  <a:srgbClr val="1D1C1D"/>
-                </a:solidFill>
-                <a:latin typeface="Arial"/>
-                <a:ea typeface="Arial"/>
-                <a:cs typeface="Arial"/>
-                <a:sym typeface="Arial"/>
-              </a:rPr>
-              <a:t> it </a:t>
-            </a:r>
-            <a:r>
-              <a:rPr lang="en" sz="1400">
-                <a:solidFill>
-                  <a:srgbClr val="1D1C1D"/>
-                </a:solidFill>
-                <a:latin typeface="Arial"/>
-                <a:ea typeface="Arial"/>
-                <a:cs typeface="Arial"/>
-                <a:sym typeface="Arial"/>
-              </a:rPr>
-              <a:t>relative</a:t>
-            </a:r>
-            <a:r>
-              <a:rPr lang="en" sz="1400">
-                <a:solidFill>
-                  <a:srgbClr val="1D1C1D"/>
-                </a:solidFill>
-                <a:latin typeface="Arial"/>
-                <a:ea typeface="Arial"/>
-                <a:cs typeface="Arial"/>
-                <a:sym typeface="Arial"/>
-              </a:rPr>
-              <a:t> in each country, the counts are listed as </a:t>
-            </a:r>
-            <a:r>
-              <a:rPr lang="en" sz="1400">
-                <a:solidFill>
-                  <a:srgbClr val="1D1C1D"/>
-                </a:solidFill>
-                <a:latin typeface="Arial"/>
-                <a:ea typeface="Arial"/>
-                <a:cs typeface="Arial"/>
-                <a:sym typeface="Arial"/>
-              </a:rPr>
-              <a:t>occurrences</a:t>
-            </a:r>
-            <a:r>
-              <a:rPr lang="en" sz="1400">
-                <a:solidFill>
-                  <a:srgbClr val="1D1C1D"/>
-                </a:solidFill>
-                <a:latin typeface="Arial"/>
-                <a:ea typeface="Arial"/>
-                <a:cs typeface="Arial"/>
-                <a:sym typeface="Arial"/>
-              </a:rPr>
-              <a:t> per million.</a:t>
-            </a:r>
-            <a:endParaRPr sz="1400">
+            <a:endParaRPr sz="1400" dirty="0">
               <a:solidFill>
                 <a:srgbClr val="1D1C1D"/>
               </a:solidFill>
@@ -8402,7 +8501,7 @@
             </a:endParaRPr>
           </a:p>
           <a:p>
-            <a:pPr indent="-317500" lvl="0" marL="457200" marR="76200" rtl="0" algn="l">
+            <a:pPr marL="457200" marR="76200" lvl="0" indent="-317500" algn="l" rtl="0">
               <a:lnSpc>
                 <a:spcPct val="150001"/>
               </a:lnSpc>
@@ -8420,7 +8519,7 @@
               <a:buChar char="●"/>
             </a:pPr>
             <a:r>
-              <a:rPr lang="en" sz="1400">
+              <a:rPr lang="en" sz="1400" dirty="0">
                 <a:solidFill>
                   <a:srgbClr val="1D1C1D"/>
                 </a:solidFill>
@@ -8431,35 +8530,6 @@
               </a:rPr>
               <a:t>We also wanted to see the relationship between GDP per capita (spending power) and hospital beds (access to healthcare).</a:t>
             </a:r>
-            <a:endParaRPr sz="1400">
-              <a:solidFill>
-                <a:srgbClr val="1D1C1D"/>
-              </a:solidFill>
-              <a:latin typeface="Arial"/>
-              <a:ea typeface="Arial"/>
-              <a:cs typeface="Arial"/>
-              <a:sym typeface="Arial"/>
-            </a:endParaRPr>
-          </a:p>
-          <a:p>
-            <a:pPr indent="0" lvl="0" marL="0" rtl="0" algn="l">
-              <a:spcBef>
-                <a:spcPts val="300"/>
-              </a:spcBef>
-              <a:spcAft>
-                <a:spcPts val="1600"/>
-              </a:spcAft>
-              <a:buNone/>
-            </a:pPr>
-            <a:r>
-              <a:t/>
-            </a:r>
-            <a:endParaRPr>
-              <a:latin typeface="Arial"/>
-              <a:ea typeface="Arial"/>
-              <a:cs typeface="Arial"/>
-              <a:sym typeface="Arial"/>
-            </a:endParaRPr>
           </a:p>
         </p:txBody>
       </p:sp>
@@ -8472,11 +8542,11 @@
 </file>
 
 <file path=ppt/slides/slide3.xml><?xml version="1.0" encoding="utf-8"?>
-<p:sld xmlns:a="http://schemas.openxmlformats.org/drawingml/2006/main" xmlns:r="http://schemas.openxmlformats.org/officeDocument/2006/relationships" xmlns:mc="http://schemas.openxmlformats.org/markup-compatibility/2006" xmlns:mv="urn:schemas-microsoft-com:mac:vml" xmlns:p="http://schemas.openxmlformats.org/presentationml/2006/main" xmlns:c="http://schemas.openxmlformats.org/drawingml/2006/chart" xmlns:dgm="http://schemas.openxmlformats.org/drawingml/2006/diagram" xmlns:o="urn:schemas-microsoft-com:office:office" xmlns:v="urn:schemas-microsoft-com:vml" xmlns:pvml="urn:schemas-microsoft-com:office:powerpoint" xmlns:com="http://schemas.openxmlformats.org/drawingml/2006/compatibility" xmlns:p14="http://schemas.microsoft.com/office/powerpoint/2010/main" xmlns:p15="http://schemas.microsoft.com/office/powerpoint/2012/main" xmlns:ahyp="http://schemas.microsoft.com/office/drawing/2018/hyperlinkcolor">
+<p:sld xmlns:a="http://schemas.openxmlformats.org/drawingml/2006/main" xmlns:r="http://schemas.openxmlformats.org/officeDocument/2006/relationships" xmlns:p="http://schemas.openxmlformats.org/presentationml/2006/main">
   <p:cSld>
     <p:spTree>
       <p:nvGrpSpPr>
-        <p:cNvPr id="76" name="Shape 76"/>
+        <p:cNvPr id="1" name="Shape 76"/>
         <p:cNvGrpSpPr/>
         <p:nvPr/>
       </p:nvGrpSpPr>
@@ -8491,7 +8561,9 @@
       <p:sp>
         <p:nvSpPr>
           <p:cNvPr id="77" name="Google Shape;77;p15"/>
-          <p:cNvSpPr txBox="1"/>
+          <p:cNvSpPr txBox="1">
+            <a:spLocks noGrp="1"/>
+          </p:cNvSpPr>
           <p:nvPr>
             <p:ph type="title"/>
           </p:nvPr>
@@ -8506,12 +8578,12 @@
           </a:prstGeom>
         </p:spPr>
         <p:txBody>
-          <a:bodyPr anchorCtr="0" anchor="t" bIns="91425" lIns="91425" spcFirstLastPara="1" rIns="91425" wrap="square" tIns="91425">
+          <a:bodyPr spcFirstLastPara="1" wrap="square" lIns="91425" tIns="91425" rIns="91425" bIns="91425" anchor="t" anchorCtr="0">
             <a:noAutofit/>
           </a:bodyPr>
           <a:lstStyle/>
           <a:p>
-            <a:pPr indent="0" lvl="0" marL="0" rtl="0" algn="l">
+            <a:pPr marL="0" lvl="0" indent="0" algn="l" rtl="0">
               <a:spcBef>
                 <a:spcPts val="0"/>
               </a:spcBef>
@@ -8531,9 +8603,11 @@
       <p:sp>
         <p:nvSpPr>
           <p:cNvPr id="78" name="Google Shape;78;p15"/>
-          <p:cNvSpPr txBox="1"/>
+          <p:cNvSpPr txBox="1">
+            <a:spLocks noGrp="1"/>
+          </p:cNvSpPr>
           <p:nvPr>
-            <p:ph idx="1" type="body"/>
+            <p:ph type="body" idx="1"/>
           </p:nvPr>
         </p:nvSpPr>
         <p:spPr>
@@ -8546,12 +8620,12 @@
           </a:prstGeom>
         </p:spPr>
         <p:txBody>
-          <a:bodyPr anchorCtr="0" anchor="t" bIns="91425" lIns="91425" spcFirstLastPara="1" rIns="91425" wrap="square" tIns="91425">
-            <a:noAutofit/>
+          <a:bodyPr spcFirstLastPara="1" wrap="square" lIns="91425" tIns="91425" rIns="91425" bIns="91425" anchor="t" anchorCtr="0">
+            <a:normAutofit lnSpcReduction="10000"/>
           </a:bodyPr>
           <a:lstStyle/>
           <a:p>
-            <a:pPr indent="-330200" lvl="0" marL="457200" marR="76200" rtl="0" algn="l">
+            <a:pPr marL="457200" marR="76200" lvl="0" indent="-330200" algn="l" rtl="0">
               <a:lnSpc>
                 <a:spcPct val="150001"/>
               </a:lnSpc>
@@ -8569,7 +8643,7 @@
               <a:buChar char="●"/>
             </a:pPr>
             <a:r>
-              <a:rPr lang="en" sz="1600">
+              <a:rPr lang="en" sz="1600" dirty="0">
                 <a:solidFill>
                   <a:srgbClr val="1D1C1D"/>
                 </a:solidFill>
@@ -8580,7 +8654,7 @@
               </a:rPr>
               <a:t>Data Source</a:t>
             </a:r>
-            <a:endParaRPr sz="1600">
+            <a:endParaRPr sz="1600" dirty="0">
               <a:solidFill>
                 <a:srgbClr val="1D1C1D"/>
               </a:solidFill>
@@ -8591,7 +8665,7 @@
             </a:endParaRPr>
           </a:p>
           <a:p>
-            <a:pPr indent="-330200" lvl="1" marL="914400" marR="76200" rtl="0" algn="l">
+            <a:pPr marL="914400" marR="76200" lvl="1" indent="-330200" algn="l" rtl="0">
               <a:lnSpc>
                 <a:spcPct val="150001"/>
               </a:lnSpc>
@@ -8609,7 +8683,7 @@
               <a:buChar char="○"/>
             </a:pPr>
             <a:r>
-              <a:rPr lang="en" sz="1600">
+              <a:rPr lang="en" sz="1600" dirty="0">
                 <a:solidFill>
                   <a:srgbClr val="1D1C1D"/>
                 </a:solidFill>
@@ -8621,7 +8695,7 @@
               <a:t>Our World in Data - </a:t>
             </a:r>
             <a:r>
-              <a:rPr lang="en" sz="1050">
+              <a:rPr lang="en" sz="1050" dirty="0">
                 <a:solidFill>
                   <a:schemeClr val="hlink"/>
                 </a:solidFill>
@@ -8639,7 +8713,7 @@
               </a:rPr>
               <a:t>https://ourworldindata.org/</a:t>
             </a:r>
-            <a:endParaRPr sz="1600">
+            <a:endParaRPr sz="1600" dirty="0">
               <a:solidFill>
                 <a:srgbClr val="1D1C1D"/>
               </a:solidFill>
@@ -8650,7 +8724,7 @@
             </a:endParaRPr>
           </a:p>
           <a:p>
-            <a:pPr indent="-330200" lvl="0" marL="457200" marR="76200" rtl="0" algn="l">
+            <a:pPr marL="457200" marR="76200" lvl="0" indent="-330200" algn="l" rtl="0">
               <a:lnSpc>
                 <a:spcPct val="150001"/>
               </a:lnSpc>
@@ -8668,7 +8742,7 @@
               <a:buChar char="●"/>
             </a:pPr>
             <a:r>
-              <a:rPr lang="en" sz="1600">
+              <a:rPr lang="en" sz="1600" dirty="0">
                 <a:solidFill>
                   <a:srgbClr val="1D1C1D"/>
                 </a:solidFill>
@@ -8679,7 +8753,7 @@
               </a:rPr>
               <a:t>MongoDB</a:t>
             </a:r>
-            <a:endParaRPr sz="1600">
+            <a:endParaRPr sz="1600" dirty="0">
               <a:solidFill>
                 <a:srgbClr val="1D1C1D"/>
               </a:solidFill>
@@ -8690,7 +8764,7 @@
             </a:endParaRPr>
           </a:p>
           <a:p>
-            <a:pPr indent="-330200" lvl="0" marL="457200" marR="76200" rtl="0" algn="l">
+            <a:pPr marL="457200" marR="76200" lvl="0" indent="-330200" algn="l" rtl="0">
               <a:lnSpc>
                 <a:spcPct val="150001"/>
               </a:lnSpc>
@@ -8708,7 +8782,7 @@
               <a:buChar char="●"/>
             </a:pPr>
             <a:r>
-              <a:rPr lang="en" sz="1600">
+              <a:rPr lang="en" sz="1600" dirty="0">
                 <a:solidFill>
                   <a:srgbClr val="1D1C1D"/>
                 </a:solidFill>
@@ -8719,7 +8793,7 @@
               </a:rPr>
               <a:t>Python/PyMongo/Flask</a:t>
             </a:r>
-            <a:endParaRPr sz="1600">
+            <a:endParaRPr sz="1600" dirty="0">
               <a:solidFill>
                 <a:srgbClr val="1D1C1D"/>
               </a:solidFill>
@@ -8730,7 +8804,7 @@
             </a:endParaRPr>
           </a:p>
           <a:p>
-            <a:pPr indent="-330200" lvl="0" marL="457200" marR="76200" rtl="0" algn="l">
+            <a:pPr marL="457200" marR="76200" lvl="0" indent="-330200" algn="l" rtl="0">
               <a:lnSpc>
                 <a:spcPct val="150001"/>
               </a:lnSpc>
@@ -8748,7 +8822,7 @@
               <a:buChar char="●"/>
             </a:pPr>
             <a:r>
-              <a:rPr lang="en" sz="1600">
+              <a:rPr lang="en" sz="1600" dirty="0">
                 <a:solidFill>
                   <a:srgbClr val="1D1C1D"/>
                 </a:solidFill>
@@ -8757,9 +8831,9 @@
                 <a:cs typeface="Arial"/>
                 <a:sym typeface="Arial"/>
               </a:rPr>
-              <a:t>Bootstrap</a:t>
+              <a:t>Bootstrap/jQuery</a:t>
             </a:r>
-            <a:endParaRPr sz="1600">
+            <a:endParaRPr sz="1600" dirty="0">
               <a:solidFill>
                 <a:srgbClr val="1D1C1D"/>
               </a:solidFill>
@@ -8770,7 +8844,7 @@
             </a:endParaRPr>
           </a:p>
           <a:p>
-            <a:pPr indent="-330200" lvl="0" marL="457200" marR="76200" rtl="0" algn="l">
+            <a:pPr marL="457200" marR="76200" lvl="0" indent="-330200" algn="l" rtl="0">
               <a:lnSpc>
                 <a:spcPct val="150001"/>
               </a:lnSpc>
@@ -8788,7 +8862,7 @@
               <a:buChar char="●"/>
             </a:pPr>
             <a:r>
-              <a:rPr lang="en" sz="1600">
+              <a:rPr lang="en" sz="1600" dirty="0">
                 <a:solidFill>
                   <a:srgbClr val="1D1C1D"/>
                 </a:solidFill>
@@ -8797,9 +8871,149 @@
                 <a:cs typeface="Arial"/>
                 <a:sym typeface="Arial"/>
               </a:rPr>
-              <a:t>jQuery</a:t>
+              <a:t>Plotly</a:t>
             </a:r>
-            <a:endParaRPr sz="1600">
+          </a:p>
+          <a:p>
+            <a:pPr marL="457200" marR="76200" lvl="0" indent="-330200" algn="l" rtl="0">
+              <a:lnSpc>
+                <a:spcPct val="150001"/>
+              </a:lnSpc>
+              <a:spcBef>
+                <a:spcPts val="0"/>
+              </a:spcBef>
+              <a:spcAft>
+                <a:spcPts val="0"/>
+              </a:spcAft>
+              <a:buClr>
+                <a:srgbClr val="1D1C1D"/>
+              </a:buClr>
+              <a:buSzPts val="1600"/>
+              <a:buFont typeface="Arial"/>
+              <a:buChar char="●"/>
+            </a:pPr>
+            <a:r>
+              <a:rPr lang="en" sz="1600" dirty="0">
+                <a:solidFill>
+                  <a:srgbClr val="1D1C1D"/>
+                </a:solidFill>
+                <a:latin typeface="Arial"/>
+                <a:ea typeface="Arial"/>
+                <a:cs typeface="Arial"/>
+                <a:sym typeface="Arial"/>
+              </a:rPr>
+              <a:t>SKLearn/matplotlib</a:t>
+            </a:r>
+          </a:p>
+          <a:p>
+            <a:pPr marR="76200" lvl="0" indent="-330200">
+              <a:lnSpc>
+                <a:spcPct val="150001"/>
+              </a:lnSpc>
+              <a:buClr>
+                <a:srgbClr val="1D1C1D"/>
+              </a:buClr>
+              <a:buSzPts val="1600"/>
+              <a:buFont typeface="Arial"/>
+              <a:buChar char="●"/>
+            </a:pPr>
+            <a:r>
+              <a:rPr lang="en-US" sz="1600" dirty="0">
+                <a:solidFill>
+                  <a:srgbClr val="1D1C1D"/>
+                </a:solidFill>
+                <a:latin typeface="Arial"/>
+                <a:ea typeface="Arial"/>
+                <a:cs typeface="Arial"/>
+                <a:sym typeface="Arial"/>
+              </a:rPr>
+              <a:t>(L</a:t>
+            </a:r>
+            <a:r>
+              <a:rPr lang="en" sz="1600" dirty="0">
+                <a:solidFill>
+                  <a:srgbClr val="1D1C1D"/>
+                </a:solidFill>
+                <a:latin typeface="Arial"/>
+                <a:ea typeface="Arial"/>
+                <a:cs typeface="Arial"/>
+                <a:sym typeface="Arial"/>
+              </a:rPr>
+              <a:t>inear/</a:t>
+            </a:r>
+            <a:r>
+              <a:rPr lang="en-US" sz="1600" dirty="0">
+                <a:solidFill>
+                  <a:srgbClr val="1D1C1D"/>
+                </a:solidFill>
+                <a:latin typeface="Arial"/>
+                <a:ea typeface="Arial"/>
+                <a:cs typeface="Arial"/>
+                <a:sym typeface="Arial"/>
+              </a:rPr>
+              <a:t>Nonlinear)</a:t>
+            </a:r>
+            <a:r>
+              <a:rPr lang="en" sz="1600" dirty="0">
+                <a:solidFill>
+                  <a:srgbClr val="1D1C1D"/>
+                </a:solidFill>
+                <a:latin typeface="Arial"/>
+                <a:ea typeface="Arial"/>
+                <a:cs typeface="Arial"/>
+                <a:sym typeface="Arial"/>
+              </a:rPr>
+              <a:t> </a:t>
+            </a:r>
+            <a:r>
+              <a:rPr lang="en-US" sz="1600" dirty="0">
+                <a:solidFill>
+                  <a:srgbClr val="1D1C1D"/>
+                </a:solidFill>
+                <a:latin typeface="Arial"/>
+                <a:ea typeface="Arial"/>
+                <a:cs typeface="Arial"/>
+                <a:sym typeface="Arial"/>
+              </a:rPr>
+              <a:t>/ Ridge </a:t>
+            </a:r>
+            <a:r>
+              <a:rPr lang="en" sz="1600" dirty="0">
+                <a:solidFill>
+                  <a:srgbClr val="1D1C1D"/>
+                </a:solidFill>
+                <a:latin typeface="Arial"/>
+                <a:ea typeface="Arial"/>
+                <a:cs typeface="Arial"/>
+                <a:sym typeface="Arial"/>
+              </a:rPr>
+              <a:t>R</a:t>
+            </a:r>
+            <a:r>
+              <a:rPr lang="en-US" sz="1600" dirty="0">
+                <a:solidFill>
+                  <a:srgbClr val="1D1C1D"/>
+                </a:solidFill>
+                <a:latin typeface="Arial"/>
+                <a:ea typeface="Arial"/>
+                <a:cs typeface="Arial"/>
+                <a:sym typeface="Arial"/>
+              </a:rPr>
+              <a:t>egressions</a:t>
+            </a:r>
+            <a:r>
+              <a:rPr lang="en" sz="1600" dirty="0">
+                <a:solidFill>
+                  <a:srgbClr val="1D1C1D"/>
+                </a:solidFill>
+                <a:latin typeface="Arial"/>
+                <a:ea typeface="Arial"/>
+                <a:cs typeface="Arial"/>
+                <a:sym typeface="Arial"/>
+              </a:rPr>
+              <a:t>Single/multiple, dynamic traces</a:t>
+            </a:r>
+            <a:endParaRPr lang="en-US" sz="1600" dirty="0">
               <a:solidFill>
                 <a:srgbClr val="1D1C1D"/>
               </a:solidFill>
@@ -8810,102 +9024,19 @@
             </a:endParaRPr>
           </a:p>
           <a:p>
-            <a:pPr indent="-330200" lvl="0" marL="457200" marR="76200" rtl="0" algn="l">
+            <a:pPr marL="76200" marR="76200" lvl="0" indent="0" algn="l" rtl="0">
               <a:lnSpc>
                 <a:spcPct val="150001"/>
               </a:lnSpc>
               <a:spcBef>
-                <a:spcPts val="0"/>
-              </a:spcBef>
-              <a:spcAft>
-                <a:spcPts val="0"/>
-              </a:spcAft>
-              <a:buClr>
-                <a:srgbClr val="1D1C1D"/>
-              </a:buClr>
-              <a:buSzPts val="1600"/>
-              <a:buFont typeface="Arial"/>
-              <a:buChar char="●"/>
+                <a:spcPts val="300"/>
+              </a:spcBef>
+              <a:spcAft>
+                <a:spcPts val="300"/>
+              </a:spcAft>
+              <a:buNone/>
             </a:pPr>
-            <a:r>
-              <a:rPr lang="en" sz="1600">
-                <a:solidFill>
-                  <a:srgbClr val="1D1C1D"/>
-                </a:solidFill>
-                <a:latin typeface="Arial"/>
-                <a:ea typeface="Arial"/>
-                <a:cs typeface="Arial"/>
-                <a:sym typeface="Arial"/>
-              </a:rPr>
-              <a:t>Plotly</a:t>
-            </a:r>
-            <a:endParaRPr sz="1600">
-              <a:solidFill>
-                <a:srgbClr val="1D1C1D"/>
-              </a:solidFill>
-              <a:latin typeface="Arial"/>
-              <a:ea typeface="Arial"/>
-              <a:cs typeface="Arial"/>
-              <a:sym typeface="Arial"/>
-            </a:endParaRPr>
-          </a:p>
-          <a:p>
-            <a:pPr indent="-330200" lvl="0" marL="457200" marR="76200" rtl="0" algn="l">
-              <a:lnSpc>
-                <a:spcPct val="150001"/>
-              </a:lnSpc>
-              <a:spcBef>
-                <a:spcPts val="0"/>
-              </a:spcBef>
-              <a:spcAft>
-                <a:spcPts val="0"/>
-              </a:spcAft>
-              <a:buClr>
-                <a:srgbClr val="1D1C1D"/>
-              </a:buClr>
-              <a:buSzPts val="1600"/>
-              <a:buFont typeface="Arial"/>
-              <a:buChar char="●"/>
-            </a:pPr>
-            <a:r>
-              <a:rPr lang="en" sz="1600">
-                <a:solidFill>
-                  <a:srgbClr val="1D1C1D"/>
-                </a:solidFill>
-                <a:latin typeface="Arial"/>
-                <a:ea typeface="Arial"/>
-                <a:cs typeface="Arial"/>
-                <a:sym typeface="Arial"/>
-              </a:rPr>
-              <a:t>Single/multiple, dynamic traces</a:t>
-            </a:r>
-            <a:endParaRPr sz="1600">
-              <a:solidFill>
-                <a:srgbClr val="1D1C1D"/>
-              </a:solidFill>
-              <a:latin typeface="Arial"/>
-              <a:ea typeface="Arial"/>
-              <a:cs typeface="Arial"/>
-              <a:sym typeface="Arial"/>
-            </a:endParaRPr>
-          </a:p>
-          <a:p>
-            <a:pPr indent="0" lvl="0" marL="76200" marR="76200" rtl="0" algn="l">
-              <a:lnSpc>
-                <a:spcPct val="150001"/>
-              </a:lnSpc>
-              <a:spcBef>
-                <a:spcPts val="300"/>
-              </a:spcBef>
-              <a:spcAft>
-                <a:spcPts val="300"/>
-              </a:spcAft>
-              <a:buNone/>
-            </a:pPr>
-            <a:r>
-              <a:t/>
-            </a:r>
-            <a:endParaRPr sz="1700">
+            <a:endParaRPr sz="1700" dirty="0">
               <a:solidFill>
                 <a:srgbClr val="1D1C1D"/>
               </a:solidFill>
@@ -8926,11 +9057,11 @@
 </file>
 
 <file path=ppt/slides/slide4.xml><?xml version="1.0" encoding="utf-8"?>
-<p:sld xmlns:a="http://schemas.openxmlformats.org/drawingml/2006/main" xmlns:r="http://schemas.openxmlformats.org/officeDocument/2006/relationships" xmlns:mc="http://schemas.openxmlformats.org/markup-compatibility/2006" xmlns:mv="urn:schemas-microsoft-com:mac:vml" xmlns:p="http://schemas.openxmlformats.org/presentationml/2006/main" xmlns:c="http://schemas.openxmlformats.org/drawingml/2006/chart" xmlns:dgm="http://schemas.openxmlformats.org/drawingml/2006/diagram" xmlns:o="urn:schemas-microsoft-com:office:office" xmlns:v="urn:schemas-microsoft-com:vml" xmlns:pvml="urn:schemas-microsoft-com:office:powerpoint" xmlns:com="http://schemas.openxmlformats.org/drawingml/2006/compatibility" xmlns:p14="http://schemas.microsoft.com/office/powerpoint/2010/main" xmlns:p15="http://schemas.microsoft.com/office/powerpoint/2012/main" xmlns:ahyp="http://schemas.microsoft.com/office/drawing/2018/hyperlinkcolor">
+<p:sld xmlns:a="http://schemas.openxmlformats.org/drawingml/2006/main" xmlns:r="http://schemas.openxmlformats.org/officeDocument/2006/relationships" xmlns:p="http://schemas.openxmlformats.org/presentationml/2006/main">
   <p:cSld>
     <p:spTree>
       <p:nvGrpSpPr>
-        <p:cNvPr id="82" name="Shape 82"/>
+        <p:cNvPr id="1" name="Shape 82"/>
         <p:cNvGrpSpPr/>
         <p:nvPr/>
       </p:nvGrpSpPr>
@@ -8945,7 +9076,9 @@
       <p:sp>
         <p:nvSpPr>
           <p:cNvPr id="83" name="Google Shape;83;p16"/>
-          <p:cNvSpPr txBox="1"/>
+          <p:cNvSpPr txBox="1">
+            <a:spLocks noGrp="1"/>
+          </p:cNvSpPr>
           <p:nvPr>
             <p:ph type="title"/>
           </p:nvPr>
@@ -8960,12 +9093,12 @@
           </a:prstGeom>
         </p:spPr>
         <p:txBody>
-          <a:bodyPr anchorCtr="0" anchor="t" bIns="91425" lIns="91425" spcFirstLastPara="1" rIns="91425" wrap="square" tIns="91425">
+          <a:bodyPr spcFirstLastPara="1" wrap="square" lIns="91425" tIns="91425" rIns="91425" bIns="91425" anchor="t" anchorCtr="0">
             <a:noAutofit/>
           </a:bodyPr>
           <a:lstStyle/>
           <a:p>
-            <a:pPr indent="0" lvl="0" marL="0" rtl="0" algn="l">
+            <a:pPr marL="0" lvl="0" indent="0" algn="l" rtl="0">
               <a:spcBef>
                 <a:spcPts val="0"/>
               </a:spcBef>
@@ -9019,11 +9152,11 @@
 </file>
 
 <file path=ppt/slides/slide5.xml><?xml version="1.0" encoding="utf-8"?>
-<p:sld xmlns:a="http://schemas.openxmlformats.org/drawingml/2006/main" xmlns:r="http://schemas.openxmlformats.org/officeDocument/2006/relationships" xmlns:mc="http://schemas.openxmlformats.org/markup-compatibility/2006" xmlns:mv="urn:schemas-microsoft-com:mac:vml" xmlns:p="http://schemas.openxmlformats.org/presentationml/2006/main" xmlns:c="http://schemas.openxmlformats.org/drawingml/2006/chart" xmlns:dgm="http://schemas.openxmlformats.org/drawingml/2006/diagram" xmlns:o="urn:schemas-microsoft-com:office:office" xmlns:v="urn:schemas-microsoft-com:vml" xmlns:pvml="urn:schemas-microsoft-com:office:powerpoint" xmlns:com="http://schemas.openxmlformats.org/drawingml/2006/compatibility" xmlns:p14="http://schemas.microsoft.com/office/powerpoint/2010/main" xmlns:p15="http://schemas.microsoft.com/office/powerpoint/2012/main" xmlns:ahyp="http://schemas.microsoft.com/office/drawing/2018/hyperlinkcolor">
+<p:sld xmlns:a="http://schemas.openxmlformats.org/drawingml/2006/main" xmlns:r="http://schemas.openxmlformats.org/officeDocument/2006/relationships" xmlns:p="http://schemas.openxmlformats.org/presentationml/2006/main">
   <p:cSld>
     <p:spTree>
       <p:nvGrpSpPr>
-        <p:cNvPr id="88" name="Shape 88"/>
+        <p:cNvPr id="1" name="Shape 88"/>
         <p:cNvGrpSpPr/>
         <p:nvPr/>
       </p:nvGrpSpPr>
@@ -9038,7 +9171,9 @@
       <p:sp>
         <p:nvSpPr>
           <p:cNvPr id="89" name="Google Shape;89;p17"/>
-          <p:cNvSpPr txBox="1"/>
+          <p:cNvSpPr txBox="1">
+            <a:spLocks noGrp="1"/>
+          </p:cNvSpPr>
           <p:nvPr>
             <p:ph type="title"/>
           </p:nvPr>
@@ -9053,12 +9188,12 @@
           </a:prstGeom>
         </p:spPr>
         <p:txBody>
-          <a:bodyPr anchorCtr="0" anchor="t" bIns="91425" lIns="91425" spcFirstLastPara="1" rIns="91425" wrap="square" tIns="91425">
+          <a:bodyPr spcFirstLastPara="1" wrap="square" lIns="91425" tIns="91425" rIns="91425" bIns="91425" anchor="t" anchorCtr="0">
             <a:noAutofit/>
           </a:bodyPr>
           <a:lstStyle/>
           <a:p>
-            <a:pPr indent="0" lvl="0" marL="0" rtl="0" algn="l">
+            <a:pPr marL="0" lvl="0" indent="0" algn="l" rtl="0">
               <a:spcBef>
                 <a:spcPts val="0"/>
               </a:spcBef>
@@ -9069,11 +9204,7 @@
             </a:pPr>
             <a:r>
               <a:rPr lang="en"/>
-              <a:t>Cases </a:t>
-            </a:r>
-            <a:r>
-              <a:rPr lang="en"/>
-              <a:t>Per Million</a:t>
+              <a:t>Cases Per Million</a:t>
             </a:r>
             <a:endParaRPr/>
           </a:p>
@@ -9116,11 +9247,11 @@
 </file>
 
 <file path=ppt/slides/slide6.xml><?xml version="1.0" encoding="utf-8"?>
-<p:sld xmlns:a="http://schemas.openxmlformats.org/drawingml/2006/main" xmlns:r="http://schemas.openxmlformats.org/officeDocument/2006/relationships" xmlns:mc="http://schemas.openxmlformats.org/markup-compatibility/2006" xmlns:mv="urn:schemas-microsoft-com:mac:vml" xmlns:p="http://schemas.openxmlformats.org/presentationml/2006/main" xmlns:c="http://schemas.openxmlformats.org/drawingml/2006/chart" xmlns:dgm="http://schemas.openxmlformats.org/drawingml/2006/diagram" xmlns:o="urn:schemas-microsoft-com:office:office" xmlns:v="urn:schemas-microsoft-com:vml" xmlns:pvml="urn:schemas-microsoft-com:office:powerpoint" xmlns:com="http://schemas.openxmlformats.org/drawingml/2006/compatibility" xmlns:p14="http://schemas.microsoft.com/office/powerpoint/2010/main" xmlns:p15="http://schemas.microsoft.com/office/powerpoint/2012/main" xmlns:ahyp="http://schemas.microsoft.com/office/drawing/2018/hyperlinkcolor">
+<p:sld xmlns:a="http://schemas.openxmlformats.org/drawingml/2006/main" xmlns:r="http://schemas.openxmlformats.org/officeDocument/2006/relationships" xmlns:p="http://schemas.openxmlformats.org/presentationml/2006/main">
   <p:cSld>
     <p:spTree>
       <p:nvGrpSpPr>
-        <p:cNvPr id="94" name="Shape 94"/>
+        <p:cNvPr id="1" name="Shape 94"/>
         <p:cNvGrpSpPr/>
         <p:nvPr/>
       </p:nvGrpSpPr>
@@ -9135,7 +9266,9 @@
       <p:sp>
         <p:nvSpPr>
           <p:cNvPr id="95" name="Google Shape;95;p18"/>
-          <p:cNvSpPr txBox="1"/>
+          <p:cNvSpPr txBox="1">
+            <a:spLocks noGrp="1"/>
+          </p:cNvSpPr>
           <p:nvPr>
             <p:ph type="title"/>
           </p:nvPr>
@@ -9150,12 +9283,12 @@
           </a:prstGeom>
         </p:spPr>
         <p:txBody>
-          <a:bodyPr anchorCtr="0" anchor="t" bIns="91425" lIns="91425" spcFirstLastPara="1" rIns="91425" wrap="square" tIns="91425">
+          <a:bodyPr spcFirstLastPara="1" wrap="square" lIns="91425" tIns="91425" rIns="91425" bIns="91425" anchor="t" anchorCtr="0">
             <a:noAutofit/>
           </a:bodyPr>
           <a:lstStyle/>
           <a:p>
-            <a:pPr indent="0" lvl="0" marL="0" rtl="0" algn="l">
+            <a:pPr marL="0" lvl="0" indent="0" algn="l" rtl="0">
               <a:spcBef>
                 <a:spcPts val="0"/>
               </a:spcBef>
@@ -9209,11 +9342,11 @@
 </file>
 
 <file path=ppt/slides/slide7.xml><?xml version="1.0" encoding="utf-8"?>
-<p:sld xmlns:a="http://schemas.openxmlformats.org/drawingml/2006/main" xmlns:r="http://schemas.openxmlformats.org/officeDocument/2006/relationships" xmlns:mc="http://schemas.openxmlformats.org/markup-compatibility/2006" xmlns:mv="urn:schemas-microsoft-com:mac:vml" xmlns:p="http://schemas.openxmlformats.org/presentationml/2006/main" xmlns:c="http://schemas.openxmlformats.org/drawingml/2006/chart" xmlns:dgm="http://schemas.openxmlformats.org/drawingml/2006/diagram" xmlns:o="urn:schemas-microsoft-com:office:office" xmlns:v="urn:schemas-microsoft-com:vml" xmlns:pvml="urn:schemas-microsoft-com:office:powerpoint" xmlns:com="http://schemas.openxmlformats.org/drawingml/2006/compatibility" xmlns:p14="http://schemas.microsoft.com/office/powerpoint/2010/main" xmlns:p15="http://schemas.microsoft.com/office/powerpoint/2012/main" xmlns:ahyp="http://schemas.microsoft.com/office/drawing/2018/hyperlinkcolor">
+<p:sld xmlns:a="http://schemas.openxmlformats.org/drawingml/2006/main" xmlns:r="http://schemas.openxmlformats.org/officeDocument/2006/relationships" xmlns:p="http://schemas.openxmlformats.org/presentationml/2006/main">
   <p:cSld>
     <p:spTree>
       <p:nvGrpSpPr>
-        <p:cNvPr id="100" name="Shape 100"/>
+        <p:cNvPr id="1" name="Shape 100"/>
         <p:cNvGrpSpPr/>
         <p:nvPr/>
       </p:nvGrpSpPr>
@@ -9228,9 +9361,11 @@
       <p:sp>
         <p:nvSpPr>
           <p:cNvPr id="101" name="Google Shape;101;p19"/>
-          <p:cNvSpPr txBox="1"/>
+          <p:cNvSpPr txBox="1">
+            <a:spLocks noGrp="1"/>
+          </p:cNvSpPr>
           <p:nvPr>
-            <p:ph idx="4294967295" type="title"/>
+            <p:ph type="title" idx="4294967295"/>
           </p:nvPr>
         </p:nvSpPr>
         <p:spPr>
@@ -9243,12 +9378,12 @@
           </a:prstGeom>
         </p:spPr>
         <p:txBody>
-          <a:bodyPr anchorCtr="0" anchor="t" bIns="91425" lIns="91425" spcFirstLastPara="1" rIns="91425" wrap="square" tIns="91425">
+          <a:bodyPr spcFirstLastPara="1" wrap="square" lIns="91425" tIns="91425" rIns="91425" bIns="91425" anchor="t" anchorCtr="0">
             <a:noAutofit/>
           </a:bodyPr>
           <a:lstStyle/>
           <a:p>
-            <a:pPr indent="0" lvl="0" marL="0" rtl="0" algn="l">
+            <a:pPr marL="0" lvl="0" indent="0" algn="l" rtl="0">
               <a:spcBef>
                 <a:spcPts val="0"/>
               </a:spcBef>
@@ -9274,11 +9409,11 @@
 </file>
 
 <file path=ppt/slides/slide8.xml><?xml version="1.0" encoding="utf-8"?>
-<p:sld xmlns:a="http://schemas.openxmlformats.org/drawingml/2006/main" xmlns:r="http://schemas.openxmlformats.org/officeDocument/2006/relationships" xmlns:mc="http://schemas.openxmlformats.org/markup-compatibility/2006" xmlns:mv="urn:schemas-microsoft-com:mac:vml" xmlns:p="http://schemas.openxmlformats.org/presentationml/2006/main" xmlns:c="http://schemas.openxmlformats.org/drawingml/2006/chart" xmlns:dgm="http://schemas.openxmlformats.org/drawingml/2006/diagram" xmlns:o="urn:schemas-microsoft-com:office:office" xmlns:v="urn:schemas-microsoft-com:vml" xmlns:pvml="urn:schemas-microsoft-com:office:powerpoint" xmlns:com="http://schemas.openxmlformats.org/drawingml/2006/compatibility" xmlns:p14="http://schemas.microsoft.com/office/powerpoint/2010/main" xmlns:p15="http://schemas.microsoft.com/office/powerpoint/2012/main" xmlns:ahyp="http://schemas.microsoft.com/office/drawing/2018/hyperlinkcolor">
+<p:sld xmlns:a="http://schemas.openxmlformats.org/drawingml/2006/main" xmlns:r="http://schemas.openxmlformats.org/officeDocument/2006/relationships" xmlns:p="http://schemas.openxmlformats.org/presentationml/2006/main">
   <p:cSld>
     <p:spTree>
       <p:nvGrpSpPr>
-        <p:cNvPr id="105" name="Shape 105"/>
+        <p:cNvPr id="1" name="Shape 105"/>
         <p:cNvGrpSpPr/>
         <p:nvPr/>
       </p:nvGrpSpPr>
@@ -9293,7 +9428,9 @@
       <p:sp>
         <p:nvSpPr>
           <p:cNvPr id="106" name="Google Shape;106;p20"/>
-          <p:cNvSpPr txBox="1"/>
+          <p:cNvSpPr txBox="1">
+            <a:spLocks noGrp="1"/>
+          </p:cNvSpPr>
           <p:nvPr>
             <p:ph type="title"/>
           </p:nvPr>
@@ -9308,12 +9445,12 @@
           </a:prstGeom>
         </p:spPr>
         <p:txBody>
-          <a:bodyPr anchorCtr="0" anchor="t" bIns="91425" lIns="91425" spcFirstLastPara="1" rIns="91425" wrap="square" tIns="91425">
+          <a:bodyPr spcFirstLastPara="1" wrap="square" lIns="91425" tIns="91425" rIns="91425" bIns="91425" anchor="t" anchorCtr="0">
             <a:noAutofit/>
           </a:bodyPr>
           <a:lstStyle/>
           <a:p>
-            <a:pPr indent="0" lvl="0" marL="0" rtl="0" algn="l">
+            <a:pPr marL="0" lvl="0" indent="0" algn="l" rtl="0">
               <a:spcBef>
                 <a:spcPts val="0"/>
               </a:spcBef>
@@ -9333,9 +9470,11 @@
       <p:sp>
         <p:nvSpPr>
           <p:cNvPr id="107" name="Google Shape;107;p20"/>
-          <p:cNvSpPr txBox="1"/>
+          <p:cNvSpPr txBox="1">
+            <a:spLocks noGrp="1"/>
+          </p:cNvSpPr>
           <p:nvPr>
-            <p:ph idx="1" type="body"/>
+            <p:ph type="body" idx="1"/>
           </p:nvPr>
         </p:nvSpPr>
         <p:spPr>
@@ -9348,12 +9487,12 @@
           </a:prstGeom>
         </p:spPr>
         <p:txBody>
-          <a:bodyPr anchorCtr="0" anchor="t" bIns="91425" lIns="91425" spcFirstLastPara="1" rIns="91425" wrap="square" tIns="91425">
-            <a:noAutofit/>
+          <a:bodyPr spcFirstLastPara="1" wrap="square" lIns="91425" tIns="91425" rIns="91425" bIns="91425" anchor="t" anchorCtr="0">
+            <a:normAutofit fontScale="77500" lnSpcReduction="20000"/>
           </a:bodyPr>
           <a:lstStyle/>
           <a:p>
-            <a:pPr indent="-346075" lvl="0" marL="457200" rtl="0" algn="l">
+            <a:pPr marL="457200" lvl="0" indent="-346075" algn="l" rtl="0">
               <a:lnSpc>
                 <a:spcPct val="150000"/>
               </a:lnSpc>
@@ -9371,7 +9510,53 @@
               <a:buChar char="●"/>
             </a:pPr>
             <a:r>
-              <a:rPr lang="en" sz="1850">
+              <a:rPr lang="en-US" sz="1850" dirty="0">
+                <a:solidFill>
+                  <a:srgbClr val="1D1C1D"/>
+                </a:solidFill>
+                <a:highlight>
+                  <a:srgbClr val="FFFF00"/>
+                </a:highlight>
+                <a:latin typeface="Arial"/>
+                <a:ea typeface="Arial"/>
+                <a:cs typeface="Arial"/>
+                <a:sym typeface="Arial"/>
+              </a:rPr>
+              <a:t>The details that are changing because of the outbreak and conditions, they can be predicted using mathematical models, taking out the heuristics and judgment.</a:t>
+            </a:r>
+            <a:endParaRPr lang="en" sz="1850" dirty="0">
+              <a:solidFill>
+                <a:srgbClr val="1D1C1D"/>
+              </a:solidFill>
+              <a:highlight>
+                <a:srgbClr val="FFFF00"/>
+              </a:highlight>
+              <a:latin typeface="Arial"/>
+              <a:ea typeface="Arial"/>
+              <a:cs typeface="Arial"/>
+              <a:sym typeface="Arial"/>
+            </a:endParaRPr>
+          </a:p>
+          <a:p>
+            <a:pPr marL="457200" lvl="0" indent="-346075" algn="l" rtl="0">
+              <a:lnSpc>
+                <a:spcPct val="150000"/>
+              </a:lnSpc>
+              <a:spcBef>
+                <a:spcPts val="0"/>
+              </a:spcBef>
+              <a:spcAft>
+                <a:spcPts val="0"/>
+              </a:spcAft>
+              <a:buClr>
+                <a:srgbClr val="1D1C1D"/>
+              </a:buClr>
+              <a:buSzPts val="1850"/>
+              <a:buFont typeface="Arial"/>
+              <a:buChar char="●"/>
+            </a:pPr>
+            <a:r>
+              <a:rPr lang="en-US" sz="1850" dirty="0">
                 <a:solidFill>
                   <a:srgbClr val="1D1C1D"/>
                 </a:solidFill>
@@ -9383,9 +9568,24 @@
                 <a:cs typeface="Arial"/>
                 <a:sym typeface="Arial"/>
               </a:rPr>
-              <a:t>Prosperous countries seem to be affected more than others.</a:t>
+              <a:t>C</a:t>
             </a:r>
-            <a:endParaRPr sz="1850">
+            <a:r>
+              <a:rPr lang="en" sz="1850" dirty="0">
+                <a:solidFill>
+                  <a:srgbClr val="1D1C1D"/>
+                </a:solidFill>
+                <a:highlight>
+                  <a:srgbClr val="FFFFFF"/>
+                </a:highlight>
+                <a:latin typeface="Arial"/>
+                <a:ea typeface="Arial"/>
+                <a:cs typeface="Arial"/>
+                <a:sym typeface="Arial"/>
+              </a:rPr>
+              <a:t>ountries seem to be affected more than others.</a:t>
+            </a:r>
+            <a:endParaRPr sz="1850" dirty="0">
               <a:solidFill>
                 <a:srgbClr val="1D1C1D"/>
               </a:solidFill>
@@ -9399,7 +9599,7 @@
             </a:endParaRPr>
           </a:p>
           <a:p>
-            <a:pPr indent="-346075" lvl="0" marL="457200" rtl="0" algn="l">
+            <a:pPr marL="457200" lvl="0" indent="-346075" algn="l" rtl="0">
               <a:lnSpc>
                 <a:spcPct val="150000"/>
               </a:lnSpc>
@@ -9417,7 +9617,7 @@
               <a:buChar char="●"/>
             </a:pPr>
             <a:r>
-              <a:rPr lang="en" sz="1850">
+              <a:rPr lang="en" sz="1850" dirty="0">
                 <a:solidFill>
                   <a:srgbClr val="1D1C1D"/>
                 </a:solidFill>
@@ -9431,7 +9631,7 @@
               </a:rPr>
               <a:t>Higher spending power (GDP per capita) is not an indicator of better access to healthcare.</a:t>
             </a:r>
-            <a:endParaRPr sz="1850">
+            <a:endParaRPr sz="1850" dirty="0">
               <a:solidFill>
                 <a:srgbClr val="1D1C1D"/>
               </a:solidFill>
@@ -9445,7 +9645,7 @@
             </a:endParaRPr>
           </a:p>
           <a:p>
-            <a:pPr indent="-346075" lvl="0" marL="457200" rtl="0" algn="l">
+            <a:pPr marL="457200" lvl="0" indent="-346075" algn="l" rtl="0">
               <a:lnSpc>
                 <a:spcPct val="150000"/>
               </a:lnSpc>
@@ -9463,7 +9663,7 @@
               <a:buChar char="●"/>
             </a:pPr>
             <a:r>
-              <a:rPr lang="en" sz="1850">
+              <a:rPr lang="en" sz="1850" dirty="0">
                 <a:solidFill>
                   <a:srgbClr val="1D1C1D"/>
                 </a:solidFill>
@@ -9477,7 +9677,7 @@
               </a:rPr>
               <a:t>More hospital beds does not guarantee lower death rate.</a:t>
             </a:r>
-            <a:endParaRPr sz="1850">
+            <a:endParaRPr sz="1850" dirty="0">
               <a:solidFill>
                 <a:srgbClr val="1D1C1D"/>
               </a:solidFill>
@@ -9491,7 +9691,7 @@
             </a:endParaRPr>
           </a:p>
           <a:p>
-            <a:pPr indent="0" lvl="0" marL="0" marR="76200" rtl="0" algn="l">
+            <a:pPr marL="0" marR="76200" lvl="0" indent="0" algn="l" rtl="0">
               <a:lnSpc>
                 <a:spcPct val="150001"/>
               </a:lnSpc>
@@ -9503,10 +9703,7 @@
               </a:spcAft>
               <a:buNone/>
             </a:pPr>
-            <a:r>
-              <a:t/>
-            </a:r>
-            <a:endParaRPr sz="1600">
+            <a:endParaRPr sz="1600" dirty="0">
               <a:solidFill>
                 <a:srgbClr val="1D1C1D"/>
               </a:solidFill>
@@ -9517,7 +9714,7 @@
             </a:endParaRPr>
           </a:p>
           <a:p>
-            <a:pPr indent="0" lvl="0" marL="76200" marR="76200" rtl="0" algn="l">
+            <a:pPr marL="76200" marR="76200" lvl="0" indent="0" algn="l" rtl="0">
               <a:lnSpc>
                 <a:spcPct val="150001"/>
               </a:lnSpc>
@@ -9529,10 +9726,7 @@
               </a:spcAft>
               <a:buNone/>
             </a:pPr>
-            <a:r>
-              <a:t/>
-            </a:r>
-            <a:endParaRPr sz="1700">
+            <a:endParaRPr sz="1700" dirty="0">
               <a:solidFill>
                 <a:srgbClr val="1D1C1D"/>
               </a:solidFill>
@@ -9553,11 +9747,11 @@
 </file>
 
 <file path=ppt/slides/slide9.xml><?xml version="1.0" encoding="utf-8"?>
-<p:sld xmlns:a="http://schemas.openxmlformats.org/drawingml/2006/main" xmlns:r="http://schemas.openxmlformats.org/officeDocument/2006/relationships" xmlns:mc="http://schemas.openxmlformats.org/markup-compatibility/2006" xmlns:mv="urn:schemas-microsoft-com:mac:vml" xmlns:p="http://schemas.openxmlformats.org/presentationml/2006/main" xmlns:c="http://schemas.openxmlformats.org/drawingml/2006/chart" xmlns:dgm="http://schemas.openxmlformats.org/drawingml/2006/diagram" xmlns:o="urn:schemas-microsoft-com:office:office" xmlns:v="urn:schemas-microsoft-com:vml" xmlns:pvml="urn:schemas-microsoft-com:office:powerpoint" xmlns:com="http://schemas.openxmlformats.org/drawingml/2006/compatibility" xmlns:p14="http://schemas.microsoft.com/office/powerpoint/2010/main" xmlns:p15="http://schemas.microsoft.com/office/powerpoint/2012/main" xmlns:ahyp="http://schemas.microsoft.com/office/drawing/2018/hyperlinkcolor">
+<p:sld xmlns:a="http://schemas.openxmlformats.org/drawingml/2006/main" xmlns:r="http://schemas.openxmlformats.org/officeDocument/2006/relationships" xmlns:p="http://schemas.openxmlformats.org/presentationml/2006/main">
   <p:cSld>
     <p:spTree>
       <p:nvGrpSpPr>
-        <p:cNvPr id="111" name="Shape 111"/>
+        <p:cNvPr id="1" name="Shape 111"/>
         <p:cNvGrpSpPr/>
         <p:nvPr/>
       </p:nvGrpSpPr>
@@ -9572,7 +9766,9 @@
       <p:sp>
         <p:nvSpPr>
           <p:cNvPr id="112" name="Google Shape;112;p21"/>
-          <p:cNvSpPr txBox="1"/>
+          <p:cNvSpPr txBox="1">
+            <a:spLocks noGrp="1"/>
+          </p:cNvSpPr>
           <p:nvPr>
             <p:ph type="title"/>
           </p:nvPr>
@@ -9587,12 +9783,12 @@
           </a:prstGeom>
         </p:spPr>
         <p:txBody>
-          <a:bodyPr anchorCtr="0" anchor="b" bIns="91425" lIns="91425" spcFirstLastPara="1" rIns="91425" wrap="square" tIns="91425">
+          <a:bodyPr spcFirstLastPara="1" wrap="square" lIns="91425" tIns="91425" rIns="91425" bIns="91425" anchor="b" anchorCtr="0">
             <a:noAutofit/>
           </a:bodyPr>
           <a:lstStyle/>
           <a:p>
-            <a:pPr indent="0" lvl="0" marL="0" rtl="0" algn="l">
+            <a:pPr marL="0" lvl="0" indent="0" algn="l" rtl="0">
               <a:spcBef>
                 <a:spcPts val="0"/>
               </a:spcBef>
@@ -9618,7 +9814,7 @@
 </file>
 
 <file path=ppt/theme/theme1.xml><?xml version="1.0" encoding="utf-8"?>
-<a:theme xmlns:a="http://schemas.openxmlformats.org/drawingml/2006/main" xmlns:r="http://schemas.openxmlformats.org/officeDocument/2006/relationships" name="Paradigm">
+<a:theme xmlns:a="http://schemas.openxmlformats.org/drawingml/2006/main" name="Paradigm">
   <a:themeElements>
     <a:clrScheme name="Paradigm">
       <a:dk1>
@@ -9893,11 +10089,13 @@
       </a:bgFillStyleLst>
     </a:fmtScheme>
   </a:themeElements>
+  <a:objectDefaults/>
+  <a:extraClrSchemeLst/>
 </a:theme>
 </file>
 
 <file path=ppt/theme/theme2.xml><?xml version="1.0" encoding="utf-8"?>
-<a:theme xmlns:a="http://schemas.openxmlformats.org/drawingml/2006/main" xmlns:r="http://schemas.openxmlformats.org/officeDocument/2006/relationships">
+<a:theme xmlns:a="http://schemas.openxmlformats.org/drawingml/2006/main">
   <a:themeElements>
     <a:clrScheme name="Default">
       <a:dk1>
@@ -10172,5 +10370,7 @@
       </a:bgFillStyleLst>
     </a:fmtScheme>
   </a:themeElements>
+  <a:objectDefaults/>
+  <a:extraClrSchemeLst/>
 </a:theme>
 </file>
--- a/COVID-19.pptx
+++ b/COVID-19.pptx
@@ -5,7 +5,7 @@
     <p:sldMasterId id="2147483659" r:id="rId1"/>
   </p:sldMasterIdLst>
   <p:notesMasterIdLst>
-    <p:notesMasterId r:id="rId11"/>
+    <p:notesMasterId r:id="rId13"/>
   </p:notesMasterIdLst>
   <p:sldIdLst>
     <p:sldId id="256" r:id="rId2"/>
@@ -14,26 +14,28 @@
     <p:sldId id="259" r:id="rId5"/>
     <p:sldId id="260" r:id="rId6"/>
     <p:sldId id="261" r:id="rId7"/>
-    <p:sldId id="262" r:id="rId8"/>
-    <p:sldId id="263" r:id="rId9"/>
-    <p:sldId id="264" r:id="rId10"/>
+    <p:sldId id="265" r:id="rId8"/>
+    <p:sldId id="268" r:id="rId9"/>
+    <p:sldId id="262" r:id="rId10"/>
+    <p:sldId id="263" r:id="rId11"/>
+    <p:sldId id="264" r:id="rId12"/>
   </p:sldIdLst>
   <p:sldSz cx="9144000" cy="5143500" type="screen16x9"/>
   <p:notesSz cx="6858000" cy="9144000"/>
   <p:embeddedFontLst>
     <p:embeddedFont>
       <p:font typeface="Merriweather" panose="020B0604020202020204" charset="0"/>
-      <p:regular r:id="rId12"/>
-      <p:bold r:id="rId13"/>
-      <p:italic r:id="rId14"/>
-      <p:boldItalic r:id="rId15"/>
+      <p:regular r:id="rId14"/>
+      <p:bold r:id="rId15"/>
+      <p:italic r:id="rId16"/>
+      <p:boldItalic r:id="rId17"/>
     </p:embeddedFont>
     <p:embeddedFont>
       <p:font typeface="Roboto" panose="020B0604020202020204" charset="0"/>
-      <p:regular r:id="rId16"/>
-      <p:bold r:id="rId17"/>
-      <p:italic r:id="rId18"/>
-      <p:boldItalic r:id="rId19"/>
+      <p:regular r:id="rId18"/>
+      <p:bold r:id="rId19"/>
+      <p:italic r:id="rId20"/>
+      <p:boldItalic r:id="rId21"/>
     </p:embeddedFont>
   </p:embeddedFontLst>
   <p:defaultTextStyle>
@@ -1078,7 +1080,7 @@
         </p:nvSpPr>
         <p:spPr>
           <a:xfrm>
-            <a:off x="381300" y="685800"/>
+            <a:off x="381000" y="685800"/>
             <a:ext cx="6096000" cy="3429000"/>
           </a:xfrm>
           <a:custGeom>
@@ -1186,7 +1188,7 @@
         </p:nvSpPr>
         <p:spPr>
           <a:xfrm>
-            <a:off x="381300" y="685800"/>
+            <a:off x="381000" y="685800"/>
             <a:ext cx="6096000" cy="3429000"/>
           </a:xfrm>
           <a:custGeom>
@@ -1294,7 +1296,7 @@
         </p:nvSpPr>
         <p:spPr>
           <a:xfrm>
-            <a:off x="381300" y="685800"/>
+            <a:off x="381000" y="685800"/>
             <a:ext cx="6096000" cy="3429000"/>
           </a:xfrm>
           <a:custGeom>
@@ -8232,6 +8234,411 @@
 </p:sld>
 </file>
 
+<file path=ppt/slides/slide10.xml><?xml version="1.0" encoding="utf-8"?>
+<p:sld xmlns:a="http://schemas.openxmlformats.org/drawingml/2006/main" xmlns:r="http://schemas.openxmlformats.org/officeDocument/2006/relationships" xmlns:p="http://schemas.openxmlformats.org/presentationml/2006/main">
+  <p:cSld>
+    <p:spTree>
+      <p:nvGrpSpPr>
+        <p:cNvPr id="1" name="Shape 105"/>
+        <p:cNvGrpSpPr/>
+        <p:nvPr/>
+      </p:nvGrpSpPr>
+      <p:grpSpPr>
+        <a:xfrm>
+          <a:off x="0" y="0"/>
+          <a:ext cx="0" cy="0"/>
+          <a:chOff x="0" y="0"/>
+          <a:chExt cx="0" cy="0"/>
+        </a:xfrm>
+      </p:grpSpPr>
+      <p:sp>
+        <p:nvSpPr>
+          <p:cNvPr id="106" name="Google Shape;106;p20"/>
+          <p:cNvSpPr txBox="1">
+            <a:spLocks noGrp="1"/>
+          </p:cNvSpPr>
+          <p:nvPr>
+            <p:ph type="title"/>
+          </p:nvPr>
+        </p:nvSpPr>
+        <p:spPr>
+          <a:xfrm>
+            <a:off x="330875" y="500925"/>
+            <a:ext cx="3706500" cy="2508900"/>
+          </a:xfrm>
+          <a:prstGeom prst="rect">
+            <a:avLst/>
+          </a:prstGeom>
+        </p:spPr>
+        <p:txBody>
+          <a:bodyPr spcFirstLastPara="1" wrap="square" lIns="91425" tIns="91425" rIns="91425" bIns="91425" anchor="t" anchorCtr="0">
+            <a:noAutofit/>
+          </a:bodyPr>
+          <a:lstStyle/>
+          <a:p>
+            <a:pPr marL="0" lvl="0" indent="0" algn="l" rtl="0">
+              <a:spcBef>
+                <a:spcPts val="0"/>
+              </a:spcBef>
+              <a:spcAft>
+                <a:spcPts val="0"/>
+              </a:spcAft>
+              <a:buNone/>
+            </a:pPr>
+            <a:r>
+              <a:rPr lang="en"/>
+              <a:t>Conclusion</a:t>
+            </a:r>
+            <a:endParaRPr/>
+          </a:p>
+        </p:txBody>
+      </p:sp>
+      <p:sp>
+        <p:nvSpPr>
+          <p:cNvPr id="107" name="Google Shape;107;p20"/>
+          <p:cNvSpPr txBox="1">
+            <a:spLocks noGrp="1"/>
+          </p:cNvSpPr>
+          <p:nvPr>
+            <p:ph type="body" idx="1"/>
+          </p:nvPr>
+        </p:nvSpPr>
+        <p:spPr>
+          <a:xfrm>
+            <a:off x="4663800" y="893075"/>
+            <a:ext cx="4166400" cy="3468600"/>
+          </a:xfrm>
+          <a:prstGeom prst="rect">
+            <a:avLst/>
+          </a:prstGeom>
+        </p:spPr>
+        <p:txBody>
+          <a:bodyPr spcFirstLastPara="1" wrap="square" lIns="91425" tIns="91425" rIns="91425" bIns="91425" anchor="t" anchorCtr="0">
+            <a:normAutofit fontScale="77500" lnSpcReduction="20000"/>
+          </a:bodyPr>
+          <a:lstStyle/>
+          <a:p>
+            <a:pPr marL="457200" lvl="0" indent="-346075" algn="l" rtl="0">
+              <a:lnSpc>
+                <a:spcPct val="150000"/>
+              </a:lnSpc>
+              <a:spcBef>
+                <a:spcPts val="0"/>
+              </a:spcBef>
+              <a:spcAft>
+                <a:spcPts val="0"/>
+              </a:spcAft>
+              <a:buClr>
+                <a:srgbClr val="1D1C1D"/>
+              </a:buClr>
+              <a:buSzPts val="1850"/>
+              <a:buFont typeface="Arial"/>
+              <a:buChar char="●"/>
+            </a:pPr>
+            <a:r>
+              <a:rPr lang="en-US" sz="1850" dirty="0">
+                <a:solidFill>
+                  <a:srgbClr val="1D1C1D"/>
+                </a:solidFill>
+                <a:highlight>
+                  <a:srgbClr val="FFFF00"/>
+                </a:highlight>
+                <a:latin typeface="Arial"/>
+                <a:ea typeface="Arial"/>
+                <a:cs typeface="Arial"/>
+                <a:sym typeface="Arial"/>
+              </a:rPr>
+              <a:t>The details that are changing because of the outbreak and conditions, they can be predicted using mathematical models, taking out the heuristics and judgment.</a:t>
+            </a:r>
+            <a:endParaRPr lang="en" sz="1850" dirty="0">
+              <a:solidFill>
+                <a:srgbClr val="1D1C1D"/>
+              </a:solidFill>
+              <a:highlight>
+                <a:srgbClr val="FFFF00"/>
+              </a:highlight>
+              <a:latin typeface="Arial"/>
+              <a:ea typeface="Arial"/>
+              <a:cs typeface="Arial"/>
+              <a:sym typeface="Arial"/>
+            </a:endParaRPr>
+          </a:p>
+          <a:p>
+            <a:pPr marL="457200" lvl="0" indent="-346075" algn="l" rtl="0">
+              <a:lnSpc>
+                <a:spcPct val="150000"/>
+              </a:lnSpc>
+              <a:spcBef>
+                <a:spcPts val="0"/>
+              </a:spcBef>
+              <a:spcAft>
+                <a:spcPts val="0"/>
+              </a:spcAft>
+              <a:buClr>
+                <a:srgbClr val="1D1C1D"/>
+              </a:buClr>
+              <a:buSzPts val="1850"/>
+              <a:buFont typeface="Arial"/>
+              <a:buChar char="●"/>
+            </a:pPr>
+            <a:r>
+              <a:rPr lang="en-US" sz="1850" dirty="0">
+                <a:solidFill>
+                  <a:srgbClr val="1D1C1D"/>
+                </a:solidFill>
+                <a:highlight>
+                  <a:srgbClr val="FFFFFF"/>
+                </a:highlight>
+                <a:latin typeface="Arial"/>
+                <a:ea typeface="Arial"/>
+                <a:cs typeface="Arial"/>
+                <a:sym typeface="Arial"/>
+              </a:rPr>
+              <a:t>C</a:t>
+            </a:r>
+            <a:r>
+              <a:rPr lang="en" sz="1850" dirty="0">
+                <a:solidFill>
+                  <a:srgbClr val="1D1C1D"/>
+                </a:solidFill>
+                <a:highlight>
+                  <a:srgbClr val="FFFFFF"/>
+                </a:highlight>
+                <a:latin typeface="Arial"/>
+                <a:ea typeface="Arial"/>
+                <a:cs typeface="Arial"/>
+                <a:sym typeface="Arial"/>
+              </a:rPr>
+              <a:t>ountries seem to be affected more than others.</a:t>
+            </a:r>
+            <a:endParaRPr sz="1850" dirty="0">
+              <a:solidFill>
+                <a:srgbClr val="1D1C1D"/>
+              </a:solidFill>
+              <a:highlight>
+                <a:srgbClr val="FFFFFF"/>
+              </a:highlight>
+              <a:latin typeface="Arial"/>
+              <a:ea typeface="Arial"/>
+              <a:cs typeface="Arial"/>
+              <a:sym typeface="Arial"/>
+            </a:endParaRPr>
+          </a:p>
+          <a:p>
+            <a:pPr marL="457200" lvl="0" indent="-346075" algn="l" rtl="0">
+              <a:lnSpc>
+                <a:spcPct val="150000"/>
+              </a:lnSpc>
+              <a:spcBef>
+                <a:spcPts val="0"/>
+              </a:spcBef>
+              <a:spcAft>
+                <a:spcPts val="0"/>
+              </a:spcAft>
+              <a:buClr>
+                <a:srgbClr val="1D1C1D"/>
+              </a:buClr>
+              <a:buSzPts val="1850"/>
+              <a:buFont typeface="Arial"/>
+              <a:buChar char="●"/>
+            </a:pPr>
+            <a:r>
+              <a:rPr lang="en" sz="1850" dirty="0">
+                <a:solidFill>
+                  <a:srgbClr val="1D1C1D"/>
+                </a:solidFill>
+                <a:highlight>
+                  <a:srgbClr val="FFFFFF"/>
+                </a:highlight>
+                <a:latin typeface="Arial"/>
+                <a:ea typeface="Arial"/>
+                <a:cs typeface="Arial"/>
+                <a:sym typeface="Arial"/>
+              </a:rPr>
+              <a:t>Higher spending power (GDP per capita) is not an indicator of better access to healthcare.</a:t>
+            </a:r>
+            <a:endParaRPr sz="1850" dirty="0">
+              <a:solidFill>
+                <a:srgbClr val="1D1C1D"/>
+              </a:solidFill>
+              <a:highlight>
+                <a:srgbClr val="FFFFFF"/>
+              </a:highlight>
+              <a:latin typeface="Arial"/>
+              <a:ea typeface="Arial"/>
+              <a:cs typeface="Arial"/>
+              <a:sym typeface="Arial"/>
+            </a:endParaRPr>
+          </a:p>
+          <a:p>
+            <a:pPr marL="457200" lvl="0" indent="-346075" algn="l" rtl="0">
+              <a:lnSpc>
+                <a:spcPct val="150000"/>
+              </a:lnSpc>
+              <a:spcBef>
+                <a:spcPts val="0"/>
+              </a:spcBef>
+              <a:spcAft>
+                <a:spcPts val="0"/>
+              </a:spcAft>
+              <a:buClr>
+                <a:srgbClr val="1D1C1D"/>
+              </a:buClr>
+              <a:buSzPts val="1850"/>
+              <a:buFont typeface="Arial"/>
+              <a:buChar char="●"/>
+            </a:pPr>
+            <a:r>
+              <a:rPr lang="en" sz="1850" dirty="0">
+                <a:solidFill>
+                  <a:srgbClr val="1D1C1D"/>
+                </a:solidFill>
+                <a:highlight>
+                  <a:srgbClr val="FFFFFF"/>
+                </a:highlight>
+                <a:latin typeface="Arial"/>
+                <a:ea typeface="Arial"/>
+                <a:cs typeface="Arial"/>
+                <a:sym typeface="Arial"/>
+              </a:rPr>
+              <a:t>More hospital beds does not guarantee lower death rate.</a:t>
+            </a:r>
+            <a:endParaRPr sz="1850" dirty="0">
+              <a:solidFill>
+                <a:srgbClr val="1D1C1D"/>
+              </a:solidFill>
+              <a:highlight>
+                <a:srgbClr val="FFFFFF"/>
+              </a:highlight>
+              <a:latin typeface="Arial"/>
+              <a:ea typeface="Arial"/>
+              <a:cs typeface="Arial"/>
+              <a:sym typeface="Arial"/>
+            </a:endParaRPr>
+          </a:p>
+          <a:p>
+            <a:pPr marL="0" marR="76200" lvl="0" indent="0" algn="l" rtl="0">
+              <a:lnSpc>
+                <a:spcPct val="150001"/>
+              </a:lnSpc>
+              <a:spcBef>
+                <a:spcPts val="300"/>
+              </a:spcBef>
+              <a:spcAft>
+                <a:spcPts val="0"/>
+              </a:spcAft>
+              <a:buNone/>
+            </a:pPr>
+            <a:endParaRPr sz="1600" dirty="0">
+              <a:solidFill>
+                <a:srgbClr val="1D1C1D"/>
+              </a:solidFill>
+              <a:latin typeface="Arial"/>
+              <a:ea typeface="Arial"/>
+              <a:cs typeface="Arial"/>
+              <a:sym typeface="Arial"/>
+            </a:endParaRPr>
+          </a:p>
+          <a:p>
+            <a:pPr marL="76200" marR="76200" lvl="0" indent="0" algn="l" rtl="0">
+              <a:lnSpc>
+                <a:spcPct val="150001"/>
+              </a:lnSpc>
+              <a:spcBef>
+                <a:spcPts val="300"/>
+              </a:spcBef>
+              <a:spcAft>
+                <a:spcPts val="300"/>
+              </a:spcAft>
+              <a:buNone/>
+            </a:pPr>
+            <a:endParaRPr sz="1700" dirty="0">
+              <a:solidFill>
+                <a:srgbClr val="1D1C1D"/>
+              </a:solidFill>
+              <a:latin typeface="Arial"/>
+              <a:ea typeface="Arial"/>
+              <a:cs typeface="Arial"/>
+              <a:sym typeface="Arial"/>
+            </a:endParaRPr>
+          </a:p>
+        </p:txBody>
+      </p:sp>
+    </p:spTree>
+  </p:cSld>
+  <p:clrMapOvr>
+    <a:masterClrMapping/>
+  </p:clrMapOvr>
+</p:sld>
+</file>
+
+<file path=ppt/slides/slide11.xml><?xml version="1.0" encoding="utf-8"?>
+<p:sld xmlns:a="http://schemas.openxmlformats.org/drawingml/2006/main" xmlns:r="http://schemas.openxmlformats.org/officeDocument/2006/relationships" xmlns:p="http://schemas.openxmlformats.org/presentationml/2006/main">
+  <p:cSld>
+    <p:spTree>
+      <p:nvGrpSpPr>
+        <p:cNvPr id="1" name="Shape 111"/>
+        <p:cNvGrpSpPr/>
+        <p:nvPr/>
+      </p:nvGrpSpPr>
+      <p:grpSpPr>
+        <a:xfrm>
+          <a:off x="0" y="0"/>
+          <a:ext cx="0" cy="0"/>
+          <a:chOff x="0" y="0"/>
+          <a:chExt cx="0" cy="0"/>
+        </a:xfrm>
+      </p:grpSpPr>
+      <p:sp>
+        <p:nvSpPr>
+          <p:cNvPr id="112" name="Google Shape;112;p21"/>
+          <p:cNvSpPr txBox="1">
+            <a:spLocks noGrp="1"/>
+          </p:cNvSpPr>
+          <p:nvPr>
+            <p:ph type="title"/>
+          </p:nvPr>
+        </p:nvSpPr>
+        <p:spPr>
+          <a:xfrm>
+            <a:off x="311750" y="831175"/>
+            <a:ext cx="5334900" cy="1244700"/>
+          </a:xfrm>
+          <a:prstGeom prst="rect">
+            <a:avLst/>
+          </a:prstGeom>
+        </p:spPr>
+        <p:txBody>
+          <a:bodyPr spcFirstLastPara="1" wrap="square" lIns="91425" tIns="91425" rIns="91425" bIns="91425" anchor="b" anchorCtr="0">
+            <a:noAutofit/>
+          </a:bodyPr>
+          <a:lstStyle/>
+          <a:p>
+            <a:pPr marL="0" lvl="0" indent="0" algn="l" rtl="0">
+              <a:spcBef>
+                <a:spcPts val="0"/>
+              </a:spcBef>
+              <a:spcAft>
+                <a:spcPts val="0"/>
+              </a:spcAft>
+              <a:buNone/>
+            </a:pPr>
+            <a:r>
+              <a:rPr lang="en" sz="5000"/>
+              <a:t>Questions?</a:t>
+            </a:r>
+            <a:endParaRPr sz="5000"/>
+          </a:p>
+        </p:txBody>
+      </p:sp>
+    </p:spTree>
+  </p:cSld>
+  <p:clrMapOvr>
+    <a:masterClrMapping/>
+  </p:clrMapOvr>
+</p:sld>
+</file>
+
 <file path=ppt/slides/slide2.xml><?xml version="1.0" encoding="utf-8"?>
 <p:sld xmlns:a="http://schemas.openxmlformats.org/drawingml/2006/main" xmlns:r="http://schemas.openxmlformats.org/officeDocument/2006/relationships" xmlns:p="http://schemas.openxmlformats.org/presentationml/2006/main">
   <p:cSld>
@@ -9117,29 +9524,36 @@
       </p:sp>
       <p:pic>
         <p:nvPicPr>
-          <p:cNvPr id="84" name="Google Shape;84;p16"/>
-          <p:cNvPicPr preferRelativeResize="0"/>
+          <p:cNvPr id="3" name="Picture 2">
+            <a:extLst>
+              <a:ext uri="{FF2B5EF4-FFF2-40B4-BE49-F238E27FC236}">
+                <a16:creationId xmlns:a16="http://schemas.microsoft.com/office/drawing/2014/main" id="{1CA0CCFE-34D9-467A-ACAC-4AFD814993A9}"/>
+              </a:ext>
+            </a:extLst>
+          </p:cNvPr>
+          <p:cNvPicPr>
+            <a:picLocks noChangeAspect="1"/>
+          </p:cNvPicPr>
           <p:nvPr/>
         </p:nvPicPr>
         <p:blipFill>
-          <a:blip r:embed="rId3">
-            <a:alphaModFix/>
-          </a:blip>
+          <a:blip r:embed="rId3"/>
           <a:stretch>
             <a:fillRect/>
           </a:stretch>
         </p:blipFill>
         <p:spPr>
           <a:xfrm>
-            <a:off x="152400" y="1277025"/>
-            <a:ext cx="8108300" cy="3714075"/>
+            <a:off x="0" y="1317812"/>
+            <a:ext cx="9130553" cy="3981465"/>
           </a:xfrm>
           <a:prstGeom prst="rect">
             <a:avLst/>
           </a:prstGeom>
-          <a:noFill/>
           <a:ln>
-            <a:noFill/>
+            <a:solidFill>
+              <a:schemeClr val="accent1"/>
+            </a:solidFill>
           </a:ln>
         </p:spPr>
       </p:pic>
@@ -9212,29 +9626,36 @@
       </p:sp>
       <p:pic>
         <p:nvPicPr>
-          <p:cNvPr id="90" name="Google Shape;90;p17"/>
-          <p:cNvPicPr preferRelativeResize="0"/>
+          <p:cNvPr id="2" name="Picture 1">
+            <a:extLst>
+              <a:ext uri="{FF2B5EF4-FFF2-40B4-BE49-F238E27FC236}">
+                <a16:creationId xmlns:a16="http://schemas.microsoft.com/office/drawing/2014/main" id="{7199382B-1BFA-4059-907C-8A97A57BA21A}"/>
+              </a:ext>
+            </a:extLst>
+          </p:cNvPr>
+          <p:cNvPicPr>
+            <a:picLocks noChangeAspect="1"/>
+          </p:cNvPicPr>
           <p:nvPr/>
         </p:nvPicPr>
         <p:blipFill>
-          <a:blip r:embed="rId3">
-            <a:alphaModFix/>
-          </a:blip>
+          <a:blip r:embed="rId3"/>
           <a:stretch>
             <a:fillRect/>
           </a:stretch>
         </p:blipFill>
         <p:spPr>
           <a:xfrm>
-            <a:off x="151000" y="1309175"/>
-            <a:ext cx="8067622" cy="3834325"/>
+            <a:off x="0" y="1309174"/>
+            <a:ext cx="9144000" cy="3834325"/>
           </a:xfrm>
           <a:prstGeom prst="rect">
             <a:avLst/>
           </a:prstGeom>
-          <a:noFill/>
           <a:ln>
-            <a:noFill/>
+            <a:solidFill>
+              <a:schemeClr val="accent1"/>
+            </a:solidFill>
           </a:ln>
         </p:spPr>
       </p:pic>
@@ -9298,38 +9719,45 @@
               <a:buNone/>
             </a:pPr>
             <a:r>
-              <a:rPr lang="en"/>
+              <a:rPr lang="en" dirty="0"/>
               <a:t>GDP vs. Hospital Beds</a:t>
             </a:r>
-            <a:endParaRPr/>
+            <a:endParaRPr dirty="0"/>
           </a:p>
         </p:txBody>
       </p:sp>
       <p:pic>
         <p:nvPicPr>
-          <p:cNvPr id="96" name="Google Shape;96;p18"/>
-          <p:cNvPicPr preferRelativeResize="0"/>
+          <p:cNvPr id="2" name="Picture 1">
+            <a:extLst>
+              <a:ext uri="{FF2B5EF4-FFF2-40B4-BE49-F238E27FC236}">
+                <a16:creationId xmlns:a16="http://schemas.microsoft.com/office/drawing/2014/main" id="{8BCEA10A-6756-48B1-800F-0605998B17FB}"/>
+              </a:ext>
+            </a:extLst>
+          </p:cNvPr>
+          <p:cNvPicPr>
+            <a:picLocks noChangeAspect="1"/>
+          </p:cNvPicPr>
           <p:nvPr/>
         </p:nvPicPr>
         <p:blipFill>
-          <a:blip r:embed="rId3">
-            <a:alphaModFix/>
-          </a:blip>
+          <a:blip r:embed="rId3"/>
           <a:stretch>
             <a:fillRect/>
           </a:stretch>
         </p:blipFill>
         <p:spPr>
           <a:xfrm>
-            <a:off x="152400" y="1277025"/>
-            <a:ext cx="8444554" cy="3714075"/>
+            <a:off x="0" y="1297641"/>
+            <a:ext cx="9144000" cy="4871170"/>
           </a:xfrm>
           <a:prstGeom prst="rect">
             <a:avLst/>
           </a:prstGeom>
-          <a:noFill/>
           <a:ln>
-            <a:noFill/>
+            <a:solidFill>
+              <a:schemeClr val="accent1"/>
+            </a:solidFill>
           </a:ln>
         </p:spPr>
       </p:pic>
@@ -9342,6 +9770,192 @@
 </file>
 
 <file path=ppt/slides/slide7.xml><?xml version="1.0" encoding="utf-8"?>
+<p:sld xmlns:a="http://schemas.openxmlformats.org/drawingml/2006/main" xmlns:r="http://schemas.openxmlformats.org/officeDocument/2006/relationships" xmlns:p="http://schemas.openxmlformats.org/presentationml/2006/main">
+  <p:cSld>
+    <p:spTree>
+      <p:nvGrpSpPr>
+        <p:cNvPr id="1" name=""/>
+        <p:cNvGrpSpPr/>
+        <p:nvPr/>
+      </p:nvGrpSpPr>
+      <p:grpSpPr>
+        <a:xfrm>
+          <a:off x="0" y="0"/>
+          <a:ext cx="0" cy="0"/>
+          <a:chOff x="0" y="0"/>
+          <a:chExt cx="0" cy="0"/>
+        </a:xfrm>
+      </p:grpSpPr>
+      <p:sp>
+        <p:nvSpPr>
+          <p:cNvPr id="2" name="Title 1">
+            <a:extLst>
+              <a:ext uri="{FF2B5EF4-FFF2-40B4-BE49-F238E27FC236}">
+                <a16:creationId xmlns:a16="http://schemas.microsoft.com/office/drawing/2014/main" id="{224632E3-E252-4C28-B95A-8FC6A47F86BA}"/>
+              </a:ext>
+            </a:extLst>
+          </p:cNvPr>
+          <p:cNvSpPr>
+            <a:spLocks noGrp="1"/>
+          </p:cNvSpPr>
+          <p:nvPr>
+            <p:ph type="title"/>
+          </p:nvPr>
+        </p:nvSpPr>
+        <p:spPr/>
+        <p:txBody>
+          <a:bodyPr/>
+          <a:lstStyle/>
+          <a:p>
+            <a:r>
+              <a:rPr lang="en-US" dirty="0"/>
+              <a:t>Custom axes selected from list</a:t>
+            </a:r>
+          </a:p>
+        </p:txBody>
+      </p:sp>
+      <p:pic>
+        <p:nvPicPr>
+          <p:cNvPr id="3" name="Picture 2">
+            <a:extLst>
+              <a:ext uri="{FF2B5EF4-FFF2-40B4-BE49-F238E27FC236}">
+                <a16:creationId xmlns:a16="http://schemas.microsoft.com/office/drawing/2014/main" id="{3692BEC6-10C6-430E-9092-1B18DA65C62D}"/>
+              </a:ext>
+            </a:extLst>
+          </p:cNvPr>
+          <p:cNvPicPr>
+            <a:picLocks noChangeAspect="1"/>
+          </p:cNvPicPr>
+          <p:nvPr/>
+        </p:nvPicPr>
+        <p:blipFill>
+          <a:blip r:embed="rId2"/>
+          <a:stretch>
+            <a:fillRect/>
+          </a:stretch>
+        </p:blipFill>
+        <p:spPr>
+          <a:xfrm>
+            <a:off x="0" y="1317812"/>
+            <a:ext cx="9144000" cy="3825688"/>
+          </a:xfrm>
+          <a:prstGeom prst="rect">
+            <a:avLst/>
+          </a:prstGeom>
+          <a:ln>
+            <a:solidFill>
+              <a:schemeClr val="accent1"/>
+            </a:solidFill>
+          </a:ln>
+        </p:spPr>
+      </p:pic>
+    </p:spTree>
+    <p:extLst>
+      <p:ext uri="{BB962C8B-B14F-4D97-AF65-F5344CB8AC3E}">
+        <p14:creationId xmlns:p14="http://schemas.microsoft.com/office/powerpoint/2010/main" val="3206700948"/>
+      </p:ext>
+    </p:extLst>
+  </p:cSld>
+  <p:clrMapOvr>
+    <a:masterClrMapping/>
+  </p:clrMapOvr>
+</p:sld>
+</file>
+
+<file path=ppt/slides/slide8.xml><?xml version="1.0" encoding="utf-8"?>
+<p:sld xmlns:a="http://schemas.openxmlformats.org/drawingml/2006/main" xmlns:r="http://schemas.openxmlformats.org/officeDocument/2006/relationships" xmlns:p="http://schemas.openxmlformats.org/presentationml/2006/main">
+  <p:cSld>
+    <p:spTree>
+      <p:nvGrpSpPr>
+        <p:cNvPr id="1" name=""/>
+        <p:cNvGrpSpPr/>
+        <p:nvPr/>
+      </p:nvGrpSpPr>
+      <p:grpSpPr>
+        <a:xfrm>
+          <a:off x="0" y="0"/>
+          <a:ext cx="0" cy="0"/>
+          <a:chOff x="0" y="0"/>
+          <a:chExt cx="0" cy="0"/>
+        </a:xfrm>
+      </p:grpSpPr>
+      <p:sp>
+        <p:nvSpPr>
+          <p:cNvPr id="2" name="Title 1">
+            <a:extLst>
+              <a:ext uri="{FF2B5EF4-FFF2-40B4-BE49-F238E27FC236}">
+                <a16:creationId xmlns:a16="http://schemas.microsoft.com/office/drawing/2014/main" id="{224632E3-E252-4C28-B95A-8FC6A47F86BA}"/>
+              </a:ext>
+            </a:extLst>
+          </p:cNvPr>
+          <p:cNvSpPr>
+            <a:spLocks noGrp="1"/>
+          </p:cNvSpPr>
+          <p:nvPr>
+            <p:ph type="title"/>
+          </p:nvPr>
+        </p:nvSpPr>
+        <p:spPr/>
+        <p:txBody>
+          <a:bodyPr/>
+          <a:lstStyle/>
+          <a:p>
+            <a:r>
+              <a:rPr lang="en-US" dirty="0"/>
+              <a:t>Predicting cases using machine learning</a:t>
+            </a:r>
+          </a:p>
+        </p:txBody>
+      </p:sp>
+      <p:pic>
+        <p:nvPicPr>
+          <p:cNvPr id="4" name="Picture 3">
+            <a:extLst>
+              <a:ext uri="{FF2B5EF4-FFF2-40B4-BE49-F238E27FC236}">
+                <a16:creationId xmlns:a16="http://schemas.microsoft.com/office/drawing/2014/main" id="{2C84264B-BF4D-4F67-ACD4-968A8B191287}"/>
+              </a:ext>
+            </a:extLst>
+          </p:cNvPr>
+          <p:cNvPicPr>
+            <a:picLocks noChangeAspect="1"/>
+          </p:cNvPicPr>
+          <p:nvPr/>
+        </p:nvPicPr>
+        <p:blipFill>
+          <a:blip r:embed="rId2"/>
+          <a:stretch>
+            <a:fillRect/>
+          </a:stretch>
+        </p:blipFill>
+        <p:spPr>
+          <a:xfrm>
+            <a:off x="0" y="1253836"/>
+            <a:ext cx="9144000" cy="3889664"/>
+          </a:xfrm>
+          <a:prstGeom prst="rect">
+            <a:avLst/>
+          </a:prstGeom>
+          <a:ln>
+            <a:solidFill>
+              <a:schemeClr val="accent1"/>
+            </a:solidFill>
+          </a:ln>
+        </p:spPr>
+      </p:pic>
+    </p:spTree>
+    <p:extLst>
+      <p:ext uri="{BB962C8B-B14F-4D97-AF65-F5344CB8AC3E}">
+        <p14:creationId xmlns:p14="http://schemas.microsoft.com/office/powerpoint/2010/main" val="2328864383"/>
+      </p:ext>
+    </p:extLst>
+  </p:cSld>
+  <p:clrMapOvr>
+    <a:masterClrMapping/>
+  </p:clrMapOvr>
+</p:sld>
+</file>
+
+<file path=ppt/slides/slide9.xml><?xml version="1.0" encoding="utf-8"?>
 <p:sld xmlns:a="http://schemas.openxmlformats.org/drawingml/2006/main" xmlns:r="http://schemas.openxmlformats.org/officeDocument/2006/relationships" xmlns:p="http://schemas.openxmlformats.org/presentationml/2006/main">
   <p:cSld>
     <p:spTree>
@@ -9395,411 +10009,6 @@
             <a:r>
               <a:rPr lang="en" sz="5000"/>
               <a:t>Live Demo</a:t>
-            </a:r>
-            <a:endParaRPr sz="5000"/>
-          </a:p>
-        </p:txBody>
-      </p:sp>
-    </p:spTree>
-  </p:cSld>
-  <p:clrMapOvr>
-    <a:masterClrMapping/>
-  </p:clrMapOvr>
-</p:sld>
-</file>
-
-<file path=ppt/slides/slide8.xml><?xml version="1.0" encoding="utf-8"?>
-<p:sld xmlns:a="http://schemas.openxmlformats.org/drawingml/2006/main" xmlns:r="http://schemas.openxmlformats.org/officeDocument/2006/relationships" xmlns:p="http://schemas.openxmlformats.org/presentationml/2006/main">
-  <p:cSld>
-    <p:spTree>
-      <p:nvGrpSpPr>
-        <p:cNvPr id="1" name="Shape 105"/>
-        <p:cNvGrpSpPr/>
-        <p:nvPr/>
-      </p:nvGrpSpPr>
-      <p:grpSpPr>
-        <a:xfrm>
-          <a:off x="0" y="0"/>
-          <a:ext cx="0" cy="0"/>
-          <a:chOff x="0" y="0"/>
-          <a:chExt cx="0" cy="0"/>
-        </a:xfrm>
-      </p:grpSpPr>
-      <p:sp>
-        <p:nvSpPr>
-          <p:cNvPr id="106" name="Google Shape;106;p20"/>
-          <p:cNvSpPr txBox="1">
-            <a:spLocks noGrp="1"/>
-          </p:cNvSpPr>
-          <p:nvPr>
-            <p:ph type="title"/>
-          </p:nvPr>
-        </p:nvSpPr>
-        <p:spPr>
-          <a:xfrm>
-            <a:off x="330875" y="500925"/>
-            <a:ext cx="3706500" cy="2508900"/>
-          </a:xfrm>
-          <a:prstGeom prst="rect">
-            <a:avLst/>
-          </a:prstGeom>
-        </p:spPr>
-        <p:txBody>
-          <a:bodyPr spcFirstLastPara="1" wrap="square" lIns="91425" tIns="91425" rIns="91425" bIns="91425" anchor="t" anchorCtr="0">
-            <a:noAutofit/>
-          </a:bodyPr>
-          <a:lstStyle/>
-          <a:p>
-            <a:pPr marL="0" lvl="0" indent="0" algn="l" rtl="0">
-              <a:spcBef>
-                <a:spcPts val="0"/>
-              </a:spcBef>
-              <a:spcAft>
-                <a:spcPts val="0"/>
-              </a:spcAft>
-              <a:buNone/>
-            </a:pPr>
-            <a:r>
-              <a:rPr lang="en"/>
-              <a:t>Conclusion</a:t>
-            </a:r>
-            <a:endParaRPr/>
-          </a:p>
-        </p:txBody>
-      </p:sp>
-      <p:sp>
-        <p:nvSpPr>
-          <p:cNvPr id="107" name="Google Shape;107;p20"/>
-          <p:cNvSpPr txBox="1">
-            <a:spLocks noGrp="1"/>
-          </p:cNvSpPr>
-          <p:nvPr>
-            <p:ph type="body" idx="1"/>
-          </p:nvPr>
-        </p:nvSpPr>
-        <p:spPr>
-          <a:xfrm>
-            <a:off x="4663800" y="893075"/>
-            <a:ext cx="4166400" cy="3468600"/>
-          </a:xfrm>
-          <a:prstGeom prst="rect">
-            <a:avLst/>
-          </a:prstGeom>
-        </p:spPr>
-        <p:txBody>
-          <a:bodyPr spcFirstLastPara="1" wrap="square" lIns="91425" tIns="91425" rIns="91425" bIns="91425" anchor="t" anchorCtr="0">
-            <a:normAutofit fontScale="77500" lnSpcReduction="20000"/>
-          </a:bodyPr>
-          <a:lstStyle/>
-          <a:p>
-            <a:pPr marL="457200" lvl="0" indent="-346075" algn="l" rtl="0">
-              <a:lnSpc>
-                <a:spcPct val="150000"/>
-              </a:lnSpc>
-              <a:spcBef>
-                <a:spcPts val="0"/>
-              </a:spcBef>
-              <a:spcAft>
-                <a:spcPts val="0"/>
-              </a:spcAft>
-              <a:buClr>
-                <a:srgbClr val="1D1C1D"/>
-              </a:buClr>
-              <a:buSzPts val="1850"/>
-              <a:buFont typeface="Arial"/>
-              <a:buChar char="●"/>
-            </a:pPr>
-            <a:r>
-              <a:rPr lang="en-US" sz="1850" dirty="0">
-                <a:solidFill>
-                  <a:srgbClr val="1D1C1D"/>
-                </a:solidFill>
-                <a:highlight>
-                  <a:srgbClr val="FFFF00"/>
-                </a:highlight>
-                <a:latin typeface="Arial"/>
-                <a:ea typeface="Arial"/>
-                <a:cs typeface="Arial"/>
-                <a:sym typeface="Arial"/>
-              </a:rPr>
-              <a:t>The details that are changing because of the outbreak and conditions, they can be predicted using mathematical models, taking out the heuristics and judgment.</a:t>
-            </a:r>
-            <a:endParaRPr lang="en" sz="1850" dirty="0">
-              <a:solidFill>
-                <a:srgbClr val="1D1C1D"/>
-              </a:solidFill>
-              <a:highlight>
-                <a:srgbClr val="FFFF00"/>
-              </a:highlight>
-              <a:latin typeface="Arial"/>
-              <a:ea typeface="Arial"/>
-              <a:cs typeface="Arial"/>
-              <a:sym typeface="Arial"/>
-            </a:endParaRPr>
-          </a:p>
-          <a:p>
-            <a:pPr marL="457200" lvl="0" indent="-346075" algn="l" rtl="0">
-              <a:lnSpc>
-                <a:spcPct val="150000"/>
-              </a:lnSpc>
-              <a:spcBef>
-                <a:spcPts val="0"/>
-              </a:spcBef>
-              <a:spcAft>
-                <a:spcPts val="0"/>
-              </a:spcAft>
-              <a:buClr>
-                <a:srgbClr val="1D1C1D"/>
-              </a:buClr>
-              <a:buSzPts val="1850"/>
-              <a:buFont typeface="Arial"/>
-              <a:buChar char="●"/>
-            </a:pPr>
-            <a:r>
-              <a:rPr lang="en-US" sz="1850" dirty="0">
-                <a:solidFill>
-                  <a:srgbClr val="1D1C1D"/>
-                </a:solidFill>
-                <a:highlight>
-                  <a:srgbClr val="FFFFFF"/>
-                </a:highlight>
-                <a:latin typeface="Arial"/>
-                <a:ea typeface="Arial"/>
-                <a:cs typeface="Arial"/>
-                <a:sym typeface="Arial"/>
-              </a:rPr>
-              <a:t>C</a:t>
-            </a:r>
-            <a:r>
-              <a:rPr lang="en" sz="1850" dirty="0">
-                <a:solidFill>
-                  <a:srgbClr val="1D1C1D"/>
-                </a:solidFill>
-                <a:highlight>
-                  <a:srgbClr val="FFFFFF"/>
-                </a:highlight>
-                <a:latin typeface="Arial"/>
-                <a:ea typeface="Arial"/>
-                <a:cs typeface="Arial"/>
-                <a:sym typeface="Arial"/>
-              </a:rPr>
-              <a:t>ountries seem to be affected more than others.</a:t>
-            </a:r>
-            <a:endParaRPr sz="1850" dirty="0">
-              <a:solidFill>
-                <a:srgbClr val="1D1C1D"/>
-              </a:solidFill>
-              <a:highlight>
-                <a:srgbClr val="FFFFFF"/>
-              </a:highlight>
-              <a:latin typeface="Arial"/>
-              <a:ea typeface="Arial"/>
-              <a:cs typeface="Arial"/>
-              <a:sym typeface="Arial"/>
-            </a:endParaRPr>
-          </a:p>
-          <a:p>
-            <a:pPr marL="457200" lvl="0" indent="-346075" algn="l" rtl="0">
-              <a:lnSpc>
-                <a:spcPct val="150000"/>
-              </a:lnSpc>
-              <a:spcBef>
-                <a:spcPts val="0"/>
-              </a:spcBef>
-              <a:spcAft>
-                <a:spcPts val="0"/>
-              </a:spcAft>
-              <a:buClr>
-                <a:srgbClr val="1D1C1D"/>
-              </a:buClr>
-              <a:buSzPts val="1850"/>
-              <a:buFont typeface="Arial"/>
-              <a:buChar char="●"/>
-            </a:pPr>
-            <a:r>
-              <a:rPr lang="en" sz="1850" dirty="0">
-                <a:solidFill>
-                  <a:srgbClr val="1D1C1D"/>
-                </a:solidFill>
-                <a:highlight>
-                  <a:srgbClr val="FFFFFF"/>
-                </a:highlight>
-                <a:latin typeface="Arial"/>
-                <a:ea typeface="Arial"/>
-                <a:cs typeface="Arial"/>
-                <a:sym typeface="Arial"/>
-              </a:rPr>
-              <a:t>Higher spending power (GDP per capita) is not an indicator of better access to healthcare.</a:t>
-            </a:r>
-            <a:endParaRPr sz="1850" dirty="0">
-              <a:solidFill>
-                <a:srgbClr val="1D1C1D"/>
-              </a:solidFill>
-              <a:highlight>
-                <a:srgbClr val="FFFFFF"/>
-              </a:highlight>
-              <a:latin typeface="Arial"/>
-              <a:ea typeface="Arial"/>
-              <a:cs typeface="Arial"/>
-              <a:sym typeface="Arial"/>
-            </a:endParaRPr>
-          </a:p>
-          <a:p>
-            <a:pPr marL="457200" lvl="0" indent="-346075" algn="l" rtl="0">
-              <a:lnSpc>
-                <a:spcPct val="150000"/>
-              </a:lnSpc>
-              <a:spcBef>
-                <a:spcPts val="0"/>
-              </a:spcBef>
-              <a:spcAft>
-                <a:spcPts val="0"/>
-              </a:spcAft>
-              <a:buClr>
-                <a:srgbClr val="1D1C1D"/>
-              </a:buClr>
-              <a:buSzPts val="1850"/>
-              <a:buFont typeface="Arial"/>
-              <a:buChar char="●"/>
-            </a:pPr>
-            <a:r>
-              <a:rPr lang="en" sz="1850" dirty="0">
-                <a:solidFill>
-                  <a:srgbClr val="1D1C1D"/>
-                </a:solidFill>
-                <a:highlight>
-                  <a:srgbClr val="FFFFFF"/>
-                </a:highlight>
-                <a:latin typeface="Arial"/>
-                <a:ea typeface="Arial"/>
-                <a:cs typeface="Arial"/>
-                <a:sym typeface="Arial"/>
-              </a:rPr>
-              <a:t>More hospital beds does not guarantee lower death rate.</a:t>
-            </a:r>
-            <a:endParaRPr sz="1850" dirty="0">
-              <a:solidFill>
-                <a:srgbClr val="1D1C1D"/>
-              </a:solidFill>
-              <a:highlight>
-                <a:srgbClr val="FFFFFF"/>
-              </a:highlight>
-              <a:latin typeface="Arial"/>
-              <a:ea typeface="Arial"/>
-              <a:cs typeface="Arial"/>
-              <a:sym typeface="Arial"/>
-            </a:endParaRPr>
-          </a:p>
-          <a:p>
-            <a:pPr marL="0" marR="76200" lvl="0" indent="0" algn="l" rtl="0">
-              <a:lnSpc>
-                <a:spcPct val="150001"/>
-              </a:lnSpc>
-              <a:spcBef>
-                <a:spcPts val="300"/>
-              </a:spcBef>
-              <a:spcAft>
-                <a:spcPts val="0"/>
-              </a:spcAft>
-              <a:buNone/>
-            </a:pPr>
-            <a:endParaRPr sz="1600" dirty="0">
-              <a:solidFill>
-                <a:srgbClr val="1D1C1D"/>
-              </a:solidFill>
-              <a:latin typeface="Arial"/>
-              <a:ea typeface="Arial"/>
-              <a:cs typeface="Arial"/>
-              <a:sym typeface="Arial"/>
-            </a:endParaRPr>
-          </a:p>
-          <a:p>
-            <a:pPr marL="76200" marR="76200" lvl="0" indent="0" algn="l" rtl="0">
-              <a:lnSpc>
-                <a:spcPct val="150001"/>
-              </a:lnSpc>
-              <a:spcBef>
-                <a:spcPts val="300"/>
-              </a:spcBef>
-              <a:spcAft>
-                <a:spcPts val="300"/>
-              </a:spcAft>
-              <a:buNone/>
-            </a:pPr>
-            <a:endParaRPr sz="1700" dirty="0">
-              <a:solidFill>
-                <a:srgbClr val="1D1C1D"/>
-              </a:solidFill>
-              <a:latin typeface="Arial"/>
-              <a:ea typeface="Arial"/>
-              <a:cs typeface="Arial"/>
-              <a:sym typeface="Arial"/>
-            </a:endParaRPr>
-          </a:p>
-        </p:txBody>
-      </p:sp>
-    </p:spTree>
-  </p:cSld>
-  <p:clrMapOvr>
-    <a:masterClrMapping/>
-  </p:clrMapOvr>
-</p:sld>
-</file>
-
-<file path=ppt/slides/slide9.xml><?xml version="1.0" encoding="utf-8"?>
-<p:sld xmlns:a="http://schemas.openxmlformats.org/drawingml/2006/main" xmlns:r="http://schemas.openxmlformats.org/officeDocument/2006/relationships" xmlns:p="http://schemas.openxmlformats.org/presentationml/2006/main">
-  <p:cSld>
-    <p:spTree>
-      <p:nvGrpSpPr>
-        <p:cNvPr id="1" name="Shape 111"/>
-        <p:cNvGrpSpPr/>
-        <p:nvPr/>
-      </p:nvGrpSpPr>
-      <p:grpSpPr>
-        <a:xfrm>
-          <a:off x="0" y="0"/>
-          <a:ext cx="0" cy="0"/>
-          <a:chOff x="0" y="0"/>
-          <a:chExt cx="0" cy="0"/>
-        </a:xfrm>
-      </p:grpSpPr>
-      <p:sp>
-        <p:nvSpPr>
-          <p:cNvPr id="112" name="Google Shape;112;p21"/>
-          <p:cNvSpPr txBox="1">
-            <a:spLocks noGrp="1"/>
-          </p:cNvSpPr>
-          <p:nvPr>
-            <p:ph type="title"/>
-          </p:nvPr>
-        </p:nvSpPr>
-        <p:spPr>
-          <a:xfrm>
-            <a:off x="311750" y="831175"/>
-            <a:ext cx="5334900" cy="1244700"/>
-          </a:xfrm>
-          <a:prstGeom prst="rect">
-            <a:avLst/>
-          </a:prstGeom>
-        </p:spPr>
-        <p:txBody>
-          <a:bodyPr spcFirstLastPara="1" wrap="square" lIns="91425" tIns="91425" rIns="91425" bIns="91425" anchor="b" anchorCtr="0">
-            <a:noAutofit/>
-          </a:bodyPr>
-          <a:lstStyle/>
-          <a:p>
-            <a:pPr marL="0" lvl="0" indent="0" algn="l" rtl="0">
-              <a:spcBef>
-                <a:spcPts val="0"/>
-              </a:spcBef>
-              <a:spcAft>
-                <a:spcPts val="0"/>
-              </a:spcAft>
-              <a:buNone/>
-            </a:pPr>
-            <a:r>
-              <a:rPr lang="en" sz="5000"/>
-              <a:t>Questions?</a:t>
             </a:r>
             <a:endParaRPr sz="5000"/>
           </a:p>

--- a/COVID-19.pptx
+++ b/COVID-19.pptx
@@ -11,11 +11,11 @@
     <p:sldId id="256" r:id="rId2"/>
     <p:sldId id="257" r:id="rId3"/>
     <p:sldId id="258" r:id="rId4"/>
-    <p:sldId id="259" r:id="rId5"/>
-    <p:sldId id="260" r:id="rId6"/>
-    <p:sldId id="261" r:id="rId7"/>
-    <p:sldId id="265" r:id="rId8"/>
-    <p:sldId id="268" r:id="rId9"/>
+    <p:sldId id="269" r:id="rId5"/>
+    <p:sldId id="270" r:id="rId6"/>
+    <p:sldId id="271" r:id="rId7"/>
+    <p:sldId id="272" r:id="rId8"/>
+    <p:sldId id="273" r:id="rId9"/>
     <p:sldId id="262" r:id="rId10"/>
     <p:sldId id="263" r:id="rId11"/>
     <p:sldId id="264" r:id="rId12"/>
@@ -835,6 +835,222 @@
 </p:notes>
 </file>
 
+<file path=ppt/notesSlides/notesSlide10.xml><?xml version="1.0" encoding="utf-8"?>
+<p:notes xmlns:a="http://schemas.openxmlformats.org/drawingml/2006/main" xmlns:r="http://schemas.openxmlformats.org/officeDocument/2006/relationships" xmlns:p="http://schemas.openxmlformats.org/presentationml/2006/main" showMasterSp="0" showMasterPhAnim="0">
+  <p:cSld>
+    <p:spTree>
+      <p:nvGrpSpPr>
+        <p:cNvPr id="1" name="Shape 102"/>
+        <p:cNvGrpSpPr/>
+        <p:nvPr/>
+      </p:nvGrpSpPr>
+      <p:grpSpPr>
+        <a:xfrm>
+          <a:off x="0" y="0"/>
+          <a:ext cx="0" cy="0"/>
+          <a:chOff x="0" y="0"/>
+          <a:chExt cx="0" cy="0"/>
+        </a:xfrm>
+      </p:grpSpPr>
+      <p:sp>
+        <p:nvSpPr>
+          <p:cNvPr id="103" name="Google Shape;103;g8bd8d25d72_2_6:notes"/>
+          <p:cNvSpPr>
+            <a:spLocks noGrp="1" noRot="1" noChangeAspect="1"/>
+          </p:cNvSpPr>
+          <p:nvPr>
+            <p:ph type="sldImg" idx="2"/>
+          </p:nvPr>
+        </p:nvSpPr>
+        <p:spPr>
+          <a:xfrm>
+            <a:off x="381000" y="685800"/>
+            <a:ext cx="6096000" cy="3429000"/>
+          </a:xfrm>
+          <a:custGeom>
+            <a:avLst/>
+            <a:gdLst/>
+            <a:ahLst/>
+            <a:cxnLst/>
+            <a:rect l="l" t="t" r="r" b="b"/>
+            <a:pathLst>
+              <a:path w="120000" h="120000" extrusionOk="0">
+                <a:moveTo>
+                  <a:pt x="0" y="0"/>
+                </a:moveTo>
+                <a:lnTo>
+                  <a:pt x="120000" y="0"/>
+                </a:lnTo>
+                <a:lnTo>
+                  <a:pt x="120000" y="120000"/>
+                </a:lnTo>
+                <a:lnTo>
+                  <a:pt x="0" y="120000"/>
+                </a:lnTo>
+                <a:close/>
+              </a:path>
+            </a:pathLst>
+          </a:custGeom>
+        </p:spPr>
+      </p:sp>
+      <p:sp>
+        <p:nvSpPr>
+          <p:cNvPr id="104" name="Google Shape;104;g8bd8d25d72_2_6:notes"/>
+          <p:cNvSpPr txBox="1">
+            <a:spLocks noGrp="1"/>
+          </p:cNvSpPr>
+          <p:nvPr>
+            <p:ph type="body" idx="1"/>
+          </p:nvPr>
+        </p:nvSpPr>
+        <p:spPr>
+          <a:xfrm>
+            <a:off x="685800" y="4343400"/>
+            <a:ext cx="5486400" cy="4114800"/>
+          </a:xfrm>
+          <a:prstGeom prst="rect">
+            <a:avLst/>
+          </a:prstGeom>
+        </p:spPr>
+        <p:txBody>
+          <a:bodyPr spcFirstLastPara="1" wrap="square" lIns="91425" tIns="91425" rIns="91425" bIns="91425" anchor="t" anchorCtr="0">
+            <a:noAutofit/>
+          </a:bodyPr>
+          <a:lstStyle/>
+          <a:p>
+            <a:pPr marL="0" lvl="0" indent="0" algn="l" rtl="0">
+              <a:spcBef>
+                <a:spcPts val="0"/>
+              </a:spcBef>
+              <a:spcAft>
+                <a:spcPts val="0"/>
+              </a:spcAft>
+              <a:buNone/>
+            </a:pPr>
+            <a:r>
+              <a:rPr lang="en"/>
+              <a:t>Presented by Alan</a:t>
+            </a:r>
+            <a:endParaRPr/>
+          </a:p>
+        </p:txBody>
+      </p:sp>
+    </p:spTree>
+  </p:cSld>
+  <p:clrMapOvr>
+    <a:masterClrMapping/>
+  </p:clrMapOvr>
+</p:notes>
+</file>
+
+<file path=ppt/notesSlides/notesSlide11.xml><?xml version="1.0" encoding="utf-8"?>
+<p:notes xmlns:a="http://schemas.openxmlformats.org/drawingml/2006/main" xmlns:r="http://schemas.openxmlformats.org/officeDocument/2006/relationships" xmlns:p="http://schemas.openxmlformats.org/presentationml/2006/main" showMasterSp="0" showMasterPhAnim="0">
+  <p:cSld>
+    <p:spTree>
+      <p:nvGrpSpPr>
+        <p:cNvPr id="1" name="Shape 108"/>
+        <p:cNvGrpSpPr/>
+        <p:nvPr/>
+      </p:nvGrpSpPr>
+      <p:grpSpPr>
+        <a:xfrm>
+          <a:off x="0" y="0"/>
+          <a:ext cx="0" cy="0"/>
+          <a:chOff x="0" y="0"/>
+          <a:chExt cx="0" cy="0"/>
+        </a:xfrm>
+      </p:grpSpPr>
+      <p:sp>
+        <p:nvSpPr>
+          <p:cNvPr id="109" name="Google Shape;109;g8bd8d25d72_2_12:notes"/>
+          <p:cNvSpPr>
+            <a:spLocks noGrp="1" noRot="1" noChangeAspect="1"/>
+          </p:cNvSpPr>
+          <p:nvPr>
+            <p:ph type="sldImg" idx="2"/>
+          </p:nvPr>
+        </p:nvSpPr>
+        <p:spPr>
+          <a:xfrm>
+            <a:off x="381000" y="685800"/>
+            <a:ext cx="6096000" cy="3429000"/>
+          </a:xfrm>
+          <a:custGeom>
+            <a:avLst/>
+            <a:gdLst/>
+            <a:ahLst/>
+            <a:cxnLst/>
+            <a:rect l="l" t="t" r="r" b="b"/>
+            <a:pathLst>
+              <a:path w="120000" h="120000" extrusionOk="0">
+                <a:moveTo>
+                  <a:pt x="0" y="0"/>
+                </a:moveTo>
+                <a:lnTo>
+                  <a:pt x="120000" y="0"/>
+                </a:lnTo>
+                <a:lnTo>
+                  <a:pt x="120000" y="120000"/>
+                </a:lnTo>
+                <a:lnTo>
+                  <a:pt x="0" y="120000"/>
+                </a:lnTo>
+                <a:close/>
+              </a:path>
+            </a:pathLst>
+          </a:custGeom>
+        </p:spPr>
+      </p:sp>
+      <p:sp>
+        <p:nvSpPr>
+          <p:cNvPr id="110" name="Google Shape;110;g8bd8d25d72_2_12:notes"/>
+          <p:cNvSpPr txBox="1">
+            <a:spLocks noGrp="1"/>
+          </p:cNvSpPr>
+          <p:nvPr>
+            <p:ph type="body" idx="1"/>
+          </p:nvPr>
+        </p:nvSpPr>
+        <p:spPr>
+          <a:xfrm>
+            <a:off x="685800" y="4343400"/>
+            <a:ext cx="5486400" cy="4114800"/>
+          </a:xfrm>
+          <a:prstGeom prst="rect">
+            <a:avLst/>
+          </a:prstGeom>
+        </p:spPr>
+        <p:txBody>
+          <a:bodyPr spcFirstLastPara="1" wrap="square" lIns="91425" tIns="91425" rIns="91425" bIns="91425" anchor="t" anchorCtr="0">
+            <a:noAutofit/>
+          </a:bodyPr>
+          <a:lstStyle/>
+          <a:p>
+            <a:pPr marL="0" lvl="0" indent="0" algn="l" rtl="0">
+              <a:spcBef>
+                <a:spcPts val="0"/>
+              </a:spcBef>
+              <a:spcAft>
+                <a:spcPts val="0"/>
+              </a:spcAft>
+              <a:buNone/>
+            </a:pPr>
+            <a:r>
+              <a:rPr lang="en"/>
+              <a:t>Presented by Alan</a:t>
+            </a:r>
+            <a:endParaRPr/>
+          </a:p>
+        </p:txBody>
+      </p:sp>
+    </p:spTree>
+  </p:cSld>
+  <p:clrMapOvr>
+    <a:masterClrMapping/>
+  </p:clrMapOvr>
+</p:notes>
+</file>
+
 <file path=ppt/notesSlides/notesSlide2.xml><?xml version="1.0" encoding="utf-8"?>
 <p:notes xmlns:a="http://schemas.openxmlformats.org/drawingml/2006/main" xmlns:r="http://schemas.openxmlformats.org/officeDocument/2006/relationships" xmlns:p="http://schemas.openxmlformats.org/presentationml/2006/main" showMasterSp="0" showMasterPhAnim="0">
   <p:cSld>
@@ -1394,6 +1610,222 @@
       </p:grpSpPr>
       <p:sp>
         <p:nvSpPr>
+          <p:cNvPr id="98" name="Google Shape;98;g8fa179197a_1_3:notes"/>
+          <p:cNvSpPr>
+            <a:spLocks noGrp="1" noRot="1" noChangeAspect="1"/>
+          </p:cNvSpPr>
+          <p:nvPr>
+            <p:ph type="sldImg" idx="2"/>
+          </p:nvPr>
+        </p:nvSpPr>
+        <p:spPr>
+          <a:xfrm>
+            <a:off x="381000" y="685800"/>
+            <a:ext cx="6096000" cy="3429000"/>
+          </a:xfrm>
+          <a:custGeom>
+            <a:avLst/>
+            <a:gdLst/>
+            <a:ahLst/>
+            <a:cxnLst/>
+            <a:rect l="l" t="t" r="r" b="b"/>
+            <a:pathLst>
+              <a:path w="120000" h="120000" extrusionOk="0">
+                <a:moveTo>
+                  <a:pt x="0" y="0"/>
+                </a:moveTo>
+                <a:lnTo>
+                  <a:pt x="120000" y="0"/>
+                </a:lnTo>
+                <a:lnTo>
+                  <a:pt x="120000" y="120000"/>
+                </a:lnTo>
+                <a:lnTo>
+                  <a:pt x="0" y="120000"/>
+                </a:lnTo>
+                <a:close/>
+              </a:path>
+            </a:pathLst>
+          </a:custGeom>
+        </p:spPr>
+      </p:sp>
+      <p:sp>
+        <p:nvSpPr>
+          <p:cNvPr id="99" name="Google Shape;99;g8fa179197a_1_3:notes"/>
+          <p:cNvSpPr txBox="1">
+            <a:spLocks noGrp="1"/>
+          </p:cNvSpPr>
+          <p:nvPr>
+            <p:ph type="body" idx="1"/>
+          </p:nvPr>
+        </p:nvSpPr>
+        <p:spPr>
+          <a:xfrm>
+            <a:off x="685800" y="4343400"/>
+            <a:ext cx="5486400" cy="4114800"/>
+          </a:xfrm>
+          <a:prstGeom prst="rect">
+            <a:avLst/>
+          </a:prstGeom>
+        </p:spPr>
+        <p:txBody>
+          <a:bodyPr spcFirstLastPara="1" wrap="square" lIns="91425" tIns="91425" rIns="91425" bIns="91425" anchor="t" anchorCtr="0">
+            <a:noAutofit/>
+          </a:bodyPr>
+          <a:lstStyle/>
+          <a:p>
+            <a:pPr marL="0" lvl="0" indent="0" algn="l" rtl="0">
+              <a:spcBef>
+                <a:spcPts val="0"/>
+              </a:spcBef>
+              <a:spcAft>
+                <a:spcPts val="0"/>
+              </a:spcAft>
+              <a:buNone/>
+            </a:pPr>
+            <a:r>
+              <a:rPr lang="en"/>
+              <a:t>Presented by Atul</a:t>
+            </a:r>
+            <a:endParaRPr/>
+          </a:p>
+        </p:txBody>
+      </p:sp>
+    </p:spTree>
+  </p:cSld>
+  <p:clrMapOvr>
+    <a:masterClrMapping/>
+  </p:clrMapOvr>
+</p:notes>
+</file>
+
+<file path=ppt/notesSlides/notesSlide8.xml><?xml version="1.0" encoding="utf-8"?>
+<p:notes xmlns:a="http://schemas.openxmlformats.org/drawingml/2006/main" xmlns:r="http://schemas.openxmlformats.org/officeDocument/2006/relationships" xmlns:p="http://schemas.openxmlformats.org/presentationml/2006/main" showMasterSp="0" showMasterPhAnim="0">
+  <p:cSld>
+    <p:spTree>
+      <p:nvGrpSpPr>
+        <p:cNvPr id="1" name="Shape 103"/>
+        <p:cNvGrpSpPr/>
+        <p:nvPr/>
+      </p:nvGrpSpPr>
+      <p:grpSpPr>
+        <a:xfrm>
+          <a:off x="0" y="0"/>
+          <a:ext cx="0" cy="0"/>
+          <a:chOff x="0" y="0"/>
+          <a:chExt cx="0" cy="0"/>
+        </a:xfrm>
+      </p:grpSpPr>
+      <p:sp>
+        <p:nvSpPr>
+          <p:cNvPr id="104" name="Google Shape;104;g8fa179197a_1_8:notes"/>
+          <p:cNvSpPr>
+            <a:spLocks noGrp="1" noRot="1" noChangeAspect="1"/>
+          </p:cNvSpPr>
+          <p:nvPr>
+            <p:ph type="sldImg" idx="2"/>
+          </p:nvPr>
+        </p:nvSpPr>
+        <p:spPr>
+          <a:xfrm>
+            <a:off x="381000" y="685800"/>
+            <a:ext cx="6096000" cy="3429000"/>
+          </a:xfrm>
+          <a:custGeom>
+            <a:avLst/>
+            <a:gdLst/>
+            <a:ahLst/>
+            <a:cxnLst/>
+            <a:rect l="l" t="t" r="r" b="b"/>
+            <a:pathLst>
+              <a:path w="120000" h="120000" extrusionOk="0">
+                <a:moveTo>
+                  <a:pt x="0" y="0"/>
+                </a:moveTo>
+                <a:lnTo>
+                  <a:pt x="120000" y="0"/>
+                </a:lnTo>
+                <a:lnTo>
+                  <a:pt x="120000" y="120000"/>
+                </a:lnTo>
+                <a:lnTo>
+                  <a:pt x="0" y="120000"/>
+                </a:lnTo>
+                <a:close/>
+              </a:path>
+            </a:pathLst>
+          </a:custGeom>
+        </p:spPr>
+      </p:sp>
+      <p:sp>
+        <p:nvSpPr>
+          <p:cNvPr id="105" name="Google Shape;105;g8fa179197a_1_8:notes"/>
+          <p:cNvSpPr txBox="1">
+            <a:spLocks noGrp="1"/>
+          </p:cNvSpPr>
+          <p:nvPr>
+            <p:ph type="body" idx="1"/>
+          </p:nvPr>
+        </p:nvSpPr>
+        <p:spPr>
+          <a:xfrm>
+            <a:off x="685800" y="4343400"/>
+            <a:ext cx="5486400" cy="4114800"/>
+          </a:xfrm>
+          <a:prstGeom prst="rect">
+            <a:avLst/>
+          </a:prstGeom>
+        </p:spPr>
+        <p:txBody>
+          <a:bodyPr spcFirstLastPara="1" wrap="square" lIns="91425" tIns="91425" rIns="91425" bIns="91425" anchor="t" anchorCtr="0">
+            <a:noAutofit/>
+          </a:bodyPr>
+          <a:lstStyle/>
+          <a:p>
+            <a:pPr marL="0" lvl="0" indent="0" algn="l" rtl="0">
+              <a:spcBef>
+                <a:spcPts val="0"/>
+              </a:spcBef>
+              <a:spcAft>
+                <a:spcPts val="0"/>
+              </a:spcAft>
+              <a:buNone/>
+            </a:pPr>
+            <a:r>
+              <a:rPr lang="en"/>
+              <a:t>Presented by Atul</a:t>
+            </a:r>
+            <a:endParaRPr/>
+          </a:p>
+        </p:txBody>
+      </p:sp>
+    </p:spTree>
+  </p:cSld>
+  <p:clrMapOvr>
+    <a:masterClrMapping/>
+  </p:clrMapOvr>
+</p:notes>
+</file>
+
+<file path=ppt/notesSlides/notesSlide9.xml><?xml version="1.0" encoding="utf-8"?>
+<p:notes xmlns:a="http://schemas.openxmlformats.org/drawingml/2006/main" xmlns:r="http://schemas.openxmlformats.org/officeDocument/2006/relationships" xmlns:p="http://schemas.openxmlformats.org/presentationml/2006/main" showMasterSp="0" showMasterPhAnim="0">
+  <p:cSld>
+    <p:spTree>
+      <p:nvGrpSpPr>
+        <p:cNvPr id="1" name="Shape 97"/>
+        <p:cNvGrpSpPr/>
+        <p:nvPr/>
+      </p:nvGrpSpPr>
+      <p:grpSpPr>
+        <a:xfrm>
+          <a:off x="0" y="0"/>
+          <a:ext cx="0" cy="0"/>
+          <a:chOff x="0" y="0"/>
+          <a:chExt cx="0" cy="0"/>
+        </a:xfrm>
+      </p:grpSpPr>
+      <p:sp>
+        <p:nvSpPr>
           <p:cNvPr id="98" name="Google Shape;98;g8bd8d03295_0_202:notes"/>
           <p:cNvSpPr>
             <a:spLocks noGrp="1" noRot="1" noChangeAspect="1"/>
@@ -1404,7 +1836,7 @@
         </p:nvSpPr>
         <p:spPr>
           <a:xfrm>
-            <a:off x="381300" y="685800"/>
+            <a:off x="381000" y="685800"/>
             <a:ext cx="6096000" cy="3429000"/>
           </a:xfrm>
           <a:custGeom>
@@ -1470,222 +1902,6 @@
             <a:r>
               <a:rPr lang="en"/>
               <a:t>Presented by Siraj</a:t>
-            </a:r>
-            <a:endParaRPr/>
-          </a:p>
-        </p:txBody>
-      </p:sp>
-    </p:spTree>
-  </p:cSld>
-  <p:clrMapOvr>
-    <a:masterClrMapping/>
-  </p:clrMapOvr>
-</p:notes>
-</file>
-
-<file path=ppt/notesSlides/notesSlide8.xml><?xml version="1.0" encoding="utf-8"?>
-<p:notes xmlns:a="http://schemas.openxmlformats.org/drawingml/2006/main" xmlns:r="http://schemas.openxmlformats.org/officeDocument/2006/relationships" xmlns:p="http://schemas.openxmlformats.org/presentationml/2006/main" showMasterSp="0" showMasterPhAnim="0">
-  <p:cSld>
-    <p:spTree>
-      <p:nvGrpSpPr>
-        <p:cNvPr id="1" name="Shape 102"/>
-        <p:cNvGrpSpPr/>
-        <p:nvPr/>
-      </p:nvGrpSpPr>
-      <p:grpSpPr>
-        <a:xfrm>
-          <a:off x="0" y="0"/>
-          <a:ext cx="0" cy="0"/>
-          <a:chOff x="0" y="0"/>
-          <a:chExt cx="0" cy="0"/>
-        </a:xfrm>
-      </p:grpSpPr>
-      <p:sp>
-        <p:nvSpPr>
-          <p:cNvPr id="103" name="Google Shape;103;g8bd8d25d72_2_6:notes"/>
-          <p:cNvSpPr>
-            <a:spLocks noGrp="1" noRot="1" noChangeAspect="1"/>
-          </p:cNvSpPr>
-          <p:nvPr>
-            <p:ph type="sldImg" idx="2"/>
-          </p:nvPr>
-        </p:nvSpPr>
-        <p:spPr>
-          <a:xfrm>
-            <a:off x="381000" y="685800"/>
-            <a:ext cx="6096000" cy="3429000"/>
-          </a:xfrm>
-          <a:custGeom>
-            <a:avLst/>
-            <a:gdLst/>
-            <a:ahLst/>
-            <a:cxnLst/>
-            <a:rect l="l" t="t" r="r" b="b"/>
-            <a:pathLst>
-              <a:path w="120000" h="120000" extrusionOk="0">
-                <a:moveTo>
-                  <a:pt x="0" y="0"/>
-                </a:moveTo>
-                <a:lnTo>
-                  <a:pt x="120000" y="0"/>
-                </a:lnTo>
-                <a:lnTo>
-                  <a:pt x="120000" y="120000"/>
-                </a:lnTo>
-                <a:lnTo>
-                  <a:pt x="0" y="120000"/>
-                </a:lnTo>
-                <a:close/>
-              </a:path>
-            </a:pathLst>
-          </a:custGeom>
-        </p:spPr>
-      </p:sp>
-      <p:sp>
-        <p:nvSpPr>
-          <p:cNvPr id="104" name="Google Shape;104;g8bd8d25d72_2_6:notes"/>
-          <p:cNvSpPr txBox="1">
-            <a:spLocks noGrp="1"/>
-          </p:cNvSpPr>
-          <p:nvPr>
-            <p:ph type="body" idx="1"/>
-          </p:nvPr>
-        </p:nvSpPr>
-        <p:spPr>
-          <a:xfrm>
-            <a:off x="685800" y="4343400"/>
-            <a:ext cx="5486400" cy="4114800"/>
-          </a:xfrm>
-          <a:prstGeom prst="rect">
-            <a:avLst/>
-          </a:prstGeom>
-        </p:spPr>
-        <p:txBody>
-          <a:bodyPr spcFirstLastPara="1" wrap="square" lIns="91425" tIns="91425" rIns="91425" bIns="91425" anchor="t" anchorCtr="0">
-            <a:noAutofit/>
-          </a:bodyPr>
-          <a:lstStyle/>
-          <a:p>
-            <a:pPr marL="0" lvl="0" indent="0" algn="l" rtl="0">
-              <a:spcBef>
-                <a:spcPts val="0"/>
-              </a:spcBef>
-              <a:spcAft>
-                <a:spcPts val="0"/>
-              </a:spcAft>
-              <a:buNone/>
-            </a:pPr>
-            <a:r>
-              <a:rPr lang="en"/>
-              <a:t>Presented by Alan</a:t>
-            </a:r>
-            <a:endParaRPr/>
-          </a:p>
-        </p:txBody>
-      </p:sp>
-    </p:spTree>
-  </p:cSld>
-  <p:clrMapOvr>
-    <a:masterClrMapping/>
-  </p:clrMapOvr>
-</p:notes>
-</file>
-
-<file path=ppt/notesSlides/notesSlide9.xml><?xml version="1.0" encoding="utf-8"?>
-<p:notes xmlns:a="http://schemas.openxmlformats.org/drawingml/2006/main" xmlns:r="http://schemas.openxmlformats.org/officeDocument/2006/relationships" xmlns:p="http://schemas.openxmlformats.org/presentationml/2006/main" showMasterSp="0" showMasterPhAnim="0">
-  <p:cSld>
-    <p:spTree>
-      <p:nvGrpSpPr>
-        <p:cNvPr id="1" name="Shape 108"/>
-        <p:cNvGrpSpPr/>
-        <p:nvPr/>
-      </p:nvGrpSpPr>
-      <p:grpSpPr>
-        <a:xfrm>
-          <a:off x="0" y="0"/>
-          <a:ext cx="0" cy="0"/>
-          <a:chOff x="0" y="0"/>
-          <a:chExt cx="0" cy="0"/>
-        </a:xfrm>
-      </p:grpSpPr>
-      <p:sp>
-        <p:nvSpPr>
-          <p:cNvPr id="109" name="Google Shape;109;g8bd8d25d72_2_12:notes"/>
-          <p:cNvSpPr>
-            <a:spLocks noGrp="1" noRot="1" noChangeAspect="1"/>
-          </p:cNvSpPr>
-          <p:nvPr>
-            <p:ph type="sldImg" idx="2"/>
-          </p:nvPr>
-        </p:nvSpPr>
-        <p:spPr>
-          <a:xfrm>
-            <a:off x="381300" y="685800"/>
-            <a:ext cx="6096000" cy="3429000"/>
-          </a:xfrm>
-          <a:custGeom>
-            <a:avLst/>
-            <a:gdLst/>
-            <a:ahLst/>
-            <a:cxnLst/>
-            <a:rect l="l" t="t" r="r" b="b"/>
-            <a:pathLst>
-              <a:path w="120000" h="120000" extrusionOk="0">
-                <a:moveTo>
-                  <a:pt x="0" y="0"/>
-                </a:moveTo>
-                <a:lnTo>
-                  <a:pt x="120000" y="0"/>
-                </a:lnTo>
-                <a:lnTo>
-                  <a:pt x="120000" y="120000"/>
-                </a:lnTo>
-                <a:lnTo>
-                  <a:pt x="0" y="120000"/>
-                </a:lnTo>
-                <a:close/>
-              </a:path>
-            </a:pathLst>
-          </a:custGeom>
-        </p:spPr>
-      </p:sp>
-      <p:sp>
-        <p:nvSpPr>
-          <p:cNvPr id="110" name="Google Shape;110;g8bd8d25d72_2_12:notes"/>
-          <p:cNvSpPr txBox="1">
-            <a:spLocks noGrp="1"/>
-          </p:cNvSpPr>
-          <p:nvPr>
-            <p:ph type="body" idx="1"/>
-          </p:nvPr>
-        </p:nvSpPr>
-        <p:spPr>
-          <a:xfrm>
-            <a:off x="685800" y="4343400"/>
-            <a:ext cx="5486400" cy="4114800"/>
-          </a:xfrm>
-          <a:prstGeom prst="rect">
-            <a:avLst/>
-          </a:prstGeom>
-        </p:spPr>
-        <p:txBody>
-          <a:bodyPr spcFirstLastPara="1" wrap="square" lIns="91425" tIns="91425" rIns="91425" bIns="91425" anchor="t" anchorCtr="0">
-            <a:noAutofit/>
-          </a:bodyPr>
-          <a:lstStyle/>
-          <a:p>
-            <a:pPr marL="0" lvl="0" indent="0" algn="l" rtl="0">
-              <a:spcBef>
-                <a:spcPts val="0"/>
-              </a:spcBef>
-              <a:spcAft>
-                <a:spcPts val="0"/>
-              </a:spcAft>
-              <a:buNone/>
-            </a:pPr>
-            <a:r>
-              <a:rPr lang="en"/>
-              <a:t>Presented by Alan</a:t>
             </a:r>
             <a:endParaRPr/>
           </a:p>
@@ -9524,32 +9740,27 @@
       </p:sp>
       <p:pic>
         <p:nvPicPr>
-          <p:cNvPr id="3" name="Picture 2">
-            <a:extLst>
-              <a:ext uri="{FF2B5EF4-FFF2-40B4-BE49-F238E27FC236}">
-                <a16:creationId xmlns:a16="http://schemas.microsoft.com/office/drawing/2014/main" id="{1CA0CCFE-34D9-467A-ACAC-4AFD814993A9}"/>
-              </a:ext>
-            </a:extLst>
-          </p:cNvPr>
-          <p:cNvPicPr>
-            <a:picLocks noChangeAspect="1"/>
-          </p:cNvPicPr>
+          <p:cNvPr id="84" name="Google Shape;84;p16"/>
+          <p:cNvPicPr preferRelativeResize="0"/>
           <p:nvPr/>
         </p:nvPicPr>
         <p:blipFill>
-          <a:blip r:embed="rId3"/>
+          <a:blip r:embed="rId3">
+            <a:alphaModFix/>
+          </a:blip>
           <a:stretch>
             <a:fillRect/>
           </a:stretch>
         </p:blipFill>
         <p:spPr>
           <a:xfrm>
-            <a:off x="0" y="1317812"/>
-            <a:ext cx="9130553" cy="3981465"/>
+            <a:off x="152400" y="1266275"/>
+            <a:ext cx="8839203" cy="3424646"/>
           </a:xfrm>
           <a:prstGeom prst="rect">
             <a:avLst/>
           </a:prstGeom>
+          <a:noFill/>
           <a:ln>
             <a:solidFill>
               <a:schemeClr val="accent1"/>
@@ -9626,32 +9837,27 @@
       </p:sp>
       <p:pic>
         <p:nvPicPr>
-          <p:cNvPr id="2" name="Picture 1">
-            <a:extLst>
-              <a:ext uri="{FF2B5EF4-FFF2-40B4-BE49-F238E27FC236}">
-                <a16:creationId xmlns:a16="http://schemas.microsoft.com/office/drawing/2014/main" id="{7199382B-1BFA-4059-907C-8A97A57BA21A}"/>
-              </a:ext>
-            </a:extLst>
-          </p:cNvPr>
-          <p:cNvPicPr>
-            <a:picLocks noChangeAspect="1"/>
-          </p:cNvPicPr>
+          <p:cNvPr id="90" name="Google Shape;90;p17"/>
+          <p:cNvPicPr preferRelativeResize="0"/>
           <p:nvPr/>
         </p:nvPicPr>
         <p:blipFill>
-          <a:blip r:embed="rId3"/>
+          <a:blip r:embed="rId3">
+            <a:alphaModFix/>
+          </a:blip>
           <a:stretch>
             <a:fillRect/>
           </a:stretch>
         </p:blipFill>
         <p:spPr>
           <a:xfrm>
-            <a:off x="0" y="1309174"/>
-            <a:ext cx="9144000" cy="3834325"/>
+            <a:off x="152400" y="1277025"/>
+            <a:ext cx="8839201" cy="3419613"/>
           </a:xfrm>
           <a:prstGeom prst="rect">
             <a:avLst/>
           </a:prstGeom>
+          <a:noFill/>
           <a:ln>
             <a:solidFill>
               <a:schemeClr val="accent1"/>
@@ -9719,41 +9925,36 @@
               <a:buNone/>
             </a:pPr>
             <a:r>
-              <a:rPr lang="en" dirty="0"/>
+              <a:rPr lang="en"/>
               <a:t>GDP vs. Hospital Beds</a:t>
             </a:r>
-            <a:endParaRPr dirty="0"/>
+            <a:endParaRPr/>
           </a:p>
         </p:txBody>
       </p:sp>
       <p:pic>
         <p:nvPicPr>
-          <p:cNvPr id="2" name="Picture 1">
-            <a:extLst>
-              <a:ext uri="{FF2B5EF4-FFF2-40B4-BE49-F238E27FC236}">
-                <a16:creationId xmlns:a16="http://schemas.microsoft.com/office/drawing/2014/main" id="{8BCEA10A-6756-48B1-800F-0605998B17FB}"/>
-              </a:ext>
-            </a:extLst>
-          </p:cNvPr>
-          <p:cNvPicPr>
-            <a:picLocks noChangeAspect="1"/>
-          </p:cNvPicPr>
+          <p:cNvPr id="96" name="Google Shape;96;p18"/>
+          <p:cNvPicPr preferRelativeResize="0"/>
           <p:nvPr/>
         </p:nvPicPr>
         <p:blipFill>
-          <a:blip r:embed="rId3"/>
+          <a:blip r:embed="rId3">
+            <a:alphaModFix/>
+          </a:blip>
           <a:stretch>
             <a:fillRect/>
           </a:stretch>
         </p:blipFill>
         <p:spPr>
           <a:xfrm>
-            <a:off x="0" y="1297641"/>
-            <a:ext cx="9144000" cy="4871170"/>
+            <a:off x="152400" y="1277025"/>
+            <a:ext cx="8839203" cy="3428274"/>
           </a:xfrm>
           <a:prstGeom prst="rect">
             <a:avLst/>
           </a:prstGeom>
+          <a:noFill/>
           <a:ln>
             <a:solidFill>
               <a:schemeClr val="accent1"/>
@@ -9774,7 +9975,7 @@
   <p:cSld>
     <p:spTree>
       <p:nvGrpSpPr>
-        <p:cNvPr id="1" name=""/>
+        <p:cNvPr id="1" name="Shape 100"/>
         <p:cNvGrpSpPr/>
         <p:nvPr/>
       </p:nvGrpSpPr>
@@ -9788,60 +9989,69 @@
       </p:grpSpPr>
       <p:sp>
         <p:nvSpPr>
-          <p:cNvPr id="2" name="Title 1">
-            <a:extLst>
-              <a:ext uri="{FF2B5EF4-FFF2-40B4-BE49-F238E27FC236}">
-                <a16:creationId xmlns:a16="http://schemas.microsoft.com/office/drawing/2014/main" id="{224632E3-E252-4C28-B95A-8FC6A47F86BA}"/>
-              </a:ext>
-            </a:extLst>
-          </p:cNvPr>
-          <p:cNvSpPr>
+          <p:cNvPr id="101" name="Google Shape;101;p19"/>
+          <p:cNvSpPr txBox="1">
             <a:spLocks noGrp="1"/>
           </p:cNvSpPr>
           <p:nvPr>
             <p:ph type="title"/>
           </p:nvPr>
         </p:nvSpPr>
-        <p:spPr/>
+        <p:spPr>
+          <a:xfrm>
+            <a:off x="311725" y="500925"/>
+            <a:ext cx="8520600" cy="623700"/>
+          </a:xfrm>
+          <a:prstGeom prst="rect">
+            <a:avLst/>
+          </a:prstGeom>
+        </p:spPr>
         <p:txBody>
-          <a:bodyPr/>
+          <a:bodyPr spcFirstLastPara="1" wrap="square" lIns="91425" tIns="91425" rIns="91425" bIns="91425" anchor="t" anchorCtr="0">
+            <a:noAutofit/>
+          </a:bodyPr>
           <a:lstStyle/>
           <a:p>
+            <a:pPr marL="0" lvl="0" indent="0" algn="l" rtl="0">
+              <a:spcBef>
+                <a:spcPts val="0"/>
+              </a:spcBef>
+              <a:spcAft>
+                <a:spcPts val="0"/>
+              </a:spcAft>
+              <a:buNone/>
+            </a:pPr>
             <a:r>
-              <a:rPr lang="en-US" dirty="0"/>
-              <a:t>Custom axes selected from list</a:t>
+              <a:rPr lang="en"/>
+              <a:t>Compare Features</a:t>
             </a:r>
+            <a:endParaRPr/>
           </a:p>
         </p:txBody>
       </p:sp>
       <p:pic>
         <p:nvPicPr>
-          <p:cNvPr id="3" name="Picture 2">
-            <a:extLst>
-              <a:ext uri="{FF2B5EF4-FFF2-40B4-BE49-F238E27FC236}">
-                <a16:creationId xmlns:a16="http://schemas.microsoft.com/office/drawing/2014/main" id="{3692BEC6-10C6-430E-9092-1B18DA65C62D}"/>
-              </a:ext>
-            </a:extLst>
-          </p:cNvPr>
-          <p:cNvPicPr>
-            <a:picLocks noChangeAspect="1"/>
-          </p:cNvPicPr>
+          <p:cNvPr id="102" name="Google Shape;102;p19"/>
+          <p:cNvPicPr preferRelativeResize="0"/>
           <p:nvPr/>
         </p:nvPicPr>
         <p:blipFill>
-          <a:blip r:embed="rId2"/>
+          <a:blip r:embed="rId3">
+            <a:alphaModFix/>
+          </a:blip>
           <a:stretch>
             <a:fillRect/>
           </a:stretch>
         </p:blipFill>
         <p:spPr>
           <a:xfrm>
-            <a:off x="0" y="1317812"/>
-            <a:ext cx="9144000" cy="3825688"/>
+            <a:off x="152400" y="1277025"/>
+            <a:ext cx="8839199" cy="3519952"/>
           </a:xfrm>
           <a:prstGeom prst="rect">
             <a:avLst/>
           </a:prstGeom>
+          <a:noFill/>
           <a:ln>
             <a:solidFill>
               <a:schemeClr val="accent1"/>
@@ -9850,11 +10060,6 @@
         </p:spPr>
       </p:pic>
     </p:spTree>
-    <p:extLst>
-      <p:ext uri="{BB962C8B-B14F-4D97-AF65-F5344CB8AC3E}">
-        <p14:creationId xmlns:p14="http://schemas.microsoft.com/office/powerpoint/2010/main" val="3206700948"/>
-      </p:ext>
-    </p:extLst>
   </p:cSld>
   <p:clrMapOvr>
     <a:masterClrMapping/>
@@ -9867,7 +10072,7 @@
   <p:cSld>
     <p:spTree>
       <p:nvGrpSpPr>
-        <p:cNvPr id="1" name=""/>
+        <p:cNvPr id="1" name="Shape 106"/>
         <p:cNvGrpSpPr/>
         <p:nvPr/>
       </p:nvGrpSpPr>
@@ -9881,60 +10086,69 @@
       </p:grpSpPr>
       <p:sp>
         <p:nvSpPr>
-          <p:cNvPr id="2" name="Title 1">
-            <a:extLst>
-              <a:ext uri="{FF2B5EF4-FFF2-40B4-BE49-F238E27FC236}">
-                <a16:creationId xmlns:a16="http://schemas.microsoft.com/office/drawing/2014/main" id="{224632E3-E252-4C28-B95A-8FC6A47F86BA}"/>
-              </a:ext>
-            </a:extLst>
-          </p:cNvPr>
-          <p:cNvSpPr>
+          <p:cNvPr id="107" name="Google Shape;107;p20"/>
+          <p:cNvSpPr txBox="1">
             <a:spLocks noGrp="1"/>
           </p:cNvSpPr>
           <p:nvPr>
             <p:ph type="title"/>
           </p:nvPr>
         </p:nvSpPr>
-        <p:spPr/>
+        <p:spPr>
+          <a:xfrm>
+            <a:off x="311725" y="500925"/>
+            <a:ext cx="8520600" cy="623700"/>
+          </a:xfrm>
+          <a:prstGeom prst="rect">
+            <a:avLst/>
+          </a:prstGeom>
+        </p:spPr>
         <p:txBody>
-          <a:bodyPr/>
+          <a:bodyPr spcFirstLastPara="1" wrap="square" lIns="91425" tIns="91425" rIns="91425" bIns="91425" anchor="t" anchorCtr="0">
+            <a:noAutofit/>
+          </a:bodyPr>
           <a:lstStyle/>
           <a:p>
+            <a:pPr marL="0" lvl="0" indent="0" algn="l" rtl="0">
+              <a:spcBef>
+                <a:spcPts val="0"/>
+              </a:spcBef>
+              <a:spcAft>
+                <a:spcPts val="0"/>
+              </a:spcAft>
+              <a:buNone/>
+            </a:pPr>
             <a:r>
-              <a:rPr lang="en-US" dirty="0"/>
-              <a:t>Predicting cases using machine learning</a:t>
+              <a:rPr lang="en"/>
+              <a:t>Predictions</a:t>
             </a:r>
+            <a:endParaRPr/>
           </a:p>
         </p:txBody>
       </p:sp>
       <p:pic>
         <p:nvPicPr>
-          <p:cNvPr id="4" name="Picture 3">
-            <a:extLst>
-              <a:ext uri="{FF2B5EF4-FFF2-40B4-BE49-F238E27FC236}">
-                <a16:creationId xmlns:a16="http://schemas.microsoft.com/office/drawing/2014/main" id="{2C84264B-BF4D-4F67-ACD4-968A8B191287}"/>
-              </a:ext>
-            </a:extLst>
-          </p:cNvPr>
-          <p:cNvPicPr>
-            <a:picLocks noChangeAspect="1"/>
-          </p:cNvPicPr>
+          <p:cNvPr id="108" name="Google Shape;108;p20"/>
+          <p:cNvPicPr preferRelativeResize="0"/>
           <p:nvPr/>
         </p:nvPicPr>
         <p:blipFill>
-          <a:blip r:embed="rId2"/>
+          <a:blip r:embed="rId3">
+            <a:alphaModFix/>
+          </a:blip>
           <a:stretch>
             <a:fillRect/>
           </a:stretch>
         </p:blipFill>
         <p:spPr>
           <a:xfrm>
-            <a:off x="0" y="1253836"/>
-            <a:ext cx="9144000" cy="3889664"/>
+            <a:off x="152400" y="1277025"/>
+            <a:ext cx="8839202" cy="3342264"/>
           </a:xfrm>
           <a:prstGeom prst="rect">
             <a:avLst/>
           </a:prstGeom>
+          <a:noFill/>
           <a:ln>
             <a:solidFill>
               <a:schemeClr val="accent1"/>
@@ -9943,11 +10157,6 @@
         </p:spPr>
       </p:pic>
     </p:spTree>
-    <p:extLst>
-      <p:ext uri="{BB962C8B-B14F-4D97-AF65-F5344CB8AC3E}">
-        <p14:creationId xmlns:p14="http://schemas.microsoft.com/office/powerpoint/2010/main" val="2328864383"/>
-      </p:ext>
-    </p:extLst>
   </p:cSld>
   <p:clrMapOvr>
     <a:masterClrMapping/>
